--- a/FYP Presentation.pptx
+++ b/FYP Presentation.pptx
@@ -111,6 +111,11 @@
       </a:defRPr>
     </a:lvl9pPr>
   </p:defaultTextStyle>
+  <p:extLst>
+    <p:ext uri="{EFAFB233-063F-42B5-8137-9DF3F51BA10A}">
+      <p15:sldGuideLst xmlns:p15="http://schemas.microsoft.com/office/powerpoint/2012/main"/>
+    </p:ext>
+  </p:extLst>
 </p:presentation>
 </file>
 
@@ -3484,7 +3489,108 @@
           <a:bodyPr/>
           <a:lstStyle/>
           <a:p>
-            <a:endParaRPr lang="en-GB"/>
+            <a:r>
+              <a:rPr lang="en-GB" dirty="0"/>
+              <a:t>Social media is great but we all know there is a fundamental problem. Everyone loves how easy it is to setup </a:t>
+            </a:r>
+            <a:r>
+              <a:rPr lang="en-GB"/>
+              <a:t>and use but </a:t>
+            </a:r>
+            <a:r>
+              <a:rPr lang="en-GB" dirty="0"/>
+              <a:t>what happens when the wrong person/people/group manage to influence many by spreading hateful thoughts?</a:t>
+            </a:r>
+          </a:p>
+          <a:p>
+            <a:r>
+              <a:rPr lang="en-GB" dirty="0"/>
+              <a:t>We saw in October last year that </a:t>
+            </a:r>
+            <a:r>
+              <a:rPr lang="en-GB" b="0" i="0" dirty="0">
+                <a:solidFill>
+                  <a:srgbClr val="141414"/>
+                </a:solidFill>
+                <a:effectLst/>
+                <a:latin typeface="ReithSans"/>
+              </a:rPr>
+              <a:t>"Facebook has been unwilling to accept even little slivers of profit being sacrificed for safety"</a:t>
+            </a:r>
+            <a:r>
+              <a:rPr lang="en-GB" b="0" i="0" baseline="30000" dirty="0">
+                <a:solidFill>
+                  <a:srgbClr val="141414"/>
+                </a:solidFill>
+                <a:effectLst/>
+                <a:latin typeface="ReithSans"/>
+                <a:hlinkClick r:id="rId2"/>
+              </a:rPr>
+              <a:t>[1]</a:t>
+            </a:r>
+            <a:endParaRPr lang="en-GB" b="0" i="0" baseline="30000" dirty="0">
+              <a:solidFill>
+                <a:srgbClr val="141414"/>
+              </a:solidFill>
+              <a:effectLst/>
+              <a:latin typeface="ReithSans"/>
+            </a:endParaRPr>
+          </a:p>
+          <a:p>
+            <a:endParaRPr lang="en-GB" baseline="30000" dirty="0">
+              <a:solidFill>
+                <a:srgbClr val="141414"/>
+              </a:solidFill>
+              <a:latin typeface="ReithSans"/>
+            </a:endParaRPr>
+          </a:p>
+          <a:p>
+            <a:r>
+              <a:rPr lang="en-GB" dirty="0">
+                <a:solidFill>
+                  <a:srgbClr val="141414"/>
+                </a:solidFill>
+                <a:latin typeface="ReithSans"/>
+              </a:rPr>
+              <a:t>I wanted to see whether I could do something about it</a:t>
+            </a:r>
+            <a:endParaRPr lang="en-GB" dirty="0"/>
+          </a:p>
+        </p:txBody>
+      </p:sp>
+      <p:sp>
+        <p:nvSpPr>
+          <p:cNvPr id="4" name="TextBox 3">
+            <a:extLst>
+              <a:ext uri="{FF2B5EF4-FFF2-40B4-BE49-F238E27FC236}">
+                <a16:creationId xmlns:a16="http://schemas.microsoft.com/office/drawing/2014/main" id="{0030B8A0-D391-C38E-2374-913B5288677A}"/>
+              </a:ext>
+            </a:extLst>
+          </p:cNvPr>
+          <p:cNvSpPr txBox="1"/>
+          <p:nvPr/>
+        </p:nvSpPr>
+        <p:spPr>
+          <a:xfrm>
+            <a:off x="838200" y="6176963"/>
+            <a:ext cx="10515600" cy="276999"/>
+          </a:xfrm>
+          <a:prstGeom prst="rect">
+            <a:avLst/>
+          </a:prstGeom>
+          <a:noFill/>
+        </p:spPr>
+        <p:txBody>
+          <a:bodyPr wrap="square" rtlCol="0">
+            <a:spAutoFit/>
+          </a:bodyPr>
+          <a:lstStyle/>
+          <a:p>
+            <a:r>
+              <a:rPr lang="en-GB" sz="1200" dirty="0"/>
+              <a:t>Sources: https://www.bbc.co.uk/news/technology-59038506</a:t>
+            </a:r>
+            <a:endParaRPr lang="en-GB" dirty="0"/>
           </a:p>
         </p:txBody>
       </p:sp>
@@ -3567,7 +3673,7 @@
           <a:bodyPr/>
           <a:lstStyle/>
           <a:p>
-            <a:endParaRPr lang="en-GB"/>
+            <a:endParaRPr lang="en-GB" dirty="0"/>
           </a:p>
         </p:txBody>
       </p:sp>

--- a/FYP Presentation.pptx
+++ b/FYP Presentation.pptx
@@ -268,7 +268,7 @@
           <a:p>
             <a:fld id="{A7E93B79-5F87-463F-BE54-B700F7D9A626}" type="datetimeFigureOut">
               <a:rPr lang="en-GB" smtClean="0"/>
-              <a:t>14/06/2022</a:t>
+              <a:t>15/06/2022</a:t>
             </a:fld>
             <a:endParaRPr lang="en-GB"/>
           </a:p>
@@ -468,7 +468,7 @@
           <a:p>
             <a:fld id="{A7E93B79-5F87-463F-BE54-B700F7D9A626}" type="datetimeFigureOut">
               <a:rPr lang="en-GB" smtClean="0"/>
-              <a:t>14/06/2022</a:t>
+              <a:t>15/06/2022</a:t>
             </a:fld>
             <a:endParaRPr lang="en-GB"/>
           </a:p>
@@ -678,7 +678,7 @@
           <a:p>
             <a:fld id="{A7E93B79-5F87-463F-BE54-B700F7D9A626}" type="datetimeFigureOut">
               <a:rPr lang="en-GB" smtClean="0"/>
-              <a:t>14/06/2022</a:t>
+              <a:t>15/06/2022</a:t>
             </a:fld>
             <a:endParaRPr lang="en-GB"/>
           </a:p>
@@ -878,7 +878,7 @@
           <a:p>
             <a:fld id="{A7E93B79-5F87-463F-BE54-B700F7D9A626}" type="datetimeFigureOut">
               <a:rPr lang="en-GB" smtClean="0"/>
-              <a:t>14/06/2022</a:t>
+              <a:t>15/06/2022</a:t>
             </a:fld>
             <a:endParaRPr lang="en-GB"/>
           </a:p>
@@ -1154,7 +1154,7 @@
           <a:p>
             <a:fld id="{A7E93B79-5F87-463F-BE54-B700F7D9A626}" type="datetimeFigureOut">
               <a:rPr lang="en-GB" smtClean="0"/>
-              <a:t>14/06/2022</a:t>
+              <a:t>15/06/2022</a:t>
             </a:fld>
             <a:endParaRPr lang="en-GB"/>
           </a:p>
@@ -1422,7 +1422,7 @@
           <a:p>
             <a:fld id="{A7E93B79-5F87-463F-BE54-B700F7D9A626}" type="datetimeFigureOut">
               <a:rPr lang="en-GB" smtClean="0"/>
-              <a:t>14/06/2022</a:t>
+              <a:t>15/06/2022</a:t>
             </a:fld>
             <a:endParaRPr lang="en-GB"/>
           </a:p>
@@ -1837,7 +1837,7 @@
           <a:p>
             <a:fld id="{A7E93B79-5F87-463F-BE54-B700F7D9A626}" type="datetimeFigureOut">
               <a:rPr lang="en-GB" smtClean="0"/>
-              <a:t>14/06/2022</a:t>
+              <a:t>15/06/2022</a:t>
             </a:fld>
             <a:endParaRPr lang="en-GB"/>
           </a:p>
@@ -1979,7 +1979,7 @@
           <a:p>
             <a:fld id="{A7E93B79-5F87-463F-BE54-B700F7D9A626}" type="datetimeFigureOut">
               <a:rPr lang="en-GB" smtClean="0"/>
-              <a:t>14/06/2022</a:t>
+              <a:t>15/06/2022</a:t>
             </a:fld>
             <a:endParaRPr lang="en-GB"/>
           </a:p>
@@ -2092,7 +2092,7 @@
           <a:p>
             <a:fld id="{A7E93B79-5F87-463F-BE54-B700F7D9A626}" type="datetimeFigureOut">
               <a:rPr lang="en-GB" smtClean="0"/>
-              <a:t>14/06/2022</a:t>
+              <a:t>15/06/2022</a:t>
             </a:fld>
             <a:endParaRPr lang="en-GB"/>
           </a:p>
@@ -2405,7 +2405,7 @@
           <a:p>
             <a:fld id="{A7E93B79-5F87-463F-BE54-B700F7D9A626}" type="datetimeFigureOut">
               <a:rPr lang="en-GB" smtClean="0"/>
-              <a:t>14/06/2022</a:t>
+              <a:t>15/06/2022</a:t>
             </a:fld>
             <a:endParaRPr lang="en-GB"/>
           </a:p>
@@ -2694,7 +2694,7 @@
           <a:p>
             <a:fld id="{A7E93B79-5F87-463F-BE54-B700F7D9A626}" type="datetimeFigureOut">
               <a:rPr lang="en-GB" smtClean="0"/>
-              <a:t>14/06/2022</a:t>
+              <a:t>15/06/2022</a:t>
             </a:fld>
             <a:endParaRPr lang="en-GB"/>
           </a:p>
@@ -2937,7 +2937,7 @@
           <a:p>
             <a:fld id="{A7E93B79-5F87-463F-BE54-B700F7D9A626}" type="datetimeFigureOut">
               <a:rPr lang="en-GB" smtClean="0"/>
-              <a:t>14/06/2022</a:t>
+              <a:t>15/06/2022</a:t>
             </a:fld>
             <a:endParaRPr lang="en-GB"/>
           </a:p>
@@ -3673,7 +3673,10 @@
           <a:bodyPr/>
           <a:lstStyle/>
           <a:p>
-            <a:endParaRPr lang="en-GB" dirty="0"/>
+            <a:r>
+              <a:rPr lang="en-GB" dirty="0"/>
+              <a:t>REMEMBERWEIGHT DECAY == 0. FIND A REASON WHY</a:t>
+            </a:r>
           </a:p>
         </p:txBody>
       </p:sp>

--- a/FYP Presentation.pptx
+++ b/FYP Presentation.pptx
@@ -4,15 +4,20 @@
   <p:sldMasterIdLst>
     <p:sldMasterId id="2147483648" r:id="rId1"/>
   </p:sldMasterIdLst>
+  <p:notesMasterIdLst>
+    <p:notesMasterId r:id="rId12"/>
+  </p:notesMasterIdLst>
   <p:sldIdLst>
-    <p:sldId id="256" r:id="rId2"/>
-    <p:sldId id="257" r:id="rId3"/>
-    <p:sldId id="258" r:id="rId4"/>
-    <p:sldId id="259" r:id="rId5"/>
-    <p:sldId id="260" r:id="rId6"/>
-    <p:sldId id="261" r:id="rId7"/>
-    <p:sldId id="262" r:id="rId8"/>
-    <p:sldId id="263" r:id="rId9"/>
+    <p:sldId id="264" r:id="rId2"/>
+    <p:sldId id="256" r:id="rId3"/>
+    <p:sldId id="257" r:id="rId4"/>
+    <p:sldId id="258" r:id="rId5"/>
+    <p:sldId id="265" r:id="rId6"/>
+    <p:sldId id="259" r:id="rId7"/>
+    <p:sldId id="260" r:id="rId8"/>
+    <p:sldId id="261" r:id="rId9"/>
+    <p:sldId id="262" r:id="rId10"/>
+    <p:sldId id="263" r:id="rId11"/>
   </p:sldIdLst>
   <p:sldSz cx="12192000" cy="6858000"/>
   <p:notesSz cx="6858000" cy="9144000"/>
@@ -119,6 +124,463 @@
 </p:presentation>
 </file>
 
+<file path=ppt/notesMasters/notesMaster1.xml><?xml version="1.0" encoding="utf-8"?>
+<p:notesMaster xmlns:a="http://schemas.openxmlformats.org/drawingml/2006/main" xmlns:r="http://schemas.openxmlformats.org/officeDocument/2006/relationships" xmlns:p="http://schemas.openxmlformats.org/presentationml/2006/main">
+  <p:cSld>
+    <p:bg>
+      <p:bgRef idx="1001">
+        <a:schemeClr val="bg1"/>
+      </p:bgRef>
+    </p:bg>
+    <p:spTree>
+      <p:nvGrpSpPr>
+        <p:cNvPr id="1" name=""/>
+        <p:cNvGrpSpPr/>
+        <p:nvPr/>
+      </p:nvGrpSpPr>
+      <p:grpSpPr>
+        <a:xfrm>
+          <a:off x="0" y="0"/>
+          <a:ext cx="0" cy="0"/>
+          <a:chOff x="0" y="0"/>
+          <a:chExt cx="0" cy="0"/>
+        </a:xfrm>
+      </p:grpSpPr>
+      <p:sp>
+        <p:nvSpPr>
+          <p:cNvPr id="2" name="Header Placeholder 1"/>
+          <p:cNvSpPr>
+            <a:spLocks noGrp="1"/>
+          </p:cNvSpPr>
+          <p:nvPr>
+            <p:ph type="hdr" sz="quarter"/>
+          </p:nvPr>
+        </p:nvSpPr>
+        <p:spPr>
+          <a:xfrm>
+            <a:off x="0" y="0"/>
+            <a:ext cx="2971800" cy="458788"/>
+          </a:xfrm>
+          <a:prstGeom prst="rect">
+            <a:avLst/>
+          </a:prstGeom>
+        </p:spPr>
+        <p:txBody>
+          <a:bodyPr vert="horz" lIns="91440" tIns="45720" rIns="91440" bIns="45720" rtlCol="0"/>
+          <a:lstStyle>
+            <a:lvl1pPr algn="l">
+              <a:defRPr sz="1200"/>
+            </a:lvl1pPr>
+          </a:lstStyle>
+          <a:p>
+            <a:endParaRPr lang="en-GB"/>
+          </a:p>
+        </p:txBody>
+      </p:sp>
+      <p:sp>
+        <p:nvSpPr>
+          <p:cNvPr id="3" name="Date Placeholder 2"/>
+          <p:cNvSpPr>
+            <a:spLocks noGrp="1"/>
+          </p:cNvSpPr>
+          <p:nvPr>
+            <p:ph type="dt" idx="1"/>
+          </p:nvPr>
+        </p:nvSpPr>
+        <p:spPr>
+          <a:xfrm>
+            <a:off x="3884613" y="0"/>
+            <a:ext cx="2971800" cy="458788"/>
+          </a:xfrm>
+          <a:prstGeom prst="rect">
+            <a:avLst/>
+          </a:prstGeom>
+        </p:spPr>
+        <p:txBody>
+          <a:bodyPr vert="horz" lIns="91440" tIns="45720" rIns="91440" bIns="45720" rtlCol="0"/>
+          <a:lstStyle>
+            <a:lvl1pPr algn="r">
+              <a:defRPr sz="1200"/>
+            </a:lvl1pPr>
+          </a:lstStyle>
+          <a:p>
+            <a:fld id="{3E8EE9C8-0F55-4C1F-A577-BB7912626A21}" type="datetimeFigureOut">
+              <a:rPr lang="en-GB" smtClean="0"/>
+              <a:t>20/06/2022</a:t>
+            </a:fld>
+            <a:endParaRPr lang="en-GB"/>
+          </a:p>
+        </p:txBody>
+      </p:sp>
+      <p:sp>
+        <p:nvSpPr>
+          <p:cNvPr id="4" name="Slide Image Placeholder 3"/>
+          <p:cNvSpPr>
+            <a:spLocks noGrp="1" noRot="1" noChangeAspect="1"/>
+          </p:cNvSpPr>
+          <p:nvPr>
+            <p:ph type="sldImg" idx="2"/>
+          </p:nvPr>
+        </p:nvSpPr>
+        <p:spPr>
+          <a:xfrm>
+            <a:off x="685800" y="1143000"/>
+            <a:ext cx="5486400" cy="3086100"/>
+          </a:xfrm>
+          <a:prstGeom prst="rect">
+            <a:avLst/>
+          </a:prstGeom>
+          <a:noFill/>
+          <a:ln w="12700">
+            <a:solidFill>
+              <a:prstClr val="black"/>
+            </a:solidFill>
+          </a:ln>
+        </p:spPr>
+        <p:txBody>
+          <a:bodyPr vert="horz" lIns="91440" tIns="45720" rIns="91440" bIns="45720" rtlCol="0" anchor="ctr"/>
+          <a:lstStyle/>
+          <a:p>
+            <a:endParaRPr lang="en-GB"/>
+          </a:p>
+        </p:txBody>
+      </p:sp>
+      <p:sp>
+        <p:nvSpPr>
+          <p:cNvPr id="5" name="Notes Placeholder 4"/>
+          <p:cNvSpPr>
+            <a:spLocks noGrp="1"/>
+          </p:cNvSpPr>
+          <p:nvPr>
+            <p:ph type="body" sz="quarter" idx="3"/>
+          </p:nvPr>
+        </p:nvSpPr>
+        <p:spPr>
+          <a:xfrm>
+            <a:off x="685800" y="4400550"/>
+            <a:ext cx="5486400" cy="3600450"/>
+          </a:xfrm>
+          <a:prstGeom prst="rect">
+            <a:avLst/>
+          </a:prstGeom>
+        </p:spPr>
+        <p:txBody>
+          <a:bodyPr vert="horz" lIns="91440" tIns="45720" rIns="91440" bIns="45720" rtlCol="0"/>
+          <a:lstStyle/>
+          <a:p>
+            <a:pPr lvl="0"/>
+            <a:r>
+              <a:rPr lang="en-US"/>
+              <a:t>Click to edit Master text styles</a:t>
+            </a:r>
+          </a:p>
+          <a:p>
+            <a:pPr lvl="1"/>
+            <a:r>
+              <a:rPr lang="en-US"/>
+              <a:t>Second level</a:t>
+            </a:r>
+          </a:p>
+          <a:p>
+            <a:pPr lvl="2"/>
+            <a:r>
+              <a:rPr lang="en-US"/>
+              <a:t>Third level</a:t>
+            </a:r>
+          </a:p>
+          <a:p>
+            <a:pPr lvl="3"/>
+            <a:r>
+              <a:rPr lang="en-US"/>
+              <a:t>Fourth level</a:t>
+            </a:r>
+          </a:p>
+          <a:p>
+            <a:pPr lvl="4"/>
+            <a:r>
+              <a:rPr lang="en-US"/>
+              <a:t>Fifth level</a:t>
+            </a:r>
+            <a:endParaRPr lang="en-GB"/>
+          </a:p>
+        </p:txBody>
+      </p:sp>
+      <p:sp>
+        <p:nvSpPr>
+          <p:cNvPr id="6" name="Footer Placeholder 5"/>
+          <p:cNvSpPr>
+            <a:spLocks noGrp="1"/>
+          </p:cNvSpPr>
+          <p:nvPr>
+            <p:ph type="ftr" sz="quarter" idx="4"/>
+          </p:nvPr>
+        </p:nvSpPr>
+        <p:spPr>
+          <a:xfrm>
+            <a:off x="0" y="8685213"/>
+            <a:ext cx="2971800" cy="458787"/>
+          </a:xfrm>
+          <a:prstGeom prst="rect">
+            <a:avLst/>
+          </a:prstGeom>
+        </p:spPr>
+        <p:txBody>
+          <a:bodyPr vert="horz" lIns="91440" tIns="45720" rIns="91440" bIns="45720" rtlCol="0" anchor="b"/>
+          <a:lstStyle>
+            <a:lvl1pPr algn="l">
+              <a:defRPr sz="1200"/>
+            </a:lvl1pPr>
+          </a:lstStyle>
+          <a:p>
+            <a:endParaRPr lang="en-GB"/>
+          </a:p>
+        </p:txBody>
+      </p:sp>
+      <p:sp>
+        <p:nvSpPr>
+          <p:cNvPr id="7" name="Slide Number Placeholder 6"/>
+          <p:cNvSpPr>
+            <a:spLocks noGrp="1"/>
+          </p:cNvSpPr>
+          <p:nvPr>
+            <p:ph type="sldNum" sz="quarter" idx="5"/>
+          </p:nvPr>
+        </p:nvSpPr>
+        <p:spPr>
+          <a:xfrm>
+            <a:off x="3884613" y="8685213"/>
+            <a:ext cx="2971800" cy="458787"/>
+          </a:xfrm>
+          <a:prstGeom prst="rect">
+            <a:avLst/>
+          </a:prstGeom>
+        </p:spPr>
+        <p:txBody>
+          <a:bodyPr vert="horz" lIns="91440" tIns="45720" rIns="91440" bIns="45720" rtlCol="0" anchor="b"/>
+          <a:lstStyle>
+            <a:lvl1pPr algn="r">
+              <a:defRPr sz="1200"/>
+            </a:lvl1pPr>
+          </a:lstStyle>
+          <a:p>
+            <a:fld id="{8BDD6537-3BC6-40AA-9032-B8104C89930F}" type="slidenum">
+              <a:rPr lang="en-GB" smtClean="0"/>
+              <a:t>‹#›</a:t>
+            </a:fld>
+            <a:endParaRPr lang="en-GB"/>
+          </a:p>
+        </p:txBody>
+      </p:sp>
+    </p:spTree>
+    <p:extLst>
+      <p:ext uri="{BB962C8B-B14F-4D97-AF65-F5344CB8AC3E}">
+        <p14:creationId xmlns:p14="http://schemas.microsoft.com/office/powerpoint/2010/main" val="2677449948"/>
+      </p:ext>
+    </p:extLst>
+  </p:cSld>
+  <p:clrMap bg1="lt1" tx1="dk1" bg2="lt2" tx2="dk2" accent1="accent1" accent2="accent2" accent3="accent3" accent4="accent4" accent5="accent5" accent6="accent6" hlink="hlink" folHlink="folHlink"/>
+  <p:notesStyle>
+    <a:lvl1pPr marL="0" algn="l" defTabSz="914400" rtl="0" eaLnBrk="1" latinLnBrk="0" hangingPunct="1">
+      <a:defRPr sz="1200" kern="1200">
+        <a:solidFill>
+          <a:schemeClr val="tx1"/>
+        </a:solidFill>
+        <a:latin typeface="+mn-lt"/>
+        <a:ea typeface="+mn-ea"/>
+        <a:cs typeface="+mn-cs"/>
+      </a:defRPr>
+    </a:lvl1pPr>
+    <a:lvl2pPr marL="457200" algn="l" defTabSz="914400" rtl="0" eaLnBrk="1" latinLnBrk="0" hangingPunct="1">
+      <a:defRPr sz="1200" kern="1200">
+        <a:solidFill>
+          <a:schemeClr val="tx1"/>
+        </a:solidFill>
+        <a:latin typeface="+mn-lt"/>
+        <a:ea typeface="+mn-ea"/>
+        <a:cs typeface="+mn-cs"/>
+      </a:defRPr>
+    </a:lvl2pPr>
+    <a:lvl3pPr marL="914400" algn="l" defTabSz="914400" rtl="0" eaLnBrk="1" latinLnBrk="0" hangingPunct="1">
+      <a:defRPr sz="1200" kern="1200">
+        <a:solidFill>
+          <a:schemeClr val="tx1"/>
+        </a:solidFill>
+        <a:latin typeface="+mn-lt"/>
+        <a:ea typeface="+mn-ea"/>
+        <a:cs typeface="+mn-cs"/>
+      </a:defRPr>
+    </a:lvl3pPr>
+    <a:lvl4pPr marL="1371600" algn="l" defTabSz="914400" rtl="0" eaLnBrk="1" latinLnBrk="0" hangingPunct="1">
+      <a:defRPr sz="1200" kern="1200">
+        <a:solidFill>
+          <a:schemeClr val="tx1"/>
+        </a:solidFill>
+        <a:latin typeface="+mn-lt"/>
+        <a:ea typeface="+mn-ea"/>
+        <a:cs typeface="+mn-cs"/>
+      </a:defRPr>
+    </a:lvl4pPr>
+    <a:lvl5pPr marL="1828800" algn="l" defTabSz="914400" rtl="0" eaLnBrk="1" latinLnBrk="0" hangingPunct="1">
+      <a:defRPr sz="1200" kern="1200">
+        <a:solidFill>
+          <a:schemeClr val="tx1"/>
+        </a:solidFill>
+        <a:latin typeface="+mn-lt"/>
+        <a:ea typeface="+mn-ea"/>
+        <a:cs typeface="+mn-cs"/>
+      </a:defRPr>
+    </a:lvl5pPr>
+    <a:lvl6pPr marL="2286000" algn="l" defTabSz="914400" rtl="0" eaLnBrk="1" latinLnBrk="0" hangingPunct="1">
+      <a:defRPr sz="1200" kern="1200">
+        <a:solidFill>
+          <a:schemeClr val="tx1"/>
+        </a:solidFill>
+        <a:latin typeface="+mn-lt"/>
+        <a:ea typeface="+mn-ea"/>
+        <a:cs typeface="+mn-cs"/>
+      </a:defRPr>
+    </a:lvl6pPr>
+    <a:lvl7pPr marL="2743200" algn="l" defTabSz="914400" rtl="0" eaLnBrk="1" latinLnBrk="0" hangingPunct="1">
+      <a:defRPr sz="1200" kern="1200">
+        <a:solidFill>
+          <a:schemeClr val="tx1"/>
+        </a:solidFill>
+        <a:latin typeface="+mn-lt"/>
+        <a:ea typeface="+mn-ea"/>
+        <a:cs typeface="+mn-cs"/>
+      </a:defRPr>
+    </a:lvl7pPr>
+    <a:lvl8pPr marL="3200400" algn="l" defTabSz="914400" rtl="0" eaLnBrk="1" latinLnBrk="0" hangingPunct="1">
+      <a:defRPr sz="1200" kern="1200">
+        <a:solidFill>
+          <a:schemeClr val="tx1"/>
+        </a:solidFill>
+        <a:latin typeface="+mn-lt"/>
+        <a:ea typeface="+mn-ea"/>
+        <a:cs typeface="+mn-cs"/>
+      </a:defRPr>
+    </a:lvl8pPr>
+    <a:lvl9pPr marL="3657600" algn="l" defTabSz="914400" rtl="0" eaLnBrk="1" latinLnBrk="0" hangingPunct="1">
+      <a:defRPr sz="1200" kern="1200">
+        <a:solidFill>
+          <a:schemeClr val="tx1"/>
+        </a:solidFill>
+        <a:latin typeface="+mn-lt"/>
+        <a:ea typeface="+mn-ea"/>
+        <a:cs typeface="+mn-cs"/>
+      </a:defRPr>
+    </a:lvl9pPr>
+  </p:notesStyle>
+</p:notesMaster>
+</file>
+
+<file path=ppt/notesSlides/notesSlide1.xml><?xml version="1.0" encoding="utf-8"?>
+<p:notes xmlns:a="http://schemas.openxmlformats.org/drawingml/2006/main" xmlns:r="http://schemas.openxmlformats.org/officeDocument/2006/relationships" xmlns:p="http://schemas.openxmlformats.org/presentationml/2006/main">
+  <p:cSld>
+    <p:spTree>
+      <p:nvGrpSpPr>
+        <p:cNvPr id="1" name=""/>
+        <p:cNvGrpSpPr/>
+        <p:nvPr/>
+      </p:nvGrpSpPr>
+      <p:grpSpPr>
+        <a:xfrm>
+          <a:off x="0" y="0"/>
+          <a:ext cx="0" cy="0"/>
+          <a:chOff x="0" y="0"/>
+          <a:chExt cx="0" cy="0"/>
+        </a:xfrm>
+      </p:grpSpPr>
+      <p:sp>
+        <p:nvSpPr>
+          <p:cNvPr id="2" name="Slide Image Placeholder 1"/>
+          <p:cNvSpPr>
+            <a:spLocks noGrp="1" noRot="1" noChangeAspect="1"/>
+          </p:cNvSpPr>
+          <p:nvPr>
+            <p:ph type="sldImg"/>
+          </p:nvPr>
+        </p:nvSpPr>
+        <p:spPr/>
+      </p:sp>
+      <p:sp>
+        <p:nvSpPr>
+          <p:cNvPr id="3" name="Notes Placeholder 2"/>
+          <p:cNvSpPr>
+            <a:spLocks noGrp="1"/>
+          </p:cNvSpPr>
+          <p:nvPr>
+            <p:ph type="body" idx="1"/>
+          </p:nvPr>
+        </p:nvSpPr>
+        <p:spPr/>
+        <p:txBody>
+          <a:bodyPr/>
+          <a:lstStyle/>
+          <a:p>
+            <a:pPr marL="0" marR="0" lvl="0" indent="0" algn="l" defTabSz="914400" rtl="0" eaLnBrk="1" fontAlgn="auto" latinLnBrk="0" hangingPunct="1">
+              <a:lnSpc>
+                <a:spcPct val="100000"/>
+              </a:lnSpc>
+              <a:spcBef>
+                <a:spcPts val="0"/>
+              </a:spcBef>
+              <a:spcAft>
+                <a:spcPts val="0"/>
+              </a:spcAft>
+              <a:buClrTx/>
+              <a:buSzTx/>
+              <a:buFontTx/>
+              <a:buNone/>
+              <a:tabLst/>
+              <a:defRPr/>
+            </a:pPr>
+            <a:r>
+              <a:rPr lang="en-GB" dirty="0"/>
+              <a:t>REMEMBERWEIGHT DECAY == 0. FIND A REASON WHY</a:t>
+            </a:r>
+          </a:p>
+          <a:p>
+            <a:endParaRPr lang="en-GB" dirty="0"/>
+          </a:p>
+        </p:txBody>
+      </p:sp>
+      <p:sp>
+        <p:nvSpPr>
+          <p:cNvPr id="4" name="Slide Number Placeholder 3"/>
+          <p:cNvSpPr>
+            <a:spLocks noGrp="1"/>
+          </p:cNvSpPr>
+          <p:nvPr>
+            <p:ph type="sldNum" sz="quarter" idx="5"/>
+          </p:nvPr>
+        </p:nvSpPr>
+        <p:spPr/>
+        <p:txBody>
+          <a:bodyPr/>
+          <a:lstStyle/>
+          <a:p>
+            <a:fld id="{8BDD6537-3BC6-40AA-9032-B8104C89930F}" type="slidenum">
+              <a:rPr lang="en-GB" smtClean="0"/>
+              <a:t>4</a:t>
+            </a:fld>
+            <a:endParaRPr lang="en-GB"/>
+          </a:p>
+        </p:txBody>
+      </p:sp>
+    </p:spTree>
+    <p:extLst>
+      <p:ext uri="{BB962C8B-B14F-4D97-AF65-F5344CB8AC3E}">
+        <p14:creationId xmlns:p14="http://schemas.microsoft.com/office/powerpoint/2010/main" val="1828452228"/>
+      </p:ext>
+    </p:extLst>
+  </p:cSld>
+  <p:clrMapOvr>
+    <a:masterClrMapping/>
+  </p:clrMapOvr>
+</p:notes>
+</file>
+
 <file path=ppt/slideLayouts/slideLayout1.xml><?xml version="1.0" encoding="utf-8"?>
 <p:sldLayout xmlns:a="http://schemas.openxmlformats.org/drawingml/2006/main" xmlns:r="http://schemas.openxmlformats.org/officeDocument/2006/relationships" xmlns:p="http://schemas.openxmlformats.org/presentationml/2006/main" type="title" preserve="1">
   <p:cSld name="Title Slide">
@@ -268,7 +730,7 @@
           <a:p>
             <a:fld id="{A7E93B79-5F87-463F-BE54-B700F7D9A626}" type="datetimeFigureOut">
               <a:rPr lang="en-GB" smtClean="0"/>
-              <a:t>15/06/2022</a:t>
+              <a:t>20/06/2022</a:t>
             </a:fld>
             <a:endParaRPr lang="en-GB"/>
           </a:p>
@@ -468,7 +930,7 @@
           <a:p>
             <a:fld id="{A7E93B79-5F87-463F-BE54-B700F7D9A626}" type="datetimeFigureOut">
               <a:rPr lang="en-GB" smtClean="0"/>
-              <a:t>15/06/2022</a:t>
+              <a:t>20/06/2022</a:t>
             </a:fld>
             <a:endParaRPr lang="en-GB"/>
           </a:p>
@@ -678,7 +1140,7 @@
           <a:p>
             <a:fld id="{A7E93B79-5F87-463F-BE54-B700F7D9A626}" type="datetimeFigureOut">
               <a:rPr lang="en-GB" smtClean="0"/>
-              <a:t>15/06/2022</a:t>
+              <a:t>20/06/2022</a:t>
             </a:fld>
             <a:endParaRPr lang="en-GB"/>
           </a:p>
@@ -878,7 +1340,7 @@
           <a:p>
             <a:fld id="{A7E93B79-5F87-463F-BE54-B700F7D9A626}" type="datetimeFigureOut">
               <a:rPr lang="en-GB" smtClean="0"/>
-              <a:t>15/06/2022</a:t>
+              <a:t>20/06/2022</a:t>
             </a:fld>
             <a:endParaRPr lang="en-GB"/>
           </a:p>
@@ -1154,7 +1616,7 @@
           <a:p>
             <a:fld id="{A7E93B79-5F87-463F-BE54-B700F7D9A626}" type="datetimeFigureOut">
               <a:rPr lang="en-GB" smtClean="0"/>
-              <a:t>15/06/2022</a:t>
+              <a:t>20/06/2022</a:t>
             </a:fld>
             <a:endParaRPr lang="en-GB"/>
           </a:p>
@@ -1422,7 +1884,7 @@
           <a:p>
             <a:fld id="{A7E93B79-5F87-463F-BE54-B700F7D9A626}" type="datetimeFigureOut">
               <a:rPr lang="en-GB" smtClean="0"/>
-              <a:t>15/06/2022</a:t>
+              <a:t>20/06/2022</a:t>
             </a:fld>
             <a:endParaRPr lang="en-GB"/>
           </a:p>
@@ -1837,7 +2299,7 @@
           <a:p>
             <a:fld id="{A7E93B79-5F87-463F-BE54-B700F7D9A626}" type="datetimeFigureOut">
               <a:rPr lang="en-GB" smtClean="0"/>
-              <a:t>15/06/2022</a:t>
+              <a:t>20/06/2022</a:t>
             </a:fld>
             <a:endParaRPr lang="en-GB"/>
           </a:p>
@@ -1979,7 +2441,7 @@
           <a:p>
             <a:fld id="{A7E93B79-5F87-463F-BE54-B700F7D9A626}" type="datetimeFigureOut">
               <a:rPr lang="en-GB" smtClean="0"/>
-              <a:t>15/06/2022</a:t>
+              <a:t>20/06/2022</a:t>
             </a:fld>
             <a:endParaRPr lang="en-GB"/>
           </a:p>
@@ -2092,7 +2554,7 @@
           <a:p>
             <a:fld id="{A7E93B79-5F87-463F-BE54-B700F7D9A626}" type="datetimeFigureOut">
               <a:rPr lang="en-GB" smtClean="0"/>
-              <a:t>15/06/2022</a:t>
+              <a:t>20/06/2022</a:t>
             </a:fld>
             <a:endParaRPr lang="en-GB"/>
           </a:p>
@@ -2405,7 +2867,7 @@
           <a:p>
             <a:fld id="{A7E93B79-5F87-463F-BE54-B700F7D9A626}" type="datetimeFigureOut">
               <a:rPr lang="en-GB" smtClean="0"/>
-              <a:t>15/06/2022</a:t>
+              <a:t>20/06/2022</a:t>
             </a:fld>
             <a:endParaRPr lang="en-GB"/>
           </a:p>
@@ -2694,7 +3156,7 @@
           <a:p>
             <a:fld id="{A7E93B79-5F87-463F-BE54-B700F7D9A626}" type="datetimeFigureOut">
               <a:rPr lang="en-GB" smtClean="0"/>
-              <a:t>15/06/2022</a:t>
+              <a:t>20/06/2022</a:t>
             </a:fld>
             <a:endParaRPr lang="en-GB"/>
           </a:p>
@@ -2937,7 +3399,7 @@
           <a:p>
             <a:fld id="{A7E93B79-5F87-463F-BE54-B700F7D9A626}" type="datetimeFigureOut">
               <a:rPr lang="en-GB" smtClean="0"/>
-              <a:t>15/06/2022</a:t>
+              <a:t>20/06/2022</a:t>
             </a:fld>
             <a:endParaRPr lang="en-GB"/>
           </a:p>
@@ -3359,15 +3821,15 @@
           <p:cNvPr id="2" name="Title 1">
             <a:extLst>
               <a:ext uri="{FF2B5EF4-FFF2-40B4-BE49-F238E27FC236}">
-                <a16:creationId xmlns:a16="http://schemas.microsoft.com/office/drawing/2014/main" id="{551A6178-D591-73E8-587E-1E607F2D71E3}"/>
-              </a:ext>
-            </a:extLst>
-          </p:cNvPr>
-          <p:cNvSpPr>
-            <a:spLocks noGrp="1"/>
-          </p:cNvSpPr>
-          <p:nvPr>
-            <p:ph type="ctrTitle"/>
+                <a16:creationId xmlns:a16="http://schemas.microsoft.com/office/drawing/2014/main" id="{FD1C9781-D6B1-BFDB-96B7-230C7CC416D7}"/>
+              </a:ext>
+            </a:extLst>
+          </p:cNvPr>
+          <p:cNvSpPr>
+            <a:spLocks noGrp="1"/>
+          </p:cNvSpPr>
+          <p:nvPr>
+            <p:ph type="title"/>
           </p:nvPr>
         </p:nvSpPr>
         <p:spPr/>
@@ -3375,45 +3837,1788 @@
           <a:bodyPr/>
           <a:lstStyle/>
           <a:p>
-            <a:r>
-              <a:rPr lang="en-GB" dirty="0"/>
-              <a:t>Hate Speech and Hate Network Detection</a:t>
-            </a:r>
-          </a:p>
-        </p:txBody>
-      </p:sp>
-      <p:sp>
-        <p:nvSpPr>
-          <p:cNvPr id="3" name="Subtitle 2">
-            <a:extLst>
-              <a:ext uri="{FF2B5EF4-FFF2-40B4-BE49-F238E27FC236}">
-                <a16:creationId xmlns:a16="http://schemas.microsoft.com/office/drawing/2014/main" id="{1BBEB9B2-D7FB-1163-9D43-740402A52796}"/>
-              </a:ext>
-            </a:extLst>
-          </p:cNvPr>
-          <p:cNvSpPr>
-            <a:spLocks noGrp="1"/>
-          </p:cNvSpPr>
-          <p:nvPr>
-            <p:ph type="subTitle" idx="1"/>
-          </p:nvPr>
-        </p:nvSpPr>
-        <p:spPr/>
-        <p:txBody>
-          <a:bodyPr/>
-          <a:lstStyle/>
-          <a:p>
-            <a:r>
-              <a:rPr lang="en-GB" dirty="0"/>
-              <a:t>By Jeetendra Joshi</a:t>
-            </a:r>
-          </a:p>
-        </p:txBody>
-      </p:sp>
+            <a:endParaRPr lang="en-GB" dirty="0"/>
+          </a:p>
+        </p:txBody>
+      </p:sp>
+      <p:graphicFrame>
+        <p:nvGraphicFramePr>
+          <p:cNvPr id="4" name="Table 4">
+            <a:extLst>
+              <a:ext uri="{FF2B5EF4-FFF2-40B4-BE49-F238E27FC236}">
+                <a16:creationId xmlns:a16="http://schemas.microsoft.com/office/drawing/2014/main" id="{28F2EFE3-C7AE-02B8-21E4-346FBC116799}"/>
+              </a:ext>
+            </a:extLst>
+          </p:cNvPr>
+          <p:cNvGraphicFramePr>
+            <a:graphicFrameLocks noGrp="1"/>
+          </p:cNvGraphicFramePr>
+          <p:nvPr>
+            <p:extLst>
+              <p:ext uri="{D42A27DB-BD31-4B8C-83A1-F6EECF244321}">
+                <p14:modId xmlns:p14="http://schemas.microsoft.com/office/powerpoint/2010/main" val="351349011"/>
+              </p:ext>
+            </p:extLst>
+          </p:nvPr>
+        </p:nvGraphicFramePr>
+        <p:xfrm>
+          <a:off x="0" y="0"/>
+          <a:ext cx="12191999" cy="7498080"/>
+        </p:xfrm>
+        <a:graphic>
+          <a:graphicData uri="http://schemas.openxmlformats.org/drawingml/2006/table">
+            <a:tbl>
+              <a:tblPr firstRow="1" bandRow="1">
+                <a:tableStyleId>{5C22544A-7EE6-4342-B048-85BDC9FD1C3A}</a:tableStyleId>
+              </a:tblPr>
+              <a:tblGrid>
+                <a:gridCol w="1719689">
+                  <a:extLst>
+                    <a:ext uri="{9D8B030D-6E8A-4147-A177-3AD203B41FA5}">
+                      <a16:colId xmlns:a16="http://schemas.microsoft.com/office/drawing/2014/main" val="2090898240"/>
+                    </a:ext>
+                  </a:extLst>
+                </a:gridCol>
+                <a:gridCol w="1485655">
+                  <a:extLst>
+                    <a:ext uri="{9D8B030D-6E8A-4147-A177-3AD203B41FA5}">
+                      <a16:colId xmlns:a16="http://schemas.microsoft.com/office/drawing/2014/main" val="3581306506"/>
+                    </a:ext>
+                  </a:extLst>
+                </a:gridCol>
+                <a:gridCol w="1763963">
+                  <a:extLst>
+                    <a:ext uri="{9D8B030D-6E8A-4147-A177-3AD203B41FA5}">
+                      <a16:colId xmlns:a16="http://schemas.microsoft.com/office/drawing/2014/main" val="1267065254"/>
+                    </a:ext>
+                  </a:extLst>
+                </a:gridCol>
+                <a:gridCol w="1126694">
+                  <a:extLst>
+                    <a:ext uri="{9D8B030D-6E8A-4147-A177-3AD203B41FA5}">
+                      <a16:colId xmlns:a16="http://schemas.microsoft.com/office/drawing/2014/main" val="2175814191"/>
+                    </a:ext>
+                  </a:extLst>
+                </a:gridCol>
+                <a:gridCol w="2312685">
+                  <a:extLst>
+                    <a:ext uri="{9D8B030D-6E8A-4147-A177-3AD203B41FA5}">
+                      <a16:colId xmlns:a16="http://schemas.microsoft.com/office/drawing/2014/main" val="1854001683"/>
+                    </a:ext>
+                  </a:extLst>
+                </a:gridCol>
+                <a:gridCol w="644779">
+                  <a:extLst>
+                    <a:ext uri="{9D8B030D-6E8A-4147-A177-3AD203B41FA5}">
+                      <a16:colId xmlns:a16="http://schemas.microsoft.com/office/drawing/2014/main" val="911884263"/>
+                    </a:ext>
+                  </a:extLst>
+                </a:gridCol>
+                <a:gridCol w="2166022">
+                  <a:extLst>
+                    <a:ext uri="{9D8B030D-6E8A-4147-A177-3AD203B41FA5}">
+                      <a16:colId xmlns:a16="http://schemas.microsoft.com/office/drawing/2014/main" val="326056653"/>
+                    </a:ext>
+                  </a:extLst>
+                </a:gridCol>
+                <a:gridCol w="972512">
+                  <a:extLst>
+                    <a:ext uri="{9D8B030D-6E8A-4147-A177-3AD203B41FA5}">
+                      <a16:colId xmlns:a16="http://schemas.microsoft.com/office/drawing/2014/main" val="1796531559"/>
+                    </a:ext>
+                  </a:extLst>
+                </a:gridCol>
+              </a:tblGrid>
+              <a:tr h="868450">
+                <a:tc>
+                  <a:txBody>
+                    <a:bodyPr/>
+                    <a:lstStyle/>
+                    <a:p>
+                      <a:r>
+                        <a:rPr lang="en-GB" dirty="0">
+                          <a:solidFill>
+                            <a:schemeClr val="tx1"/>
+                          </a:solidFill>
+                        </a:rPr>
+                        <a:t>Motivation</a:t>
+                      </a:r>
+                    </a:p>
+                  </a:txBody>
+                  <a:tcPr>
+                    <a:solidFill>
+                      <a:srgbClr val="FF0000"/>
+                    </a:solidFill>
+                  </a:tcPr>
+                </a:tc>
+                <a:tc>
+                  <a:txBody>
+                    <a:bodyPr/>
+                    <a:lstStyle/>
+                    <a:p>
+                      <a:r>
+                        <a:rPr lang="en-GB" dirty="0">
+                          <a:solidFill>
+                            <a:schemeClr val="tx1"/>
+                          </a:solidFill>
+                        </a:rPr>
+                        <a:t> 1 min</a:t>
+                      </a:r>
+                    </a:p>
+                  </a:txBody>
+                  <a:tcPr>
+                    <a:solidFill>
+                      <a:srgbClr val="FF0000"/>
+                    </a:solidFill>
+                  </a:tcPr>
+                </a:tc>
+                <a:tc>
+                  <a:txBody>
+                    <a:bodyPr/>
+                    <a:lstStyle/>
+                    <a:p>
+                      <a:r>
+                        <a:rPr lang="en-GB" dirty="0">
+                          <a:solidFill>
+                            <a:schemeClr val="tx1"/>
+                          </a:solidFill>
+                        </a:rPr>
+                        <a:t>Background</a:t>
+                      </a:r>
+                    </a:p>
+                  </a:txBody>
+                  <a:tcPr>
+                    <a:solidFill>
+                      <a:srgbClr val="FFC000"/>
+                    </a:solidFill>
+                  </a:tcPr>
+                </a:tc>
+                <a:tc>
+                  <a:txBody>
+                    <a:bodyPr/>
+                    <a:lstStyle/>
+                    <a:p>
+                      <a:r>
+                        <a:rPr lang="en-GB" dirty="0">
+                          <a:solidFill>
+                            <a:schemeClr val="tx1"/>
+                          </a:solidFill>
+                        </a:rPr>
+                        <a:t> 5 min</a:t>
+                      </a:r>
+                    </a:p>
+                  </a:txBody>
+                  <a:tcPr>
+                    <a:solidFill>
+                      <a:srgbClr val="FFC000"/>
+                    </a:solidFill>
+                  </a:tcPr>
+                </a:tc>
+                <a:tc>
+                  <a:txBody>
+                    <a:bodyPr/>
+                    <a:lstStyle/>
+                    <a:p>
+                      <a:pPr marL="0" marR="0" lvl="0" indent="0" algn="l" defTabSz="914400" rtl="0" eaLnBrk="1" fontAlgn="auto" latinLnBrk="0" hangingPunct="1">
+                        <a:lnSpc>
+                          <a:spcPct val="100000"/>
+                        </a:lnSpc>
+                        <a:spcBef>
+                          <a:spcPts val="0"/>
+                        </a:spcBef>
+                        <a:spcAft>
+                          <a:spcPts val="0"/>
+                        </a:spcAft>
+                        <a:buClrTx/>
+                        <a:buSzTx/>
+                        <a:buFontTx/>
+                        <a:buNone/>
+                        <a:tabLst/>
+                        <a:defRPr/>
+                      </a:pPr>
+                      <a:r>
+                        <a:rPr lang="en-GB" dirty="0">
+                          <a:solidFill>
+                            <a:schemeClr val="tx1"/>
+                          </a:solidFill>
+                        </a:rPr>
+                        <a:t>System Design &amp;</a:t>
+                      </a:r>
+                    </a:p>
+                    <a:p>
+                      <a:r>
+                        <a:rPr lang="en-GB" dirty="0">
+                          <a:solidFill>
+                            <a:schemeClr val="tx1"/>
+                          </a:solidFill>
+                        </a:rPr>
+                        <a:t>Implementation</a:t>
+                      </a:r>
+                    </a:p>
+                  </a:txBody>
+                  <a:tcPr>
+                    <a:solidFill>
+                      <a:srgbClr val="00B050"/>
+                    </a:solidFill>
+                  </a:tcPr>
+                </a:tc>
+                <a:tc>
+                  <a:txBody>
+                    <a:bodyPr/>
+                    <a:lstStyle/>
+                    <a:p>
+                      <a:r>
+                        <a:rPr lang="en-GB">
+                          <a:solidFill>
+                            <a:schemeClr val="tx1"/>
+                          </a:solidFill>
+                        </a:rPr>
+                        <a:t>4min 30s</a:t>
+                      </a:r>
+                      <a:endParaRPr lang="en-GB" dirty="0">
+                        <a:solidFill>
+                          <a:schemeClr val="tx1"/>
+                        </a:solidFill>
+                      </a:endParaRPr>
+                    </a:p>
+                  </a:txBody>
+                  <a:tcPr>
+                    <a:solidFill>
+                      <a:srgbClr val="00B050"/>
+                    </a:solidFill>
+                  </a:tcPr>
+                </a:tc>
+                <a:tc>
+                  <a:txBody>
+                    <a:bodyPr/>
+                    <a:lstStyle/>
+                    <a:p>
+                      <a:r>
+                        <a:rPr lang="en-GB" dirty="0">
+                          <a:solidFill>
+                            <a:schemeClr val="tx1"/>
+                          </a:solidFill>
+                        </a:rPr>
+                        <a:t>Eval &amp; </a:t>
+                      </a:r>
+                      <a:r>
+                        <a:rPr lang="en-GB" dirty="0" err="1">
+                          <a:solidFill>
+                            <a:schemeClr val="tx1"/>
+                          </a:solidFill>
+                        </a:rPr>
+                        <a:t>Conc</a:t>
+                      </a:r>
+                      <a:endParaRPr lang="en-GB" dirty="0">
+                        <a:solidFill>
+                          <a:schemeClr val="tx1"/>
+                        </a:solidFill>
+                      </a:endParaRPr>
+                    </a:p>
+                  </a:txBody>
+                  <a:tcPr/>
+                </a:tc>
+                <a:tc>
+                  <a:txBody>
+                    <a:bodyPr/>
+                    <a:lstStyle/>
+                    <a:p>
+                      <a:r>
+                        <a:rPr lang="en-GB" dirty="0">
+                          <a:solidFill>
+                            <a:schemeClr val="tx1"/>
+                          </a:solidFill>
+                        </a:rPr>
+                        <a:t>5 mins</a:t>
+                      </a:r>
+                    </a:p>
+                  </a:txBody>
+                  <a:tcPr/>
+                </a:tc>
+                <a:extLst>
+                  <a:ext uri="{0D108BD9-81ED-4DB2-BD59-A6C34878D82A}">
+                    <a16:rowId xmlns:a16="http://schemas.microsoft.com/office/drawing/2014/main" val="2854486454"/>
+                  </a:ext>
+                </a:extLst>
+              </a:tr>
+              <a:tr h="868450">
+                <a:tc>
+                  <a:txBody>
+                    <a:bodyPr/>
+                    <a:lstStyle/>
+                    <a:p>
+                      <a:r>
+                        <a:rPr lang="en-GB" dirty="0">
+                          <a:solidFill>
+                            <a:schemeClr val="tx1"/>
+                          </a:solidFill>
+                        </a:rPr>
+                        <a:t>Why am I doing this</a:t>
+                      </a:r>
+                    </a:p>
+                  </a:txBody>
+                  <a:tcPr>
+                    <a:solidFill>
+                      <a:srgbClr val="FF0000"/>
+                    </a:solidFill>
+                  </a:tcPr>
+                </a:tc>
+                <a:tc>
+                  <a:txBody>
+                    <a:bodyPr/>
+                    <a:lstStyle/>
+                    <a:p>
+                      <a:endParaRPr lang="en-GB" dirty="0">
+                        <a:solidFill>
+                          <a:schemeClr val="tx1"/>
+                        </a:solidFill>
+                      </a:endParaRPr>
+                    </a:p>
+                  </a:txBody>
+                  <a:tcPr>
+                    <a:solidFill>
+                      <a:srgbClr val="FF0000"/>
+                    </a:solidFill>
+                  </a:tcPr>
+                </a:tc>
+                <a:tc>
+                  <a:txBody>
+                    <a:bodyPr/>
+                    <a:lstStyle/>
+                    <a:p>
+                      <a:r>
+                        <a:rPr lang="en-GB" dirty="0">
+                          <a:solidFill>
+                            <a:schemeClr val="tx1"/>
+                          </a:solidFill>
+                        </a:rPr>
+                        <a:t>K-NNs</a:t>
+                      </a:r>
+                    </a:p>
+                  </a:txBody>
+                  <a:tcPr>
+                    <a:solidFill>
+                      <a:srgbClr val="FFC000"/>
+                    </a:solidFill>
+                  </a:tcPr>
+                </a:tc>
+                <a:tc>
+                  <a:txBody>
+                    <a:bodyPr/>
+                    <a:lstStyle/>
+                    <a:p>
+                      <a:r>
+                        <a:rPr lang="en-GB" dirty="0">
+                          <a:solidFill>
+                            <a:schemeClr val="tx1"/>
+                          </a:solidFill>
+                        </a:rPr>
+                        <a:t>40s</a:t>
+                      </a:r>
+                    </a:p>
+                  </a:txBody>
+                  <a:tcPr>
+                    <a:solidFill>
+                      <a:srgbClr val="FFC000"/>
+                    </a:solidFill>
+                  </a:tcPr>
+                </a:tc>
+                <a:tc>
+                  <a:txBody>
+                    <a:bodyPr/>
+                    <a:lstStyle/>
+                    <a:p>
+                      <a:r>
+                        <a:rPr lang="en-GB" dirty="0">
+                          <a:solidFill>
+                            <a:schemeClr val="tx1"/>
+                          </a:solidFill>
+                        </a:rPr>
+                        <a:t>Dataset Collection</a:t>
+                      </a:r>
+                    </a:p>
+                  </a:txBody>
+                  <a:tcPr>
+                    <a:solidFill>
+                      <a:srgbClr val="00B050"/>
+                    </a:solidFill>
+                  </a:tcPr>
+                </a:tc>
+                <a:tc>
+                  <a:txBody>
+                    <a:bodyPr/>
+                    <a:lstStyle/>
+                    <a:p>
+                      <a:r>
+                        <a:rPr lang="en-GB" dirty="0">
+                          <a:solidFill>
+                            <a:schemeClr val="tx1"/>
+                          </a:solidFill>
+                        </a:rPr>
+                        <a:t>30s</a:t>
+                      </a:r>
+                    </a:p>
+                  </a:txBody>
+                  <a:tcPr>
+                    <a:solidFill>
+                      <a:srgbClr val="00B050"/>
+                    </a:solidFill>
+                  </a:tcPr>
+                </a:tc>
+                <a:tc>
+                  <a:txBody>
+                    <a:bodyPr/>
+                    <a:lstStyle/>
+                    <a:p>
+                      <a:r>
+                        <a:rPr lang="en-GB" dirty="0">
+                          <a:solidFill>
+                            <a:schemeClr val="tx1"/>
+                          </a:solidFill>
+                        </a:rPr>
+                        <a:t>Testing</a:t>
+                      </a:r>
+                    </a:p>
+                  </a:txBody>
+                  <a:tcPr/>
+                </a:tc>
+                <a:tc>
+                  <a:txBody>
+                    <a:bodyPr/>
+                    <a:lstStyle/>
+                    <a:p>
+                      <a:r>
+                        <a:rPr lang="en-GB" dirty="0">
+                          <a:solidFill>
+                            <a:schemeClr val="tx1"/>
+                          </a:solidFill>
+                        </a:rPr>
+                        <a:t>2 mins</a:t>
+                      </a:r>
+                    </a:p>
+                  </a:txBody>
+                  <a:tcPr/>
+                </a:tc>
+                <a:extLst>
+                  <a:ext uri="{0D108BD9-81ED-4DB2-BD59-A6C34878D82A}">
+                    <a16:rowId xmlns:a16="http://schemas.microsoft.com/office/drawing/2014/main" val="156726516"/>
+                  </a:ext>
+                </a:extLst>
+              </a:tr>
+              <a:tr h="868450">
+                <a:tc>
+                  <a:txBody>
+                    <a:bodyPr/>
+                    <a:lstStyle/>
+                    <a:p>
+                      <a:r>
+                        <a:rPr lang="en-GB" dirty="0">
+                          <a:solidFill>
+                            <a:schemeClr val="tx1"/>
+                          </a:solidFill>
+                        </a:rPr>
+                        <a:t>Problems with Hate Speech Detection</a:t>
+                      </a:r>
+                    </a:p>
+                  </a:txBody>
+                  <a:tcPr>
+                    <a:solidFill>
+                      <a:srgbClr val="FF0000"/>
+                    </a:solidFill>
+                  </a:tcPr>
+                </a:tc>
+                <a:tc>
+                  <a:txBody>
+                    <a:bodyPr/>
+                    <a:lstStyle/>
+                    <a:p>
+                      <a:endParaRPr lang="en-GB" dirty="0">
+                        <a:solidFill>
+                          <a:schemeClr val="tx1"/>
+                        </a:solidFill>
+                      </a:endParaRPr>
+                    </a:p>
+                  </a:txBody>
+                  <a:tcPr>
+                    <a:solidFill>
+                      <a:srgbClr val="FF0000"/>
+                    </a:solidFill>
+                  </a:tcPr>
+                </a:tc>
+                <a:tc>
+                  <a:txBody>
+                    <a:bodyPr/>
+                    <a:lstStyle/>
+                    <a:p>
+                      <a:r>
+                        <a:rPr lang="en-GB" dirty="0">
+                          <a:solidFill>
+                            <a:schemeClr val="tx1"/>
+                          </a:solidFill>
+                        </a:rPr>
+                        <a:t>GRUs</a:t>
+                      </a:r>
+                    </a:p>
+                  </a:txBody>
+                  <a:tcPr>
+                    <a:solidFill>
+                      <a:srgbClr val="FFC000"/>
+                    </a:solidFill>
+                  </a:tcPr>
+                </a:tc>
+                <a:tc>
+                  <a:txBody>
+                    <a:bodyPr/>
+                    <a:lstStyle/>
+                    <a:p>
+                      <a:r>
+                        <a:rPr lang="en-GB" dirty="0">
+                          <a:solidFill>
+                            <a:schemeClr val="tx1"/>
+                          </a:solidFill>
+                        </a:rPr>
+                        <a:t>1 min</a:t>
+                      </a:r>
+                    </a:p>
+                  </a:txBody>
+                  <a:tcPr>
+                    <a:solidFill>
+                      <a:srgbClr val="FFC000"/>
+                    </a:solidFill>
+                  </a:tcPr>
+                </a:tc>
+                <a:tc>
+                  <a:txBody>
+                    <a:bodyPr/>
+                    <a:lstStyle/>
+                    <a:p>
+                      <a:r>
+                        <a:rPr lang="en-GB" dirty="0">
+                          <a:solidFill>
+                            <a:schemeClr val="tx1"/>
+                          </a:solidFill>
+                        </a:rPr>
+                        <a:t>Text Analysis</a:t>
+                      </a:r>
+                    </a:p>
+                  </a:txBody>
+                  <a:tcPr>
+                    <a:solidFill>
+                      <a:srgbClr val="00B050"/>
+                    </a:solidFill>
+                  </a:tcPr>
+                </a:tc>
+                <a:tc>
+                  <a:txBody>
+                    <a:bodyPr/>
+                    <a:lstStyle/>
+                    <a:p>
+                      <a:r>
+                        <a:rPr lang="en-GB" dirty="0">
+                          <a:solidFill>
+                            <a:schemeClr val="tx1"/>
+                          </a:solidFill>
+                        </a:rPr>
+                        <a:t>40s</a:t>
+                      </a:r>
+                    </a:p>
+                  </a:txBody>
+                  <a:tcPr>
+                    <a:solidFill>
+                      <a:srgbClr val="00B050"/>
+                    </a:solidFill>
+                  </a:tcPr>
+                </a:tc>
+                <a:tc>
+                  <a:txBody>
+                    <a:bodyPr/>
+                    <a:lstStyle/>
+                    <a:p>
+                      <a:r>
+                        <a:rPr lang="en-GB" dirty="0">
+                          <a:solidFill>
+                            <a:schemeClr val="tx1"/>
+                          </a:solidFill>
+                        </a:rPr>
+                        <a:t>Hate Network Showing</a:t>
+                      </a:r>
+                    </a:p>
+                  </a:txBody>
+                  <a:tcPr/>
+                </a:tc>
+                <a:tc>
+                  <a:txBody>
+                    <a:bodyPr/>
+                    <a:lstStyle/>
+                    <a:p>
+                      <a:r>
+                        <a:rPr lang="en-GB" dirty="0">
+                          <a:solidFill>
+                            <a:schemeClr val="tx1"/>
+                          </a:solidFill>
+                        </a:rPr>
+                        <a:t>1 min</a:t>
+                      </a:r>
+                    </a:p>
+                  </a:txBody>
+                  <a:tcPr/>
+                </a:tc>
+                <a:extLst>
+                  <a:ext uri="{0D108BD9-81ED-4DB2-BD59-A6C34878D82A}">
+                    <a16:rowId xmlns:a16="http://schemas.microsoft.com/office/drawing/2014/main" val="821775075"/>
+                  </a:ext>
+                </a:extLst>
+              </a:tr>
+              <a:tr h="868450">
+                <a:tc>
+                  <a:txBody>
+                    <a:bodyPr/>
+                    <a:lstStyle/>
+                    <a:p>
+                      <a:endParaRPr lang="en-GB" dirty="0">
+                        <a:solidFill>
+                          <a:schemeClr val="tx1"/>
+                        </a:solidFill>
+                      </a:endParaRPr>
+                    </a:p>
+                  </a:txBody>
+                  <a:tcPr>
+                    <a:solidFill>
+                      <a:srgbClr val="FF0000"/>
+                    </a:solidFill>
+                  </a:tcPr>
+                </a:tc>
+                <a:tc>
+                  <a:txBody>
+                    <a:bodyPr/>
+                    <a:lstStyle/>
+                    <a:p>
+                      <a:endParaRPr lang="en-GB" dirty="0">
+                        <a:solidFill>
+                          <a:schemeClr val="tx1"/>
+                        </a:solidFill>
+                      </a:endParaRPr>
+                    </a:p>
+                  </a:txBody>
+                  <a:tcPr>
+                    <a:solidFill>
+                      <a:srgbClr val="FF0000"/>
+                    </a:solidFill>
+                  </a:tcPr>
+                </a:tc>
+                <a:tc>
+                  <a:txBody>
+                    <a:bodyPr/>
+                    <a:lstStyle/>
+                    <a:p>
+                      <a:r>
+                        <a:rPr lang="en-GB" dirty="0">
+                          <a:solidFill>
+                            <a:schemeClr val="tx1"/>
+                          </a:solidFill>
+                        </a:rPr>
+                        <a:t>Transformers</a:t>
+                      </a:r>
+                    </a:p>
+                  </a:txBody>
+                  <a:tcPr>
+                    <a:solidFill>
+                      <a:srgbClr val="FFC000"/>
+                    </a:solidFill>
+                  </a:tcPr>
+                </a:tc>
+                <a:tc>
+                  <a:txBody>
+                    <a:bodyPr/>
+                    <a:lstStyle/>
+                    <a:p>
+                      <a:r>
+                        <a:rPr lang="en-GB" dirty="0">
+                          <a:solidFill>
+                            <a:schemeClr val="tx1"/>
+                          </a:solidFill>
+                        </a:rPr>
+                        <a:t>1 min</a:t>
+                      </a:r>
+                    </a:p>
+                  </a:txBody>
+                  <a:tcPr>
+                    <a:solidFill>
+                      <a:srgbClr val="FFC000"/>
+                    </a:solidFill>
+                  </a:tcPr>
+                </a:tc>
+                <a:tc>
+                  <a:txBody>
+                    <a:bodyPr/>
+                    <a:lstStyle/>
+                    <a:p>
+                      <a:r>
+                        <a:rPr lang="en-GB" dirty="0">
+                          <a:solidFill>
+                            <a:schemeClr val="tx1"/>
+                          </a:solidFill>
+                        </a:rPr>
+                        <a:t>Text </a:t>
+                      </a:r>
+                      <a:r>
+                        <a:rPr lang="en-GB" dirty="0" err="1">
+                          <a:solidFill>
+                            <a:schemeClr val="tx1"/>
+                          </a:solidFill>
+                        </a:rPr>
+                        <a:t>Preprocessing</a:t>
+                      </a:r>
+                      <a:endParaRPr lang="en-GB" dirty="0">
+                        <a:solidFill>
+                          <a:schemeClr val="tx1"/>
+                        </a:solidFill>
+                      </a:endParaRPr>
+                    </a:p>
+                  </a:txBody>
+                  <a:tcPr>
+                    <a:solidFill>
+                      <a:srgbClr val="00B050"/>
+                    </a:solidFill>
+                  </a:tcPr>
+                </a:tc>
+                <a:tc>
+                  <a:txBody>
+                    <a:bodyPr/>
+                    <a:lstStyle/>
+                    <a:p>
+                      <a:r>
+                        <a:rPr lang="en-GB" dirty="0">
+                          <a:solidFill>
+                            <a:schemeClr val="tx1"/>
+                          </a:solidFill>
+                        </a:rPr>
+                        <a:t>1 min</a:t>
+                      </a:r>
+                    </a:p>
+                  </a:txBody>
+                  <a:tcPr>
+                    <a:solidFill>
+                      <a:srgbClr val="00B050"/>
+                    </a:solidFill>
+                  </a:tcPr>
+                </a:tc>
+                <a:tc>
+                  <a:txBody>
+                    <a:bodyPr/>
+                    <a:lstStyle/>
+                    <a:p>
+                      <a:r>
+                        <a:rPr lang="en-GB" dirty="0">
+                          <a:solidFill>
+                            <a:schemeClr val="tx1"/>
+                          </a:solidFill>
+                        </a:rPr>
+                        <a:t>Failed Attempts</a:t>
+                      </a:r>
+                    </a:p>
+                  </a:txBody>
+                  <a:tcPr/>
+                </a:tc>
+                <a:tc>
+                  <a:txBody>
+                    <a:bodyPr/>
+                    <a:lstStyle/>
+                    <a:p>
+                      <a:r>
+                        <a:rPr lang="en-GB" dirty="0">
+                          <a:solidFill>
+                            <a:schemeClr val="tx1"/>
+                          </a:solidFill>
+                        </a:rPr>
+                        <a:t>1 min</a:t>
+                      </a:r>
+                    </a:p>
+                  </a:txBody>
+                  <a:tcPr/>
+                </a:tc>
+                <a:extLst>
+                  <a:ext uri="{0D108BD9-81ED-4DB2-BD59-A6C34878D82A}">
+                    <a16:rowId xmlns:a16="http://schemas.microsoft.com/office/drawing/2014/main" val="82405454"/>
+                  </a:ext>
+                </a:extLst>
+              </a:tr>
+              <a:tr h="868450">
+                <a:tc>
+                  <a:txBody>
+                    <a:bodyPr/>
+                    <a:lstStyle/>
+                    <a:p>
+                      <a:endParaRPr lang="en-GB" dirty="0">
+                        <a:solidFill>
+                          <a:schemeClr val="tx1"/>
+                        </a:solidFill>
+                      </a:endParaRPr>
+                    </a:p>
+                  </a:txBody>
+                  <a:tcPr>
+                    <a:solidFill>
+                      <a:srgbClr val="FF0000"/>
+                    </a:solidFill>
+                  </a:tcPr>
+                </a:tc>
+                <a:tc>
+                  <a:txBody>
+                    <a:bodyPr/>
+                    <a:lstStyle/>
+                    <a:p>
+                      <a:endParaRPr lang="en-GB" dirty="0">
+                        <a:solidFill>
+                          <a:schemeClr val="tx1"/>
+                        </a:solidFill>
+                      </a:endParaRPr>
+                    </a:p>
+                  </a:txBody>
+                  <a:tcPr>
+                    <a:solidFill>
+                      <a:srgbClr val="FF0000"/>
+                    </a:solidFill>
+                  </a:tcPr>
+                </a:tc>
+                <a:tc>
+                  <a:txBody>
+                    <a:bodyPr/>
+                    <a:lstStyle/>
+                    <a:p>
+                      <a:r>
+                        <a:rPr lang="en-GB" dirty="0">
+                          <a:solidFill>
+                            <a:schemeClr val="tx1"/>
+                          </a:solidFill>
+                        </a:rPr>
+                        <a:t>SVMs</a:t>
+                      </a:r>
+                    </a:p>
+                  </a:txBody>
+                  <a:tcPr>
+                    <a:solidFill>
+                      <a:srgbClr val="FFC000"/>
+                    </a:solidFill>
+                  </a:tcPr>
+                </a:tc>
+                <a:tc>
+                  <a:txBody>
+                    <a:bodyPr/>
+                    <a:lstStyle/>
+                    <a:p>
+                      <a:r>
+                        <a:rPr lang="en-GB" dirty="0">
+                          <a:solidFill>
+                            <a:schemeClr val="tx1"/>
+                          </a:solidFill>
+                        </a:rPr>
+                        <a:t>1 min</a:t>
+                      </a:r>
+                    </a:p>
+                  </a:txBody>
+                  <a:tcPr>
+                    <a:solidFill>
+                      <a:srgbClr val="FFC000"/>
+                    </a:solidFill>
+                  </a:tcPr>
+                </a:tc>
+                <a:tc>
+                  <a:txBody>
+                    <a:bodyPr/>
+                    <a:lstStyle/>
+                    <a:p>
+                      <a:r>
+                        <a:rPr lang="en-GB" dirty="0">
+                          <a:solidFill>
+                            <a:schemeClr val="tx1"/>
+                          </a:solidFill>
+                        </a:rPr>
+                        <a:t>Determining Learning Rate</a:t>
+                      </a:r>
+                    </a:p>
+                  </a:txBody>
+                  <a:tcPr>
+                    <a:solidFill>
+                      <a:srgbClr val="00B050"/>
+                    </a:solidFill>
+                  </a:tcPr>
+                </a:tc>
+                <a:tc>
+                  <a:txBody>
+                    <a:bodyPr/>
+                    <a:lstStyle/>
+                    <a:p>
+                      <a:r>
+                        <a:rPr lang="en-GB" dirty="0">
+                          <a:solidFill>
+                            <a:schemeClr val="tx1"/>
+                          </a:solidFill>
+                        </a:rPr>
+                        <a:t>40s</a:t>
+                      </a:r>
+                    </a:p>
+                  </a:txBody>
+                  <a:tcPr>
+                    <a:solidFill>
+                      <a:srgbClr val="00B050"/>
+                    </a:solidFill>
+                  </a:tcPr>
+                </a:tc>
+                <a:tc>
+                  <a:txBody>
+                    <a:bodyPr/>
+                    <a:lstStyle/>
+                    <a:p>
+                      <a:r>
+                        <a:rPr lang="en-GB" dirty="0">
+                          <a:solidFill>
+                            <a:schemeClr val="tx1"/>
+                          </a:solidFill>
+                        </a:rPr>
+                        <a:t>Conclusion and Future Works</a:t>
+                      </a:r>
+                    </a:p>
+                  </a:txBody>
+                  <a:tcPr/>
+                </a:tc>
+                <a:tc>
+                  <a:txBody>
+                    <a:bodyPr/>
+                    <a:lstStyle/>
+                    <a:p>
+                      <a:r>
+                        <a:rPr lang="en-GB" dirty="0">
+                          <a:solidFill>
+                            <a:schemeClr val="tx1"/>
+                          </a:solidFill>
+                        </a:rPr>
+                        <a:t>1 min</a:t>
+                      </a:r>
+                    </a:p>
+                  </a:txBody>
+                  <a:tcPr/>
+                </a:tc>
+                <a:extLst>
+                  <a:ext uri="{0D108BD9-81ED-4DB2-BD59-A6C34878D82A}">
+                    <a16:rowId xmlns:a16="http://schemas.microsoft.com/office/drawing/2014/main" val="2480635712"/>
+                  </a:ext>
+                </a:extLst>
+              </a:tr>
+              <a:tr h="503150">
+                <a:tc>
+                  <a:txBody>
+                    <a:bodyPr/>
+                    <a:lstStyle/>
+                    <a:p>
+                      <a:endParaRPr lang="en-GB" dirty="0">
+                        <a:solidFill>
+                          <a:schemeClr val="tx1"/>
+                        </a:solidFill>
+                      </a:endParaRPr>
+                    </a:p>
+                  </a:txBody>
+                  <a:tcPr>
+                    <a:solidFill>
+                      <a:srgbClr val="FF0000"/>
+                    </a:solidFill>
+                  </a:tcPr>
+                </a:tc>
+                <a:tc>
+                  <a:txBody>
+                    <a:bodyPr/>
+                    <a:lstStyle/>
+                    <a:p>
+                      <a:endParaRPr lang="en-GB" dirty="0">
+                        <a:solidFill>
+                          <a:schemeClr val="tx1"/>
+                        </a:solidFill>
+                      </a:endParaRPr>
+                    </a:p>
+                  </a:txBody>
+                  <a:tcPr>
+                    <a:solidFill>
+                      <a:srgbClr val="FF0000"/>
+                    </a:solidFill>
+                  </a:tcPr>
+                </a:tc>
+                <a:tc>
+                  <a:txBody>
+                    <a:bodyPr/>
+                    <a:lstStyle/>
+                    <a:p>
+                      <a:endParaRPr lang="en-GB" dirty="0">
+                        <a:solidFill>
+                          <a:schemeClr val="tx1"/>
+                        </a:solidFill>
+                      </a:endParaRPr>
+                    </a:p>
+                  </a:txBody>
+                  <a:tcPr>
+                    <a:solidFill>
+                      <a:srgbClr val="FFC000"/>
+                    </a:solidFill>
+                  </a:tcPr>
+                </a:tc>
+                <a:tc>
+                  <a:txBody>
+                    <a:bodyPr/>
+                    <a:lstStyle/>
+                    <a:p>
+                      <a:endParaRPr lang="en-GB" dirty="0">
+                        <a:solidFill>
+                          <a:schemeClr val="tx1"/>
+                        </a:solidFill>
+                      </a:endParaRPr>
+                    </a:p>
+                  </a:txBody>
+                  <a:tcPr>
+                    <a:solidFill>
+                      <a:srgbClr val="FFC000"/>
+                    </a:solidFill>
+                  </a:tcPr>
+                </a:tc>
+                <a:tc>
+                  <a:txBody>
+                    <a:bodyPr/>
+                    <a:lstStyle/>
+                    <a:p>
+                      <a:r>
+                        <a:rPr lang="en-GB" dirty="0">
+                          <a:solidFill>
+                            <a:schemeClr val="tx1"/>
+                          </a:solidFill>
+                        </a:rPr>
+                        <a:t>Hate Network Algorithm</a:t>
+                      </a:r>
+                    </a:p>
+                  </a:txBody>
+                  <a:tcPr>
+                    <a:solidFill>
+                      <a:srgbClr val="00B050"/>
+                    </a:solidFill>
+                  </a:tcPr>
+                </a:tc>
+                <a:tc>
+                  <a:txBody>
+                    <a:bodyPr/>
+                    <a:lstStyle/>
+                    <a:p>
+                      <a:r>
+                        <a:rPr lang="en-GB" dirty="0">
+                          <a:solidFill>
+                            <a:schemeClr val="tx1"/>
+                          </a:solidFill>
+                        </a:rPr>
+                        <a:t>1 min</a:t>
+                      </a:r>
+                    </a:p>
+                  </a:txBody>
+                  <a:tcPr>
+                    <a:solidFill>
+                      <a:srgbClr val="00B050"/>
+                    </a:solidFill>
+                  </a:tcPr>
+                </a:tc>
+                <a:tc>
+                  <a:txBody>
+                    <a:bodyPr/>
+                    <a:lstStyle/>
+                    <a:p>
+                      <a:endParaRPr lang="en-GB" dirty="0">
+                        <a:solidFill>
+                          <a:schemeClr val="tx1"/>
+                        </a:solidFill>
+                      </a:endParaRPr>
+                    </a:p>
+                  </a:txBody>
+                  <a:tcPr/>
+                </a:tc>
+                <a:tc>
+                  <a:txBody>
+                    <a:bodyPr/>
+                    <a:lstStyle/>
+                    <a:p>
+                      <a:endParaRPr lang="en-GB" dirty="0">
+                        <a:solidFill>
+                          <a:schemeClr val="tx1"/>
+                        </a:solidFill>
+                      </a:endParaRPr>
+                    </a:p>
+                  </a:txBody>
+                  <a:tcPr/>
+                </a:tc>
+                <a:extLst>
+                  <a:ext uri="{0D108BD9-81ED-4DB2-BD59-A6C34878D82A}">
+                    <a16:rowId xmlns:a16="http://schemas.microsoft.com/office/drawing/2014/main" val="4136638214"/>
+                  </a:ext>
+                </a:extLst>
+              </a:tr>
+              <a:tr h="503150">
+                <a:tc>
+                  <a:txBody>
+                    <a:bodyPr/>
+                    <a:lstStyle/>
+                    <a:p>
+                      <a:endParaRPr lang="en-GB" dirty="0">
+                        <a:solidFill>
+                          <a:schemeClr val="tx1"/>
+                        </a:solidFill>
+                      </a:endParaRPr>
+                    </a:p>
+                  </a:txBody>
+                  <a:tcPr>
+                    <a:solidFill>
+                      <a:srgbClr val="FF0000"/>
+                    </a:solidFill>
+                  </a:tcPr>
+                </a:tc>
+                <a:tc>
+                  <a:txBody>
+                    <a:bodyPr/>
+                    <a:lstStyle/>
+                    <a:p>
+                      <a:endParaRPr lang="en-GB" dirty="0">
+                        <a:solidFill>
+                          <a:schemeClr val="tx1"/>
+                        </a:solidFill>
+                      </a:endParaRPr>
+                    </a:p>
+                  </a:txBody>
+                  <a:tcPr>
+                    <a:solidFill>
+                      <a:srgbClr val="FF0000"/>
+                    </a:solidFill>
+                  </a:tcPr>
+                </a:tc>
+                <a:tc>
+                  <a:txBody>
+                    <a:bodyPr/>
+                    <a:lstStyle/>
+                    <a:p>
+                      <a:endParaRPr lang="en-GB" dirty="0">
+                        <a:solidFill>
+                          <a:schemeClr val="tx1"/>
+                        </a:solidFill>
+                      </a:endParaRPr>
+                    </a:p>
+                  </a:txBody>
+                  <a:tcPr>
+                    <a:solidFill>
+                      <a:srgbClr val="FFC000"/>
+                    </a:solidFill>
+                  </a:tcPr>
+                </a:tc>
+                <a:tc>
+                  <a:txBody>
+                    <a:bodyPr/>
+                    <a:lstStyle/>
+                    <a:p>
+                      <a:endParaRPr lang="en-GB" dirty="0">
+                        <a:solidFill>
+                          <a:schemeClr val="tx1"/>
+                        </a:solidFill>
+                      </a:endParaRPr>
+                    </a:p>
+                  </a:txBody>
+                  <a:tcPr>
+                    <a:solidFill>
+                      <a:srgbClr val="FFC000"/>
+                    </a:solidFill>
+                  </a:tcPr>
+                </a:tc>
+                <a:tc>
+                  <a:txBody>
+                    <a:bodyPr/>
+                    <a:lstStyle/>
+                    <a:p>
+                      <a:r>
+                        <a:rPr lang="en-GB" dirty="0">
+                          <a:solidFill>
+                            <a:schemeClr val="tx1"/>
+                          </a:solidFill>
+                        </a:rPr>
+                        <a:t>Hate Network Detector Threshold Determination</a:t>
+                      </a:r>
+                    </a:p>
+                  </a:txBody>
+                  <a:tcPr>
+                    <a:solidFill>
+                      <a:srgbClr val="00B050"/>
+                    </a:solidFill>
+                  </a:tcPr>
+                </a:tc>
+                <a:tc>
+                  <a:txBody>
+                    <a:bodyPr/>
+                    <a:lstStyle/>
+                    <a:p>
+                      <a:r>
+                        <a:rPr lang="en-GB" dirty="0">
+                          <a:solidFill>
+                            <a:schemeClr val="tx1"/>
+                          </a:solidFill>
+                        </a:rPr>
+                        <a:t>40s</a:t>
+                      </a:r>
+                    </a:p>
+                  </a:txBody>
+                  <a:tcPr>
+                    <a:solidFill>
+                      <a:srgbClr val="00B050"/>
+                    </a:solidFill>
+                  </a:tcPr>
+                </a:tc>
+                <a:tc>
+                  <a:txBody>
+                    <a:bodyPr/>
+                    <a:lstStyle/>
+                    <a:p>
+                      <a:endParaRPr lang="en-GB" dirty="0">
+                        <a:solidFill>
+                          <a:schemeClr val="tx1"/>
+                        </a:solidFill>
+                      </a:endParaRPr>
+                    </a:p>
+                  </a:txBody>
+                  <a:tcPr/>
+                </a:tc>
+                <a:tc>
+                  <a:txBody>
+                    <a:bodyPr/>
+                    <a:lstStyle/>
+                    <a:p>
+                      <a:endParaRPr lang="en-GB" dirty="0">
+                        <a:solidFill>
+                          <a:schemeClr val="tx1"/>
+                        </a:solidFill>
+                      </a:endParaRPr>
+                    </a:p>
+                  </a:txBody>
+                  <a:tcPr/>
+                </a:tc>
+                <a:extLst>
+                  <a:ext uri="{0D108BD9-81ED-4DB2-BD59-A6C34878D82A}">
+                    <a16:rowId xmlns:a16="http://schemas.microsoft.com/office/drawing/2014/main" val="3919703710"/>
+                  </a:ext>
+                </a:extLst>
+              </a:tr>
+              <a:tr h="503150">
+                <a:tc>
+                  <a:txBody>
+                    <a:bodyPr/>
+                    <a:lstStyle/>
+                    <a:p>
+                      <a:endParaRPr lang="en-GB" dirty="0">
+                        <a:solidFill>
+                          <a:schemeClr val="tx1"/>
+                        </a:solidFill>
+                      </a:endParaRPr>
+                    </a:p>
+                  </a:txBody>
+                  <a:tcPr>
+                    <a:solidFill>
+                      <a:srgbClr val="FF0000"/>
+                    </a:solidFill>
+                  </a:tcPr>
+                </a:tc>
+                <a:tc>
+                  <a:txBody>
+                    <a:bodyPr/>
+                    <a:lstStyle/>
+                    <a:p>
+                      <a:endParaRPr lang="en-GB" dirty="0">
+                        <a:solidFill>
+                          <a:schemeClr val="tx1"/>
+                        </a:solidFill>
+                      </a:endParaRPr>
+                    </a:p>
+                  </a:txBody>
+                  <a:tcPr>
+                    <a:solidFill>
+                      <a:srgbClr val="FF0000"/>
+                    </a:solidFill>
+                  </a:tcPr>
+                </a:tc>
+                <a:tc>
+                  <a:txBody>
+                    <a:bodyPr/>
+                    <a:lstStyle/>
+                    <a:p>
+                      <a:endParaRPr lang="en-GB" dirty="0">
+                        <a:solidFill>
+                          <a:schemeClr val="tx1"/>
+                        </a:solidFill>
+                      </a:endParaRPr>
+                    </a:p>
+                  </a:txBody>
+                  <a:tcPr>
+                    <a:solidFill>
+                      <a:srgbClr val="FFC000"/>
+                    </a:solidFill>
+                  </a:tcPr>
+                </a:tc>
+                <a:tc>
+                  <a:txBody>
+                    <a:bodyPr/>
+                    <a:lstStyle/>
+                    <a:p>
+                      <a:endParaRPr lang="en-GB" dirty="0">
+                        <a:solidFill>
+                          <a:schemeClr val="tx1"/>
+                        </a:solidFill>
+                      </a:endParaRPr>
+                    </a:p>
+                  </a:txBody>
+                  <a:tcPr>
+                    <a:solidFill>
+                      <a:srgbClr val="FFC000"/>
+                    </a:solidFill>
+                  </a:tcPr>
+                </a:tc>
+                <a:tc>
+                  <a:txBody>
+                    <a:bodyPr/>
+                    <a:lstStyle/>
+                    <a:p>
+                      <a:endParaRPr lang="en-GB" dirty="0">
+                        <a:solidFill>
+                          <a:schemeClr val="tx1"/>
+                        </a:solidFill>
+                      </a:endParaRPr>
+                    </a:p>
+                  </a:txBody>
+                  <a:tcPr>
+                    <a:solidFill>
+                      <a:srgbClr val="00B050"/>
+                    </a:solidFill>
+                  </a:tcPr>
+                </a:tc>
+                <a:tc>
+                  <a:txBody>
+                    <a:bodyPr/>
+                    <a:lstStyle/>
+                    <a:p>
+                      <a:endParaRPr lang="en-GB" dirty="0">
+                        <a:solidFill>
+                          <a:schemeClr val="tx1"/>
+                        </a:solidFill>
+                      </a:endParaRPr>
+                    </a:p>
+                  </a:txBody>
+                  <a:tcPr>
+                    <a:solidFill>
+                      <a:srgbClr val="00B050"/>
+                    </a:solidFill>
+                  </a:tcPr>
+                </a:tc>
+                <a:tc>
+                  <a:txBody>
+                    <a:bodyPr/>
+                    <a:lstStyle/>
+                    <a:p>
+                      <a:endParaRPr lang="en-GB" dirty="0">
+                        <a:solidFill>
+                          <a:schemeClr val="tx1"/>
+                        </a:solidFill>
+                      </a:endParaRPr>
+                    </a:p>
+                  </a:txBody>
+                  <a:tcPr/>
+                </a:tc>
+                <a:tc>
+                  <a:txBody>
+                    <a:bodyPr/>
+                    <a:lstStyle/>
+                    <a:p>
+                      <a:endParaRPr lang="en-GB" dirty="0">
+                        <a:solidFill>
+                          <a:schemeClr val="tx1"/>
+                        </a:solidFill>
+                      </a:endParaRPr>
+                    </a:p>
+                  </a:txBody>
+                  <a:tcPr/>
+                </a:tc>
+                <a:extLst>
+                  <a:ext uri="{0D108BD9-81ED-4DB2-BD59-A6C34878D82A}">
+                    <a16:rowId xmlns:a16="http://schemas.microsoft.com/office/drawing/2014/main" val="3780306984"/>
+                  </a:ext>
+                </a:extLst>
+              </a:tr>
+              <a:tr h="503150">
+                <a:tc>
+                  <a:txBody>
+                    <a:bodyPr/>
+                    <a:lstStyle/>
+                    <a:p>
+                      <a:endParaRPr lang="en-GB" dirty="0">
+                        <a:solidFill>
+                          <a:schemeClr val="tx1"/>
+                        </a:solidFill>
+                      </a:endParaRPr>
+                    </a:p>
+                  </a:txBody>
+                  <a:tcPr>
+                    <a:solidFill>
+                      <a:srgbClr val="FF0000"/>
+                    </a:solidFill>
+                  </a:tcPr>
+                </a:tc>
+                <a:tc>
+                  <a:txBody>
+                    <a:bodyPr/>
+                    <a:lstStyle/>
+                    <a:p>
+                      <a:endParaRPr lang="en-GB" dirty="0">
+                        <a:solidFill>
+                          <a:schemeClr val="tx1"/>
+                        </a:solidFill>
+                      </a:endParaRPr>
+                    </a:p>
+                  </a:txBody>
+                  <a:tcPr>
+                    <a:solidFill>
+                      <a:srgbClr val="FF0000"/>
+                    </a:solidFill>
+                  </a:tcPr>
+                </a:tc>
+                <a:tc>
+                  <a:txBody>
+                    <a:bodyPr/>
+                    <a:lstStyle/>
+                    <a:p>
+                      <a:endParaRPr lang="en-GB" dirty="0">
+                        <a:solidFill>
+                          <a:schemeClr val="tx1"/>
+                        </a:solidFill>
+                      </a:endParaRPr>
+                    </a:p>
+                  </a:txBody>
+                  <a:tcPr>
+                    <a:solidFill>
+                      <a:srgbClr val="FFC000"/>
+                    </a:solidFill>
+                  </a:tcPr>
+                </a:tc>
+                <a:tc>
+                  <a:txBody>
+                    <a:bodyPr/>
+                    <a:lstStyle/>
+                    <a:p>
+                      <a:endParaRPr lang="en-GB" dirty="0">
+                        <a:solidFill>
+                          <a:schemeClr val="tx1"/>
+                        </a:solidFill>
+                      </a:endParaRPr>
+                    </a:p>
+                  </a:txBody>
+                  <a:tcPr>
+                    <a:solidFill>
+                      <a:srgbClr val="FFC000"/>
+                    </a:solidFill>
+                  </a:tcPr>
+                </a:tc>
+                <a:tc>
+                  <a:txBody>
+                    <a:bodyPr/>
+                    <a:lstStyle/>
+                    <a:p>
+                      <a:endParaRPr lang="en-GB" dirty="0">
+                        <a:solidFill>
+                          <a:schemeClr val="tx1"/>
+                        </a:solidFill>
+                      </a:endParaRPr>
+                    </a:p>
+                  </a:txBody>
+                  <a:tcPr>
+                    <a:solidFill>
+                      <a:srgbClr val="00B050"/>
+                    </a:solidFill>
+                  </a:tcPr>
+                </a:tc>
+                <a:tc>
+                  <a:txBody>
+                    <a:bodyPr/>
+                    <a:lstStyle/>
+                    <a:p>
+                      <a:endParaRPr lang="en-GB" dirty="0">
+                        <a:solidFill>
+                          <a:schemeClr val="tx1"/>
+                        </a:solidFill>
+                      </a:endParaRPr>
+                    </a:p>
+                  </a:txBody>
+                  <a:tcPr>
+                    <a:solidFill>
+                      <a:srgbClr val="00B050"/>
+                    </a:solidFill>
+                  </a:tcPr>
+                </a:tc>
+                <a:tc>
+                  <a:txBody>
+                    <a:bodyPr/>
+                    <a:lstStyle/>
+                    <a:p>
+                      <a:endParaRPr lang="en-GB" dirty="0">
+                        <a:solidFill>
+                          <a:schemeClr val="tx1"/>
+                        </a:solidFill>
+                      </a:endParaRPr>
+                    </a:p>
+                  </a:txBody>
+                  <a:tcPr/>
+                </a:tc>
+                <a:tc>
+                  <a:txBody>
+                    <a:bodyPr/>
+                    <a:lstStyle/>
+                    <a:p>
+                      <a:endParaRPr lang="en-GB" dirty="0">
+                        <a:solidFill>
+                          <a:schemeClr val="tx1"/>
+                        </a:solidFill>
+                      </a:endParaRPr>
+                    </a:p>
+                  </a:txBody>
+                  <a:tcPr/>
+                </a:tc>
+                <a:extLst>
+                  <a:ext uri="{0D108BD9-81ED-4DB2-BD59-A6C34878D82A}">
+                    <a16:rowId xmlns:a16="http://schemas.microsoft.com/office/drawing/2014/main" val="1942154209"/>
+                  </a:ext>
+                </a:extLst>
+              </a:tr>
+              <a:tr h="503150">
+                <a:tc>
+                  <a:txBody>
+                    <a:bodyPr/>
+                    <a:lstStyle/>
+                    <a:p>
+                      <a:endParaRPr lang="en-GB" dirty="0">
+                        <a:solidFill>
+                          <a:schemeClr val="tx1"/>
+                        </a:solidFill>
+                      </a:endParaRPr>
+                    </a:p>
+                  </a:txBody>
+                  <a:tcPr>
+                    <a:solidFill>
+                      <a:srgbClr val="FF0000"/>
+                    </a:solidFill>
+                  </a:tcPr>
+                </a:tc>
+                <a:tc>
+                  <a:txBody>
+                    <a:bodyPr/>
+                    <a:lstStyle/>
+                    <a:p>
+                      <a:endParaRPr lang="en-GB" dirty="0">
+                        <a:solidFill>
+                          <a:schemeClr val="tx1"/>
+                        </a:solidFill>
+                      </a:endParaRPr>
+                    </a:p>
+                  </a:txBody>
+                  <a:tcPr>
+                    <a:solidFill>
+                      <a:srgbClr val="FF0000"/>
+                    </a:solidFill>
+                  </a:tcPr>
+                </a:tc>
+                <a:tc>
+                  <a:txBody>
+                    <a:bodyPr/>
+                    <a:lstStyle/>
+                    <a:p>
+                      <a:endParaRPr lang="en-GB" dirty="0">
+                        <a:solidFill>
+                          <a:schemeClr val="tx1"/>
+                        </a:solidFill>
+                      </a:endParaRPr>
+                    </a:p>
+                  </a:txBody>
+                  <a:tcPr>
+                    <a:solidFill>
+                      <a:srgbClr val="FFC000"/>
+                    </a:solidFill>
+                  </a:tcPr>
+                </a:tc>
+                <a:tc>
+                  <a:txBody>
+                    <a:bodyPr/>
+                    <a:lstStyle/>
+                    <a:p>
+                      <a:endParaRPr lang="en-GB" dirty="0">
+                        <a:solidFill>
+                          <a:schemeClr val="tx1"/>
+                        </a:solidFill>
+                      </a:endParaRPr>
+                    </a:p>
+                  </a:txBody>
+                  <a:tcPr>
+                    <a:solidFill>
+                      <a:srgbClr val="FFC000"/>
+                    </a:solidFill>
+                  </a:tcPr>
+                </a:tc>
+                <a:tc>
+                  <a:txBody>
+                    <a:bodyPr/>
+                    <a:lstStyle/>
+                    <a:p>
+                      <a:endParaRPr lang="en-GB" dirty="0">
+                        <a:solidFill>
+                          <a:schemeClr val="tx1"/>
+                        </a:solidFill>
+                      </a:endParaRPr>
+                    </a:p>
+                  </a:txBody>
+                  <a:tcPr>
+                    <a:solidFill>
+                      <a:srgbClr val="00B050"/>
+                    </a:solidFill>
+                  </a:tcPr>
+                </a:tc>
+                <a:tc>
+                  <a:txBody>
+                    <a:bodyPr/>
+                    <a:lstStyle/>
+                    <a:p>
+                      <a:endParaRPr lang="en-GB" dirty="0">
+                        <a:solidFill>
+                          <a:schemeClr val="tx1"/>
+                        </a:solidFill>
+                      </a:endParaRPr>
+                    </a:p>
+                  </a:txBody>
+                  <a:tcPr>
+                    <a:solidFill>
+                      <a:srgbClr val="00B050"/>
+                    </a:solidFill>
+                  </a:tcPr>
+                </a:tc>
+                <a:tc>
+                  <a:txBody>
+                    <a:bodyPr/>
+                    <a:lstStyle/>
+                    <a:p>
+                      <a:endParaRPr lang="en-GB" dirty="0">
+                        <a:solidFill>
+                          <a:schemeClr val="tx1"/>
+                        </a:solidFill>
+                      </a:endParaRPr>
+                    </a:p>
+                  </a:txBody>
+                  <a:tcPr/>
+                </a:tc>
+                <a:tc>
+                  <a:txBody>
+                    <a:bodyPr/>
+                    <a:lstStyle/>
+                    <a:p>
+                      <a:endParaRPr lang="en-GB" dirty="0">
+                        <a:solidFill>
+                          <a:schemeClr val="tx1"/>
+                        </a:solidFill>
+                      </a:endParaRPr>
+                    </a:p>
+                  </a:txBody>
+                  <a:tcPr/>
+                </a:tc>
+                <a:extLst>
+                  <a:ext uri="{0D108BD9-81ED-4DB2-BD59-A6C34878D82A}">
+                    <a16:rowId xmlns:a16="http://schemas.microsoft.com/office/drawing/2014/main" val="3564453762"/>
+                  </a:ext>
+                </a:extLst>
+              </a:tr>
+            </a:tbl>
+          </a:graphicData>
+        </a:graphic>
+      </p:graphicFrame>
     </p:spTree>
     <p:extLst>
       <p:ext uri="{BB962C8B-B14F-4D97-AF65-F5344CB8AC3E}">
-        <p14:creationId xmlns:p14="http://schemas.microsoft.com/office/powerpoint/2010/main" val="1234070076"/>
+        <p14:creationId xmlns:p14="http://schemas.microsoft.com/office/powerpoint/2010/main" val="2438554413"/>
+      </p:ext>
+    </p:extLst>
+  </p:cSld>
+  <p:clrMapOvr>
+    <a:masterClrMapping/>
+  </p:clrMapOvr>
+</p:sld>
+</file>
+
+<file path=ppt/slides/slide10.xml><?xml version="1.0" encoding="utf-8"?>
+<p:sld xmlns:a="http://schemas.openxmlformats.org/drawingml/2006/main" xmlns:r="http://schemas.openxmlformats.org/officeDocument/2006/relationships" xmlns:p="http://schemas.openxmlformats.org/presentationml/2006/main">
+  <p:cSld>
+    <p:spTree>
+      <p:nvGrpSpPr>
+        <p:cNvPr id="1" name=""/>
+        <p:cNvGrpSpPr/>
+        <p:nvPr/>
+      </p:nvGrpSpPr>
+      <p:grpSpPr>
+        <a:xfrm>
+          <a:off x="0" y="0"/>
+          <a:ext cx="0" cy="0"/>
+          <a:chOff x="0" y="0"/>
+          <a:chExt cx="0" cy="0"/>
+        </a:xfrm>
+      </p:grpSpPr>
+      <p:sp>
+        <p:nvSpPr>
+          <p:cNvPr id="2" name="Title 1">
+            <a:extLst>
+              <a:ext uri="{FF2B5EF4-FFF2-40B4-BE49-F238E27FC236}">
+                <a16:creationId xmlns:a16="http://schemas.microsoft.com/office/drawing/2014/main" id="{4CBB9562-1343-0F22-3EC4-6761C8D882E5}"/>
+              </a:ext>
+            </a:extLst>
+          </p:cNvPr>
+          <p:cNvSpPr>
+            <a:spLocks noGrp="1"/>
+          </p:cNvSpPr>
+          <p:nvPr>
+            <p:ph type="title"/>
+          </p:nvPr>
+        </p:nvSpPr>
+        <p:spPr/>
+        <p:txBody>
+          <a:bodyPr/>
+          <a:lstStyle/>
+          <a:p>
+            <a:endParaRPr lang="en-GB"/>
+          </a:p>
+        </p:txBody>
+      </p:sp>
+      <p:sp>
+        <p:nvSpPr>
+          <p:cNvPr id="3" name="Content Placeholder 2">
+            <a:extLst>
+              <a:ext uri="{FF2B5EF4-FFF2-40B4-BE49-F238E27FC236}">
+                <a16:creationId xmlns:a16="http://schemas.microsoft.com/office/drawing/2014/main" id="{D91E94A9-38DA-C5E3-26AB-0D3B0C80A99E}"/>
+              </a:ext>
+            </a:extLst>
+          </p:cNvPr>
+          <p:cNvSpPr>
+            <a:spLocks noGrp="1"/>
+          </p:cNvSpPr>
+          <p:nvPr>
+            <p:ph idx="1"/>
+          </p:nvPr>
+        </p:nvSpPr>
+        <p:spPr/>
+        <p:txBody>
+          <a:bodyPr/>
+          <a:lstStyle/>
+          <a:p>
+            <a:endParaRPr lang="en-GB"/>
+          </a:p>
+        </p:txBody>
+      </p:sp>
+    </p:spTree>
+    <p:extLst>
+      <p:ext uri="{BB962C8B-B14F-4D97-AF65-F5344CB8AC3E}">
+        <p14:creationId xmlns:p14="http://schemas.microsoft.com/office/powerpoint/2010/main" val="1810056726"/>
       </p:ext>
     </p:extLst>
   </p:cSld>
@@ -3445,15 +5650,15 @@
           <p:cNvPr id="2" name="Title 1">
             <a:extLst>
               <a:ext uri="{FF2B5EF4-FFF2-40B4-BE49-F238E27FC236}">
-                <a16:creationId xmlns:a16="http://schemas.microsoft.com/office/drawing/2014/main" id="{1336D9D4-D09F-94CF-27E1-F80A940D944F}"/>
-              </a:ext>
-            </a:extLst>
-          </p:cNvPr>
-          <p:cNvSpPr>
-            <a:spLocks noGrp="1"/>
-          </p:cNvSpPr>
-          <p:nvPr>
-            <p:ph type="title"/>
+                <a16:creationId xmlns:a16="http://schemas.microsoft.com/office/drawing/2014/main" id="{551A6178-D591-73E8-587E-1E607F2D71E3}"/>
+              </a:ext>
+            </a:extLst>
+          </p:cNvPr>
+          <p:cNvSpPr>
+            <a:spLocks noGrp="1"/>
+          </p:cNvSpPr>
+          <p:nvPr>
+            <p:ph type="ctrTitle"/>
           </p:nvPr>
         </p:nvSpPr>
         <p:spPr/>
@@ -3463,25 +5668,25 @@
           <a:p>
             <a:r>
               <a:rPr lang="en-GB" dirty="0"/>
-              <a:t>Motivation</a:t>
-            </a:r>
-          </a:p>
-        </p:txBody>
-      </p:sp>
-      <p:sp>
-        <p:nvSpPr>
-          <p:cNvPr id="3" name="Content Placeholder 2">
-            <a:extLst>
-              <a:ext uri="{FF2B5EF4-FFF2-40B4-BE49-F238E27FC236}">
-                <a16:creationId xmlns:a16="http://schemas.microsoft.com/office/drawing/2014/main" id="{9AC455AE-210E-2E78-0C60-5426BFAF3C8A}"/>
-              </a:ext>
-            </a:extLst>
-          </p:cNvPr>
-          <p:cNvSpPr>
-            <a:spLocks noGrp="1"/>
-          </p:cNvSpPr>
-          <p:nvPr>
-            <p:ph idx="1"/>
+              <a:t>Hate Speech and Hate Network Detection</a:t>
+            </a:r>
+          </a:p>
+        </p:txBody>
+      </p:sp>
+      <p:sp>
+        <p:nvSpPr>
+          <p:cNvPr id="3" name="Subtitle 2">
+            <a:extLst>
+              <a:ext uri="{FF2B5EF4-FFF2-40B4-BE49-F238E27FC236}">
+                <a16:creationId xmlns:a16="http://schemas.microsoft.com/office/drawing/2014/main" id="{1BBEB9B2-D7FB-1163-9D43-740402A52796}"/>
+              </a:ext>
+            </a:extLst>
+          </p:cNvPr>
+          <p:cNvSpPr>
+            <a:spLocks noGrp="1"/>
+          </p:cNvSpPr>
+          <p:nvPr>
+            <p:ph type="subTitle" idx="1"/>
           </p:nvPr>
         </p:nvSpPr>
         <p:spPr/>
@@ -3491,113 +5696,15 @@
           <a:p>
             <a:r>
               <a:rPr lang="en-GB" dirty="0"/>
-              <a:t>Social media is great but we all know there is a fundamental problem. Everyone loves how easy it is to setup </a:t>
-            </a:r>
-            <a:r>
-              <a:rPr lang="en-GB"/>
-              <a:t>and use but </a:t>
-            </a:r>
-            <a:r>
-              <a:rPr lang="en-GB" dirty="0"/>
-              <a:t>what happens when the wrong person/people/group manage to influence many by spreading hateful thoughts?</a:t>
-            </a:r>
-          </a:p>
-          <a:p>
-            <a:r>
-              <a:rPr lang="en-GB" dirty="0"/>
-              <a:t>We saw in October last year that </a:t>
-            </a:r>
-            <a:r>
-              <a:rPr lang="en-GB" b="0" i="0" dirty="0">
-                <a:solidFill>
-                  <a:srgbClr val="141414"/>
-                </a:solidFill>
-                <a:effectLst/>
-                <a:latin typeface="ReithSans"/>
-              </a:rPr>
-              <a:t>"Facebook has been unwilling to accept even little slivers of profit being sacrificed for safety"</a:t>
-            </a:r>
-            <a:r>
-              <a:rPr lang="en-GB" b="0" i="0" baseline="30000" dirty="0">
-                <a:solidFill>
-                  <a:srgbClr val="141414"/>
-                </a:solidFill>
-                <a:effectLst/>
-                <a:latin typeface="ReithSans"/>
-                <a:hlinkClick r:id="rId2"/>
-              </a:rPr>
-              <a:t>[1]</a:t>
-            </a:r>
-            <a:endParaRPr lang="en-GB" b="0" i="0" baseline="30000" dirty="0">
-              <a:solidFill>
-                <a:srgbClr val="141414"/>
-              </a:solidFill>
-              <a:effectLst/>
-              <a:latin typeface="ReithSans"/>
-            </a:endParaRPr>
-          </a:p>
-          <a:p>
-            <a:endParaRPr lang="en-GB" baseline="30000" dirty="0">
-              <a:solidFill>
-                <a:srgbClr val="141414"/>
-              </a:solidFill>
-              <a:latin typeface="ReithSans"/>
-            </a:endParaRPr>
-          </a:p>
-          <a:p>
-            <a:r>
-              <a:rPr lang="en-GB" dirty="0">
-                <a:solidFill>
-                  <a:srgbClr val="141414"/>
-                </a:solidFill>
-                <a:latin typeface="ReithSans"/>
-              </a:rPr>
-              <a:t>I wanted to see whether I could do something about it</a:t>
-            </a:r>
-            <a:endParaRPr lang="en-GB" dirty="0"/>
-          </a:p>
-        </p:txBody>
-      </p:sp>
-      <p:sp>
-        <p:nvSpPr>
-          <p:cNvPr id="4" name="TextBox 3">
-            <a:extLst>
-              <a:ext uri="{FF2B5EF4-FFF2-40B4-BE49-F238E27FC236}">
-                <a16:creationId xmlns:a16="http://schemas.microsoft.com/office/drawing/2014/main" id="{0030B8A0-D391-C38E-2374-913B5288677A}"/>
-              </a:ext>
-            </a:extLst>
-          </p:cNvPr>
-          <p:cNvSpPr txBox="1"/>
-          <p:nvPr/>
-        </p:nvSpPr>
-        <p:spPr>
-          <a:xfrm>
-            <a:off x="838200" y="6176963"/>
-            <a:ext cx="10515600" cy="276999"/>
-          </a:xfrm>
-          <a:prstGeom prst="rect">
-            <a:avLst/>
-          </a:prstGeom>
-          <a:noFill/>
-        </p:spPr>
-        <p:txBody>
-          <a:bodyPr wrap="square" rtlCol="0">
-            <a:spAutoFit/>
-          </a:bodyPr>
-          <a:lstStyle/>
-          <a:p>
-            <a:r>
-              <a:rPr lang="en-GB" sz="1200" dirty="0"/>
-              <a:t>Sources: https://www.bbc.co.uk/news/technology-59038506</a:t>
-            </a:r>
-            <a:endParaRPr lang="en-GB" dirty="0"/>
+              <a:t>By Jeetendra Joshi</a:t>
+            </a:r>
           </a:p>
         </p:txBody>
       </p:sp>
     </p:spTree>
     <p:extLst>
       <p:ext uri="{BB962C8B-B14F-4D97-AF65-F5344CB8AC3E}">
-        <p14:creationId xmlns:p14="http://schemas.microsoft.com/office/powerpoint/2010/main" val="2358679484"/>
+        <p14:creationId xmlns:p14="http://schemas.microsoft.com/office/powerpoint/2010/main" val="1234070076"/>
       </p:ext>
     </p:extLst>
   </p:cSld>
@@ -3629,7 +5736,7 @@
           <p:cNvPr id="2" name="Title 1">
             <a:extLst>
               <a:ext uri="{FF2B5EF4-FFF2-40B4-BE49-F238E27FC236}">
-                <a16:creationId xmlns:a16="http://schemas.microsoft.com/office/drawing/2014/main" id="{C7CF1575-DDC6-819B-31CC-7A18EA9C90BB}"/>
+                <a16:creationId xmlns:a16="http://schemas.microsoft.com/office/drawing/2014/main" id="{1336D9D4-D09F-94CF-27E1-F80A940D944F}"/>
               </a:ext>
             </a:extLst>
           </p:cNvPr>
@@ -3647,7 +5754,7 @@
           <a:p>
             <a:r>
               <a:rPr lang="en-GB" dirty="0"/>
-              <a:t>Hate Speech Detection</a:t>
+              <a:t>Motivation</a:t>
             </a:r>
           </a:p>
         </p:txBody>
@@ -3657,7 +5764,7 @@
           <p:cNvPr id="3" name="Content Placeholder 2">
             <a:extLst>
               <a:ext uri="{FF2B5EF4-FFF2-40B4-BE49-F238E27FC236}">
-                <a16:creationId xmlns:a16="http://schemas.microsoft.com/office/drawing/2014/main" id="{9A76B786-9852-405D-1AC3-BF080F10944D}"/>
+                <a16:creationId xmlns:a16="http://schemas.microsoft.com/office/drawing/2014/main" id="{9AC455AE-210E-2E78-0C60-5426BFAF3C8A}"/>
               </a:ext>
             </a:extLst>
           </p:cNvPr>
@@ -3675,15 +5782,105 @@
           <a:p>
             <a:r>
               <a:rPr lang="en-GB" dirty="0"/>
-              <a:t>REMEMBERWEIGHT DECAY == 0. FIND A REASON WHY</a:t>
-            </a:r>
+              <a:t>Social media is great but we all know there is a fundamental problem. Everyone loves how easy it is to setup and use but what happens when the wrong person/people/group manage to influence many by spreading hateful thoughts?</a:t>
+            </a:r>
+          </a:p>
+          <a:p>
+            <a:r>
+              <a:rPr lang="en-GB" dirty="0"/>
+              <a:t>We saw in October last year that </a:t>
+            </a:r>
+            <a:r>
+              <a:rPr lang="en-GB" b="0" i="0" dirty="0">
+                <a:solidFill>
+                  <a:srgbClr val="141414"/>
+                </a:solidFill>
+                <a:effectLst/>
+                <a:latin typeface="ReithSans"/>
+              </a:rPr>
+              <a:t>"Facebook has been unwilling to accept even little slivers of profit being sacrificed for safety"</a:t>
+            </a:r>
+            <a:r>
+              <a:rPr lang="en-GB" b="0" i="0" baseline="30000" dirty="0">
+                <a:solidFill>
+                  <a:srgbClr val="141414"/>
+                </a:solidFill>
+                <a:effectLst/>
+                <a:latin typeface="ReithSans"/>
+                <a:hlinkClick r:id="rId2"/>
+              </a:rPr>
+              <a:t>[1]</a:t>
+            </a:r>
+            <a:endParaRPr lang="en-GB" b="0" i="0" baseline="30000" dirty="0">
+              <a:solidFill>
+                <a:srgbClr val="141414"/>
+              </a:solidFill>
+              <a:effectLst/>
+              <a:latin typeface="ReithSans"/>
+            </a:endParaRPr>
+          </a:p>
+          <a:p>
+            <a:endParaRPr lang="en-GB" baseline="30000" dirty="0">
+              <a:solidFill>
+                <a:srgbClr val="141414"/>
+              </a:solidFill>
+              <a:latin typeface="ReithSans"/>
+            </a:endParaRPr>
+          </a:p>
+          <a:p>
+            <a:r>
+              <a:rPr lang="en-GB" dirty="0">
+                <a:solidFill>
+                  <a:srgbClr val="141414"/>
+                </a:solidFill>
+                <a:latin typeface="ReithSans"/>
+              </a:rPr>
+              <a:t>I wanted to see whether I could do something about it</a:t>
+            </a:r>
+            <a:endParaRPr lang="en-GB" dirty="0"/>
+          </a:p>
+        </p:txBody>
+      </p:sp>
+      <p:sp>
+        <p:nvSpPr>
+          <p:cNvPr id="4" name="TextBox 3">
+            <a:extLst>
+              <a:ext uri="{FF2B5EF4-FFF2-40B4-BE49-F238E27FC236}">
+                <a16:creationId xmlns:a16="http://schemas.microsoft.com/office/drawing/2014/main" id="{0030B8A0-D391-C38E-2374-913B5288677A}"/>
+              </a:ext>
+            </a:extLst>
+          </p:cNvPr>
+          <p:cNvSpPr txBox="1"/>
+          <p:nvPr/>
+        </p:nvSpPr>
+        <p:spPr>
+          <a:xfrm>
+            <a:off x="838200" y="6176963"/>
+            <a:ext cx="10515600" cy="276999"/>
+          </a:xfrm>
+          <a:prstGeom prst="rect">
+            <a:avLst/>
+          </a:prstGeom>
+          <a:noFill/>
+        </p:spPr>
+        <p:txBody>
+          <a:bodyPr wrap="square" rtlCol="0">
+            <a:spAutoFit/>
+          </a:bodyPr>
+          <a:lstStyle/>
+          <a:p>
+            <a:r>
+              <a:rPr lang="en-GB" sz="1200" dirty="0"/>
+              <a:t>Sources: https://www.bbc.co.uk/news/technology-59038506</a:t>
+            </a:r>
+            <a:endParaRPr lang="en-GB" dirty="0"/>
           </a:p>
         </p:txBody>
       </p:sp>
     </p:spTree>
     <p:extLst>
       <p:ext uri="{BB962C8B-B14F-4D97-AF65-F5344CB8AC3E}">
-        <p14:creationId xmlns:p14="http://schemas.microsoft.com/office/powerpoint/2010/main" val="3120085208"/>
+        <p14:creationId xmlns:p14="http://schemas.microsoft.com/office/powerpoint/2010/main" val="2358679484"/>
       </p:ext>
     </p:extLst>
   </p:cSld>
@@ -3715,7 +5912,7 @@
           <p:cNvPr id="2" name="Title 1">
             <a:extLst>
               <a:ext uri="{FF2B5EF4-FFF2-40B4-BE49-F238E27FC236}">
-                <a16:creationId xmlns:a16="http://schemas.microsoft.com/office/drawing/2014/main" id="{BAE03B4A-A1EC-1A79-F407-D14DA261B93E}"/>
+                <a16:creationId xmlns:a16="http://schemas.microsoft.com/office/drawing/2014/main" id="{C7CF1575-DDC6-819B-31CC-7A18EA9C90BB}"/>
               </a:ext>
             </a:extLst>
           </p:cNvPr>
@@ -3733,7 +5930,7 @@
           <a:p>
             <a:r>
               <a:rPr lang="en-GB" dirty="0"/>
-              <a:t>Hate Network Detection</a:t>
+              <a:t>Problems with Hate Speech Detection</a:t>
             </a:r>
           </a:p>
         </p:txBody>
@@ -3743,7 +5940,7 @@
           <p:cNvPr id="3" name="Content Placeholder 2">
             <a:extLst>
               <a:ext uri="{FF2B5EF4-FFF2-40B4-BE49-F238E27FC236}">
-                <a16:creationId xmlns:a16="http://schemas.microsoft.com/office/drawing/2014/main" id="{C7E23685-11C1-0899-F2D6-F7B3864E918E}"/>
+                <a16:creationId xmlns:a16="http://schemas.microsoft.com/office/drawing/2014/main" id="{9A76B786-9852-405D-1AC3-BF080F10944D}"/>
               </a:ext>
             </a:extLst>
           </p:cNvPr>
@@ -3759,14 +5956,14 @@
           <a:bodyPr/>
           <a:lstStyle/>
           <a:p>
-            <a:endParaRPr lang="en-GB"/>
+            <a:endParaRPr lang="en-GB" dirty="0"/>
           </a:p>
         </p:txBody>
       </p:sp>
     </p:spTree>
     <p:extLst>
       <p:ext uri="{BB962C8B-B14F-4D97-AF65-F5344CB8AC3E}">
-        <p14:creationId xmlns:p14="http://schemas.microsoft.com/office/powerpoint/2010/main" val="3454766599"/>
+        <p14:creationId xmlns:p14="http://schemas.microsoft.com/office/powerpoint/2010/main" val="3120085208"/>
       </p:ext>
     </p:extLst>
   </p:cSld>
@@ -3798,7 +5995,7 @@
           <p:cNvPr id="2" name="Title 1">
             <a:extLst>
               <a:ext uri="{FF2B5EF4-FFF2-40B4-BE49-F238E27FC236}">
-                <a16:creationId xmlns:a16="http://schemas.microsoft.com/office/drawing/2014/main" id="{B59DF5AC-A914-9BC6-B2DB-E233A0863519}"/>
+                <a16:creationId xmlns:a16="http://schemas.microsoft.com/office/drawing/2014/main" id="{FE5176C2-CBA2-493D-E44F-F4980273D6AB}"/>
               </a:ext>
             </a:extLst>
           </p:cNvPr>
@@ -3814,7 +6011,10 @@
           <a:bodyPr/>
           <a:lstStyle/>
           <a:p>
-            <a:endParaRPr lang="en-GB"/>
+            <a:r>
+              <a:rPr lang="en-GB" dirty="0"/>
+              <a:t>Utilised Models</a:t>
+            </a:r>
           </a:p>
         </p:txBody>
       </p:sp>
@@ -3823,7 +6023,7 @@
           <p:cNvPr id="3" name="Content Placeholder 2">
             <a:extLst>
               <a:ext uri="{FF2B5EF4-FFF2-40B4-BE49-F238E27FC236}">
-                <a16:creationId xmlns:a16="http://schemas.microsoft.com/office/drawing/2014/main" id="{75D5C71D-ACE2-EB47-7F61-D3A227178340}"/>
+                <a16:creationId xmlns:a16="http://schemas.microsoft.com/office/drawing/2014/main" id="{AA687063-84E3-5C71-5401-65197A545CB9}"/>
               </a:ext>
             </a:extLst>
           </p:cNvPr>
@@ -3839,14 +6039,35 @@
           <a:bodyPr/>
           <a:lstStyle/>
           <a:p>
-            <a:endParaRPr lang="en-GB"/>
+            <a:r>
+              <a:rPr lang="en-GB" dirty="0"/>
+              <a:t>K-NNs</a:t>
+            </a:r>
+          </a:p>
+          <a:p>
+            <a:r>
+              <a:rPr lang="en-GB" dirty="0"/>
+              <a:t>GRUs</a:t>
+            </a:r>
+          </a:p>
+          <a:p>
+            <a:r>
+              <a:rPr lang="en-GB" dirty="0"/>
+              <a:t>NBSVMs</a:t>
+            </a:r>
+          </a:p>
+          <a:p>
+            <a:r>
+              <a:rPr lang="en-GB" dirty="0"/>
+              <a:t>Transformers</a:t>
+            </a:r>
           </a:p>
         </p:txBody>
       </p:sp>
     </p:spTree>
     <p:extLst>
       <p:ext uri="{BB962C8B-B14F-4D97-AF65-F5344CB8AC3E}">
-        <p14:creationId xmlns:p14="http://schemas.microsoft.com/office/powerpoint/2010/main" val="534439601"/>
+        <p14:creationId xmlns:p14="http://schemas.microsoft.com/office/powerpoint/2010/main" val="1168542140"/>
       </p:ext>
     </p:extLst>
   </p:cSld>
@@ -3878,7 +6099,7 @@
           <p:cNvPr id="2" name="Title 1">
             <a:extLst>
               <a:ext uri="{FF2B5EF4-FFF2-40B4-BE49-F238E27FC236}">
-                <a16:creationId xmlns:a16="http://schemas.microsoft.com/office/drawing/2014/main" id="{8E3AFA9C-069F-28EF-AD4D-91F347FF33BF}"/>
+                <a16:creationId xmlns:a16="http://schemas.microsoft.com/office/drawing/2014/main" id="{BAE03B4A-A1EC-1A79-F407-D14DA261B93E}"/>
               </a:ext>
             </a:extLst>
           </p:cNvPr>
@@ -3894,7 +6115,10 @@
           <a:bodyPr/>
           <a:lstStyle/>
           <a:p>
-            <a:endParaRPr lang="en-GB"/>
+            <a:r>
+              <a:rPr lang="en-GB" dirty="0"/>
+              <a:t>Hate Network Detection</a:t>
+            </a:r>
           </a:p>
         </p:txBody>
       </p:sp>
@@ -3903,7 +6127,7 @@
           <p:cNvPr id="3" name="Content Placeholder 2">
             <a:extLst>
               <a:ext uri="{FF2B5EF4-FFF2-40B4-BE49-F238E27FC236}">
-                <a16:creationId xmlns:a16="http://schemas.microsoft.com/office/drawing/2014/main" id="{FE447CA2-A726-9377-AF4B-BB8D8CB87505}"/>
+                <a16:creationId xmlns:a16="http://schemas.microsoft.com/office/drawing/2014/main" id="{C7E23685-11C1-0899-F2D6-F7B3864E918E}"/>
               </a:ext>
             </a:extLst>
           </p:cNvPr>
@@ -3926,7 +6150,7 @@
     </p:spTree>
     <p:extLst>
       <p:ext uri="{BB962C8B-B14F-4D97-AF65-F5344CB8AC3E}">
-        <p14:creationId xmlns:p14="http://schemas.microsoft.com/office/powerpoint/2010/main" val="1342558219"/>
+        <p14:creationId xmlns:p14="http://schemas.microsoft.com/office/powerpoint/2010/main" val="3454766599"/>
       </p:ext>
     </p:extLst>
   </p:cSld>
@@ -3958,7 +6182,7 @@
           <p:cNvPr id="2" name="Title 1">
             <a:extLst>
               <a:ext uri="{FF2B5EF4-FFF2-40B4-BE49-F238E27FC236}">
-                <a16:creationId xmlns:a16="http://schemas.microsoft.com/office/drawing/2014/main" id="{2C48047D-A525-9A2F-F642-161280D2620E}"/>
+                <a16:creationId xmlns:a16="http://schemas.microsoft.com/office/drawing/2014/main" id="{B59DF5AC-A914-9BC6-B2DB-E233A0863519}"/>
               </a:ext>
             </a:extLst>
           </p:cNvPr>
@@ -3974,7 +6198,10 @@
           <a:bodyPr/>
           <a:lstStyle/>
           <a:p>
-            <a:endParaRPr lang="en-GB"/>
+            <a:r>
+              <a:rPr lang="en-GB" dirty="0"/>
+              <a:t>Questions?</a:t>
+            </a:r>
           </a:p>
         </p:txBody>
       </p:sp>
@@ -3983,7 +6210,7 @@
           <p:cNvPr id="3" name="Content Placeholder 2">
             <a:extLst>
               <a:ext uri="{FF2B5EF4-FFF2-40B4-BE49-F238E27FC236}">
-                <a16:creationId xmlns:a16="http://schemas.microsoft.com/office/drawing/2014/main" id="{7CEFCEEF-97C6-134B-724D-1CFFB8038532}"/>
+                <a16:creationId xmlns:a16="http://schemas.microsoft.com/office/drawing/2014/main" id="{75D5C71D-ACE2-EB47-7F61-D3A227178340}"/>
               </a:ext>
             </a:extLst>
           </p:cNvPr>
@@ -4006,7 +6233,7 @@
     </p:spTree>
     <p:extLst>
       <p:ext uri="{BB962C8B-B14F-4D97-AF65-F5344CB8AC3E}">
-        <p14:creationId xmlns:p14="http://schemas.microsoft.com/office/powerpoint/2010/main" val="3883635782"/>
+        <p14:creationId xmlns:p14="http://schemas.microsoft.com/office/powerpoint/2010/main" val="534439601"/>
       </p:ext>
     </p:extLst>
   </p:cSld>
@@ -4038,7 +6265,7 @@
           <p:cNvPr id="2" name="Title 1">
             <a:extLst>
               <a:ext uri="{FF2B5EF4-FFF2-40B4-BE49-F238E27FC236}">
-                <a16:creationId xmlns:a16="http://schemas.microsoft.com/office/drawing/2014/main" id="{4CBB9562-1343-0F22-3EC4-6761C8D882E5}"/>
+                <a16:creationId xmlns:a16="http://schemas.microsoft.com/office/drawing/2014/main" id="{8E3AFA9C-069F-28EF-AD4D-91F347FF33BF}"/>
               </a:ext>
             </a:extLst>
           </p:cNvPr>
@@ -4063,7 +6290,7 @@
           <p:cNvPr id="3" name="Content Placeholder 2">
             <a:extLst>
               <a:ext uri="{FF2B5EF4-FFF2-40B4-BE49-F238E27FC236}">
-                <a16:creationId xmlns:a16="http://schemas.microsoft.com/office/drawing/2014/main" id="{D91E94A9-38DA-C5E3-26AB-0D3B0C80A99E}"/>
+                <a16:creationId xmlns:a16="http://schemas.microsoft.com/office/drawing/2014/main" id="{FE447CA2-A726-9377-AF4B-BB8D8CB87505}"/>
               </a:ext>
             </a:extLst>
           </p:cNvPr>
@@ -4086,7 +6313,87 @@
     </p:spTree>
     <p:extLst>
       <p:ext uri="{BB962C8B-B14F-4D97-AF65-F5344CB8AC3E}">
-        <p14:creationId xmlns:p14="http://schemas.microsoft.com/office/powerpoint/2010/main" val="1810056726"/>
+        <p14:creationId xmlns:p14="http://schemas.microsoft.com/office/powerpoint/2010/main" val="1342558219"/>
+      </p:ext>
+    </p:extLst>
+  </p:cSld>
+  <p:clrMapOvr>
+    <a:masterClrMapping/>
+  </p:clrMapOvr>
+</p:sld>
+</file>
+
+<file path=ppt/slides/slide9.xml><?xml version="1.0" encoding="utf-8"?>
+<p:sld xmlns:a="http://schemas.openxmlformats.org/drawingml/2006/main" xmlns:r="http://schemas.openxmlformats.org/officeDocument/2006/relationships" xmlns:p="http://schemas.openxmlformats.org/presentationml/2006/main">
+  <p:cSld>
+    <p:spTree>
+      <p:nvGrpSpPr>
+        <p:cNvPr id="1" name=""/>
+        <p:cNvGrpSpPr/>
+        <p:nvPr/>
+      </p:nvGrpSpPr>
+      <p:grpSpPr>
+        <a:xfrm>
+          <a:off x="0" y="0"/>
+          <a:ext cx="0" cy="0"/>
+          <a:chOff x="0" y="0"/>
+          <a:chExt cx="0" cy="0"/>
+        </a:xfrm>
+      </p:grpSpPr>
+      <p:sp>
+        <p:nvSpPr>
+          <p:cNvPr id="2" name="Title 1">
+            <a:extLst>
+              <a:ext uri="{FF2B5EF4-FFF2-40B4-BE49-F238E27FC236}">
+                <a16:creationId xmlns:a16="http://schemas.microsoft.com/office/drawing/2014/main" id="{2C48047D-A525-9A2F-F642-161280D2620E}"/>
+              </a:ext>
+            </a:extLst>
+          </p:cNvPr>
+          <p:cNvSpPr>
+            <a:spLocks noGrp="1"/>
+          </p:cNvSpPr>
+          <p:nvPr>
+            <p:ph type="title"/>
+          </p:nvPr>
+        </p:nvSpPr>
+        <p:spPr/>
+        <p:txBody>
+          <a:bodyPr/>
+          <a:lstStyle/>
+          <a:p>
+            <a:endParaRPr lang="en-GB"/>
+          </a:p>
+        </p:txBody>
+      </p:sp>
+      <p:sp>
+        <p:nvSpPr>
+          <p:cNvPr id="3" name="Content Placeholder 2">
+            <a:extLst>
+              <a:ext uri="{FF2B5EF4-FFF2-40B4-BE49-F238E27FC236}">
+                <a16:creationId xmlns:a16="http://schemas.microsoft.com/office/drawing/2014/main" id="{7CEFCEEF-97C6-134B-724D-1CFFB8038532}"/>
+              </a:ext>
+            </a:extLst>
+          </p:cNvPr>
+          <p:cNvSpPr>
+            <a:spLocks noGrp="1"/>
+          </p:cNvSpPr>
+          <p:nvPr>
+            <p:ph idx="1"/>
+          </p:nvPr>
+        </p:nvSpPr>
+        <p:spPr/>
+        <p:txBody>
+          <a:bodyPr/>
+          <a:lstStyle/>
+          <a:p>
+            <a:endParaRPr lang="en-GB"/>
+          </a:p>
+        </p:txBody>
+      </p:sp>
+    </p:spTree>
+    <p:extLst>
+      <p:ext uri="{BB962C8B-B14F-4D97-AF65-F5344CB8AC3E}">
+        <p14:creationId xmlns:p14="http://schemas.microsoft.com/office/powerpoint/2010/main" val="3883635782"/>
       </p:ext>
     </p:extLst>
   </p:cSld>
@@ -4389,4 +6696,299 @@
     </a:ext>
   </a:extLst>
 </a:theme>
+</file>
+
+<file path=ppt/theme/theme2.xml><?xml version="1.0" encoding="utf-8"?>
+<a:theme xmlns:a="http://schemas.openxmlformats.org/drawingml/2006/main" name="Office Theme">
+  <a:themeElements>
+    <a:clrScheme name="Office">
+      <a:dk1>
+        <a:sysClr val="windowText" lastClr="000000"/>
+      </a:dk1>
+      <a:lt1>
+        <a:sysClr val="window" lastClr="FFFFFF"/>
+      </a:lt1>
+      <a:dk2>
+        <a:srgbClr val="44546A"/>
+      </a:dk2>
+      <a:lt2>
+        <a:srgbClr val="E7E6E6"/>
+      </a:lt2>
+      <a:accent1>
+        <a:srgbClr val="4472C4"/>
+      </a:accent1>
+      <a:accent2>
+        <a:srgbClr val="ED7D31"/>
+      </a:accent2>
+      <a:accent3>
+        <a:srgbClr val="A5A5A5"/>
+      </a:accent3>
+      <a:accent4>
+        <a:srgbClr val="FFC000"/>
+      </a:accent4>
+      <a:accent5>
+        <a:srgbClr val="5B9BD5"/>
+      </a:accent5>
+      <a:accent6>
+        <a:srgbClr val="70AD47"/>
+      </a:accent6>
+      <a:hlink>
+        <a:srgbClr val="0563C1"/>
+      </a:hlink>
+      <a:folHlink>
+        <a:srgbClr val="954F72"/>
+      </a:folHlink>
+    </a:clrScheme>
+    <a:fontScheme name="Office">
+      <a:majorFont>
+        <a:latin typeface="Calibri Light" panose="020F0302020204030204"/>
+        <a:ea typeface=""/>
+        <a:cs typeface=""/>
+        <a:font script="Jpan" typeface="游ゴシック Light"/>
+        <a:font script="Hang" typeface="맑은 고딕"/>
+        <a:font script="Hans" typeface="等线 Light"/>
+        <a:font script="Hant" typeface="新細明體"/>
+        <a:font script="Arab" typeface="Times New Roman"/>
+        <a:font script="Hebr" typeface="Times New Roman"/>
+        <a:font script="Thai" typeface="Angsana New"/>
+        <a:font script="Ethi" typeface="Nyala"/>
+        <a:font script="Beng" typeface="Vrinda"/>
+        <a:font script="Gujr" typeface="Shruti"/>
+        <a:font script="Khmr" typeface="MoolBoran"/>
+        <a:font script="Knda" typeface="Tunga"/>
+        <a:font script="Guru" typeface="Raavi"/>
+        <a:font script="Cans" typeface="Euphemia"/>
+        <a:font script="Cher" typeface="Plantagenet Cherokee"/>
+        <a:font script="Yiii" typeface="Microsoft Yi Baiti"/>
+        <a:font script="Tibt" typeface="Microsoft Himalaya"/>
+        <a:font script="Thaa" typeface="MV Boli"/>
+        <a:font script="Deva" typeface="Mangal"/>
+        <a:font script="Telu" typeface="Gautami"/>
+        <a:font script="Taml" typeface="Latha"/>
+        <a:font script="Syrc" typeface="Estrangelo Edessa"/>
+        <a:font script="Orya" typeface="Kalinga"/>
+        <a:font script="Mlym" typeface="Kartika"/>
+        <a:font script="Laoo" typeface="DokChampa"/>
+        <a:font script="Sinh" typeface="Iskoola Pota"/>
+        <a:font script="Mong" typeface="Mongolian Baiti"/>
+        <a:font script="Viet" typeface="Times New Roman"/>
+        <a:font script="Uigh" typeface="Microsoft Uighur"/>
+        <a:font script="Geor" typeface="Sylfaen"/>
+        <a:font script="Armn" typeface="Arial"/>
+        <a:font script="Bugi" typeface="Leelawadee UI"/>
+        <a:font script="Bopo" typeface="Microsoft JhengHei"/>
+        <a:font script="Java" typeface="Javanese Text"/>
+        <a:font script="Lisu" typeface="Segoe UI"/>
+        <a:font script="Mymr" typeface="Myanmar Text"/>
+        <a:font script="Nkoo" typeface="Ebrima"/>
+        <a:font script="Olck" typeface="Nirmala UI"/>
+        <a:font script="Osma" typeface="Ebrima"/>
+        <a:font script="Phag" typeface="Phagspa"/>
+        <a:font script="Syrn" typeface="Estrangelo Edessa"/>
+        <a:font script="Syrj" typeface="Estrangelo Edessa"/>
+        <a:font script="Syre" typeface="Estrangelo Edessa"/>
+        <a:font script="Sora" typeface="Nirmala UI"/>
+        <a:font script="Tale" typeface="Microsoft Tai Le"/>
+        <a:font script="Talu" typeface="Microsoft New Tai Lue"/>
+        <a:font script="Tfng" typeface="Ebrima"/>
+      </a:majorFont>
+      <a:minorFont>
+        <a:latin typeface="Calibri" panose="020F0502020204030204"/>
+        <a:ea typeface=""/>
+        <a:cs typeface=""/>
+        <a:font script="Jpan" typeface="游ゴシック"/>
+        <a:font script="Hang" typeface="맑은 고딕"/>
+        <a:font script="Hans" typeface="等线"/>
+        <a:font script="Hant" typeface="新細明體"/>
+        <a:font script="Arab" typeface="Arial"/>
+        <a:font script="Hebr" typeface="Arial"/>
+        <a:font script="Thai" typeface="Cordia New"/>
+        <a:font script="Ethi" typeface="Nyala"/>
+        <a:font script="Beng" typeface="Vrinda"/>
+        <a:font script="Gujr" typeface="Shruti"/>
+        <a:font script="Khmr" typeface="DaunPenh"/>
+        <a:font script="Knda" typeface="Tunga"/>
+        <a:font script="Guru" typeface="Raavi"/>
+        <a:font script="Cans" typeface="Euphemia"/>
+        <a:font script="Cher" typeface="Plantagenet Cherokee"/>
+        <a:font script="Yiii" typeface="Microsoft Yi Baiti"/>
+        <a:font script="Tibt" typeface="Microsoft Himalaya"/>
+        <a:font script="Thaa" typeface="MV Boli"/>
+        <a:font script="Deva" typeface="Mangal"/>
+        <a:font script="Telu" typeface="Gautami"/>
+        <a:font script="Taml" typeface="Latha"/>
+        <a:font script="Syrc" typeface="Estrangelo Edessa"/>
+        <a:font script="Orya" typeface="Kalinga"/>
+        <a:font script="Mlym" typeface="Kartika"/>
+        <a:font script="Laoo" typeface="DokChampa"/>
+        <a:font script="Sinh" typeface="Iskoola Pota"/>
+        <a:font script="Mong" typeface="Mongolian Baiti"/>
+        <a:font script="Viet" typeface="Arial"/>
+        <a:font script="Uigh" typeface="Microsoft Uighur"/>
+        <a:font script="Geor" typeface="Sylfaen"/>
+        <a:font script="Armn" typeface="Arial"/>
+        <a:font script="Bugi" typeface="Leelawadee UI"/>
+        <a:font script="Bopo" typeface="Microsoft JhengHei"/>
+        <a:font script="Java" typeface="Javanese Text"/>
+        <a:font script="Lisu" typeface="Segoe UI"/>
+        <a:font script="Mymr" typeface="Myanmar Text"/>
+        <a:font script="Nkoo" typeface="Ebrima"/>
+        <a:font script="Olck" typeface="Nirmala UI"/>
+        <a:font script="Osma" typeface="Ebrima"/>
+        <a:font script="Phag" typeface="Phagspa"/>
+        <a:font script="Syrn" typeface="Estrangelo Edessa"/>
+        <a:font script="Syrj" typeface="Estrangelo Edessa"/>
+        <a:font script="Syre" typeface="Estrangelo Edessa"/>
+        <a:font script="Sora" typeface="Nirmala UI"/>
+        <a:font script="Tale" typeface="Microsoft Tai Le"/>
+        <a:font script="Talu" typeface="Microsoft New Tai Lue"/>
+        <a:font script="Tfng" typeface="Ebrima"/>
+      </a:minorFont>
+    </a:fontScheme>
+    <a:fmtScheme name="Office">
+      <a:fillStyleLst>
+        <a:solidFill>
+          <a:schemeClr val="phClr"/>
+        </a:solidFill>
+        <a:gradFill rotWithShape="1">
+          <a:gsLst>
+            <a:gs pos="0">
+              <a:schemeClr val="phClr">
+                <a:lumMod val="110000"/>
+                <a:satMod val="105000"/>
+                <a:tint val="67000"/>
+              </a:schemeClr>
+            </a:gs>
+            <a:gs pos="50000">
+              <a:schemeClr val="phClr">
+                <a:lumMod val="105000"/>
+                <a:satMod val="103000"/>
+                <a:tint val="73000"/>
+              </a:schemeClr>
+            </a:gs>
+            <a:gs pos="100000">
+              <a:schemeClr val="phClr">
+                <a:lumMod val="105000"/>
+                <a:satMod val="109000"/>
+                <a:tint val="81000"/>
+              </a:schemeClr>
+            </a:gs>
+          </a:gsLst>
+          <a:lin ang="5400000" scaled="0"/>
+        </a:gradFill>
+        <a:gradFill rotWithShape="1">
+          <a:gsLst>
+            <a:gs pos="0">
+              <a:schemeClr val="phClr">
+                <a:satMod val="103000"/>
+                <a:lumMod val="102000"/>
+                <a:tint val="94000"/>
+              </a:schemeClr>
+            </a:gs>
+            <a:gs pos="50000">
+              <a:schemeClr val="phClr">
+                <a:satMod val="110000"/>
+                <a:lumMod val="100000"/>
+                <a:shade val="100000"/>
+              </a:schemeClr>
+            </a:gs>
+            <a:gs pos="100000">
+              <a:schemeClr val="phClr">
+                <a:lumMod val="99000"/>
+                <a:satMod val="120000"/>
+                <a:shade val="78000"/>
+              </a:schemeClr>
+            </a:gs>
+          </a:gsLst>
+          <a:lin ang="5400000" scaled="0"/>
+        </a:gradFill>
+      </a:fillStyleLst>
+      <a:lnStyleLst>
+        <a:ln w="6350" cap="flat" cmpd="sng" algn="ctr">
+          <a:solidFill>
+            <a:schemeClr val="phClr"/>
+          </a:solidFill>
+          <a:prstDash val="solid"/>
+          <a:miter lim="800000"/>
+        </a:ln>
+        <a:ln w="12700" cap="flat" cmpd="sng" algn="ctr">
+          <a:solidFill>
+            <a:schemeClr val="phClr"/>
+          </a:solidFill>
+          <a:prstDash val="solid"/>
+          <a:miter lim="800000"/>
+        </a:ln>
+        <a:ln w="19050" cap="flat" cmpd="sng" algn="ctr">
+          <a:solidFill>
+            <a:schemeClr val="phClr"/>
+          </a:solidFill>
+          <a:prstDash val="solid"/>
+          <a:miter lim="800000"/>
+        </a:ln>
+      </a:lnStyleLst>
+      <a:effectStyleLst>
+        <a:effectStyle>
+          <a:effectLst/>
+        </a:effectStyle>
+        <a:effectStyle>
+          <a:effectLst/>
+        </a:effectStyle>
+        <a:effectStyle>
+          <a:effectLst>
+            <a:outerShdw blurRad="57150" dist="19050" dir="5400000" algn="ctr" rotWithShape="0">
+              <a:srgbClr val="000000">
+                <a:alpha val="63000"/>
+              </a:srgbClr>
+            </a:outerShdw>
+          </a:effectLst>
+        </a:effectStyle>
+      </a:effectStyleLst>
+      <a:bgFillStyleLst>
+        <a:solidFill>
+          <a:schemeClr val="phClr"/>
+        </a:solidFill>
+        <a:solidFill>
+          <a:schemeClr val="phClr">
+            <a:tint val="95000"/>
+            <a:satMod val="170000"/>
+          </a:schemeClr>
+        </a:solidFill>
+        <a:gradFill rotWithShape="1">
+          <a:gsLst>
+            <a:gs pos="0">
+              <a:schemeClr val="phClr">
+                <a:tint val="93000"/>
+                <a:satMod val="150000"/>
+                <a:shade val="98000"/>
+                <a:lumMod val="102000"/>
+              </a:schemeClr>
+            </a:gs>
+            <a:gs pos="50000">
+              <a:schemeClr val="phClr">
+                <a:tint val="98000"/>
+                <a:satMod val="130000"/>
+                <a:shade val="90000"/>
+                <a:lumMod val="103000"/>
+              </a:schemeClr>
+            </a:gs>
+            <a:gs pos="100000">
+              <a:schemeClr val="phClr">
+                <a:shade val="63000"/>
+                <a:satMod val="120000"/>
+              </a:schemeClr>
+            </a:gs>
+          </a:gsLst>
+          <a:lin ang="5400000" scaled="0"/>
+        </a:gradFill>
+      </a:bgFillStyleLst>
+    </a:fmtScheme>
+  </a:themeElements>
+  <a:objectDefaults/>
+  <a:extraClrSchemeLst/>
+  <a:extLst>
+    <a:ext uri="{05A4C25C-085E-4340-85A3-A5531E510DB2}">
+      <thm15:themeFamily xmlns:thm15="http://schemas.microsoft.com/office/thememl/2012/main" name="Office Theme" id="{62F939B6-93AF-4DB8-9C6B-D6C7DFDC589F}" vid="{4A3C46E8-61CC-4603-A589-7422A47A8E4A}"/>
+    </a:ext>
+  </a:extLst>
+</a:theme>
 </file>
--- a/FYP Presentation.pptx
+++ b/FYP Presentation.pptx
@@ -5,7 +5,7 @@
     <p:sldMasterId id="2147483648" r:id="rId1"/>
   </p:sldMasterIdLst>
   <p:notesMasterIdLst>
-    <p:notesMasterId r:id="rId12"/>
+    <p:notesMasterId r:id="rId22"/>
   </p:notesMasterIdLst>
   <p:sldIdLst>
     <p:sldId id="264" r:id="rId2"/>
@@ -13,11 +13,21 @@
     <p:sldId id="257" r:id="rId4"/>
     <p:sldId id="258" r:id="rId5"/>
     <p:sldId id="265" r:id="rId6"/>
-    <p:sldId id="259" r:id="rId7"/>
-    <p:sldId id="260" r:id="rId8"/>
-    <p:sldId id="261" r:id="rId9"/>
-    <p:sldId id="262" r:id="rId10"/>
-    <p:sldId id="263" r:id="rId11"/>
+    <p:sldId id="266" r:id="rId7"/>
+    <p:sldId id="267" r:id="rId8"/>
+    <p:sldId id="268" r:id="rId9"/>
+    <p:sldId id="269" r:id="rId10"/>
+    <p:sldId id="270" r:id="rId11"/>
+    <p:sldId id="271" r:id="rId12"/>
+    <p:sldId id="272" r:id="rId13"/>
+    <p:sldId id="273" r:id="rId14"/>
+    <p:sldId id="274" r:id="rId15"/>
+    <p:sldId id="275" r:id="rId16"/>
+    <p:sldId id="277" r:id="rId17"/>
+    <p:sldId id="276" r:id="rId18"/>
+    <p:sldId id="278" r:id="rId19"/>
+    <p:sldId id="259" r:id="rId20"/>
+    <p:sldId id="260" r:id="rId21"/>
   </p:sldIdLst>
   <p:sldSz cx="12192000" cy="6858000"/>
   <p:notesSz cx="6858000" cy="9144000"/>
@@ -206,7 +216,7 @@
           <a:p>
             <a:fld id="{3E8EE9C8-0F55-4C1F-A577-BB7912626A21}" type="datetimeFigureOut">
               <a:rPr lang="en-GB" smtClean="0"/>
-              <a:t>20/06/2022</a:t>
+              <a:t>21/06/2022</a:t>
             </a:fld>
             <a:endParaRPr lang="en-GB"/>
           </a:p>
@@ -730,7 +740,7 @@
           <a:p>
             <a:fld id="{A7E93B79-5F87-463F-BE54-B700F7D9A626}" type="datetimeFigureOut">
               <a:rPr lang="en-GB" smtClean="0"/>
-              <a:t>20/06/2022</a:t>
+              <a:t>21/06/2022</a:t>
             </a:fld>
             <a:endParaRPr lang="en-GB"/>
           </a:p>
@@ -930,7 +940,7 @@
           <a:p>
             <a:fld id="{A7E93B79-5F87-463F-BE54-B700F7D9A626}" type="datetimeFigureOut">
               <a:rPr lang="en-GB" smtClean="0"/>
-              <a:t>20/06/2022</a:t>
+              <a:t>21/06/2022</a:t>
             </a:fld>
             <a:endParaRPr lang="en-GB"/>
           </a:p>
@@ -1140,7 +1150,7 @@
           <a:p>
             <a:fld id="{A7E93B79-5F87-463F-BE54-B700F7D9A626}" type="datetimeFigureOut">
               <a:rPr lang="en-GB" smtClean="0"/>
-              <a:t>20/06/2022</a:t>
+              <a:t>21/06/2022</a:t>
             </a:fld>
             <a:endParaRPr lang="en-GB"/>
           </a:p>
@@ -1340,7 +1350,7 @@
           <a:p>
             <a:fld id="{A7E93B79-5F87-463F-BE54-B700F7D9A626}" type="datetimeFigureOut">
               <a:rPr lang="en-GB" smtClean="0"/>
-              <a:t>20/06/2022</a:t>
+              <a:t>21/06/2022</a:t>
             </a:fld>
             <a:endParaRPr lang="en-GB"/>
           </a:p>
@@ -1616,7 +1626,7 @@
           <a:p>
             <a:fld id="{A7E93B79-5F87-463F-BE54-B700F7D9A626}" type="datetimeFigureOut">
               <a:rPr lang="en-GB" smtClean="0"/>
-              <a:t>20/06/2022</a:t>
+              <a:t>21/06/2022</a:t>
             </a:fld>
             <a:endParaRPr lang="en-GB"/>
           </a:p>
@@ -1884,7 +1894,7 @@
           <a:p>
             <a:fld id="{A7E93B79-5F87-463F-BE54-B700F7D9A626}" type="datetimeFigureOut">
               <a:rPr lang="en-GB" smtClean="0"/>
-              <a:t>20/06/2022</a:t>
+              <a:t>21/06/2022</a:t>
             </a:fld>
             <a:endParaRPr lang="en-GB"/>
           </a:p>
@@ -2299,7 +2309,7 @@
           <a:p>
             <a:fld id="{A7E93B79-5F87-463F-BE54-B700F7D9A626}" type="datetimeFigureOut">
               <a:rPr lang="en-GB" smtClean="0"/>
-              <a:t>20/06/2022</a:t>
+              <a:t>21/06/2022</a:t>
             </a:fld>
             <a:endParaRPr lang="en-GB"/>
           </a:p>
@@ -2441,7 +2451,7 @@
           <a:p>
             <a:fld id="{A7E93B79-5F87-463F-BE54-B700F7D9A626}" type="datetimeFigureOut">
               <a:rPr lang="en-GB" smtClean="0"/>
-              <a:t>20/06/2022</a:t>
+              <a:t>21/06/2022</a:t>
             </a:fld>
             <a:endParaRPr lang="en-GB"/>
           </a:p>
@@ -2554,7 +2564,7 @@
           <a:p>
             <a:fld id="{A7E93B79-5F87-463F-BE54-B700F7D9A626}" type="datetimeFigureOut">
               <a:rPr lang="en-GB" smtClean="0"/>
-              <a:t>20/06/2022</a:t>
+              <a:t>21/06/2022</a:t>
             </a:fld>
             <a:endParaRPr lang="en-GB"/>
           </a:p>
@@ -2867,7 +2877,7 @@
           <a:p>
             <a:fld id="{A7E93B79-5F87-463F-BE54-B700F7D9A626}" type="datetimeFigureOut">
               <a:rPr lang="en-GB" smtClean="0"/>
-              <a:t>20/06/2022</a:t>
+              <a:t>21/06/2022</a:t>
             </a:fld>
             <a:endParaRPr lang="en-GB"/>
           </a:p>
@@ -3156,7 +3166,7 @@
           <a:p>
             <a:fld id="{A7E93B79-5F87-463F-BE54-B700F7D9A626}" type="datetimeFigureOut">
               <a:rPr lang="en-GB" smtClean="0"/>
-              <a:t>20/06/2022</a:t>
+              <a:t>21/06/2022</a:t>
             </a:fld>
             <a:endParaRPr lang="en-GB"/>
           </a:p>
@@ -3399,7 +3409,7 @@
           <a:p>
             <a:fld id="{A7E93B79-5F87-463F-BE54-B700F7D9A626}" type="datetimeFigureOut">
               <a:rPr lang="en-GB" smtClean="0"/>
-              <a:t>20/06/2022</a:t>
+              <a:t>21/06/2022</a:t>
             </a:fld>
             <a:endParaRPr lang="en-GB"/>
           </a:p>
@@ -3856,7 +3866,7 @@
           <p:nvPr>
             <p:extLst>
               <p:ext uri="{D42A27DB-BD31-4B8C-83A1-F6EECF244321}">
-                <p14:modId xmlns:p14="http://schemas.microsoft.com/office/powerpoint/2010/main" val="351349011"/>
+                <p14:modId xmlns:p14="http://schemas.microsoft.com/office/powerpoint/2010/main" val="2457102182"/>
               </p:ext>
             </p:extLst>
           </p:nvPr>
@@ -4733,7 +4743,7 @@
                             <a:schemeClr val="tx1"/>
                           </a:solidFill>
                         </a:rPr>
-                        <a:t>Determining Learning Rate</a:t>
+                        <a:t>Configurations</a:t>
                       </a:r>
                     </a:p>
                   </a:txBody>
@@ -5570,7 +5580,7 @@
           <p:cNvPr id="2" name="Title 1">
             <a:extLst>
               <a:ext uri="{FF2B5EF4-FFF2-40B4-BE49-F238E27FC236}">
-                <a16:creationId xmlns:a16="http://schemas.microsoft.com/office/drawing/2014/main" id="{4CBB9562-1343-0F22-3EC4-6761C8D882E5}"/>
+                <a16:creationId xmlns:a16="http://schemas.microsoft.com/office/drawing/2014/main" id="{C626624E-CF09-9E89-3C00-3E36A4B08C8C}"/>
               </a:ext>
             </a:extLst>
           </p:cNvPr>
@@ -5586,7 +5596,10 @@
           <a:bodyPr/>
           <a:lstStyle/>
           <a:p>
-            <a:endParaRPr lang="en-GB"/>
+            <a:r>
+              <a:rPr lang="en-GB" dirty="0"/>
+              <a:t>Dataset Collection</a:t>
+            </a:r>
           </a:p>
         </p:txBody>
       </p:sp>
@@ -5595,7 +5608,7 @@
           <p:cNvPr id="3" name="Content Placeholder 2">
             <a:extLst>
               <a:ext uri="{FF2B5EF4-FFF2-40B4-BE49-F238E27FC236}">
-                <a16:creationId xmlns:a16="http://schemas.microsoft.com/office/drawing/2014/main" id="{D91E94A9-38DA-C5E3-26AB-0D3B0C80A99E}"/>
+                <a16:creationId xmlns:a16="http://schemas.microsoft.com/office/drawing/2014/main" id="{6671F954-794C-467F-F8ED-4BD649681A5A}"/>
               </a:ext>
             </a:extLst>
           </p:cNvPr>
@@ -5618,7 +5631,759 @@
     </p:spTree>
     <p:extLst>
       <p:ext uri="{BB962C8B-B14F-4D97-AF65-F5344CB8AC3E}">
-        <p14:creationId xmlns:p14="http://schemas.microsoft.com/office/powerpoint/2010/main" val="1810056726"/>
+        <p14:creationId xmlns:p14="http://schemas.microsoft.com/office/powerpoint/2010/main" val="3572003948"/>
+      </p:ext>
+    </p:extLst>
+  </p:cSld>
+  <p:clrMapOvr>
+    <a:masterClrMapping/>
+  </p:clrMapOvr>
+</p:sld>
+</file>
+
+<file path=ppt/slides/slide11.xml><?xml version="1.0" encoding="utf-8"?>
+<p:sld xmlns:a="http://schemas.openxmlformats.org/drawingml/2006/main" xmlns:r="http://schemas.openxmlformats.org/officeDocument/2006/relationships" xmlns:p="http://schemas.openxmlformats.org/presentationml/2006/main">
+  <p:cSld>
+    <p:spTree>
+      <p:nvGrpSpPr>
+        <p:cNvPr id="1" name=""/>
+        <p:cNvGrpSpPr/>
+        <p:nvPr/>
+      </p:nvGrpSpPr>
+      <p:grpSpPr>
+        <a:xfrm>
+          <a:off x="0" y="0"/>
+          <a:ext cx="0" cy="0"/>
+          <a:chOff x="0" y="0"/>
+          <a:chExt cx="0" cy="0"/>
+        </a:xfrm>
+      </p:grpSpPr>
+      <p:sp>
+        <p:nvSpPr>
+          <p:cNvPr id="2" name="Title 1">
+            <a:extLst>
+              <a:ext uri="{FF2B5EF4-FFF2-40B4-BE49-F238E27FC236}">
+                <a16:creationId xmlns:a16="http://schemas.microsoft.com/office/drawing/2014/main" id="{50A2FAE8-8D4E-AF0D-52D3-23EFB3ECE9EF}"/>
+              </a:ext>
+            </a:extLst>
+          </p:cNvPr>
+          <p:cNvSpPr>
+            <a:spLocks noGrp="1"/>
+          </p:cNvSpPr>
+          <p:nvPr>
+            <p:ph type="title"/>
+          </p:nvPr>
+        </p:nvSpPr>
+        <p:spPr/>
+        <p:txBody>
+          <a:bodyPr/>
+          <a:lstStyle/>
+          <a:p>
+            <a:r>
+              <a:rPr lang="en-GB" dirty="0"/>
+              <a:t>Text Analysis</a:t>
+            </a:r>
+          </a:p>
+        </p:txBody>
+      </p:sp>
+      <p:sp>
+        <p:nvSpPr>
+          <p:cNvPr id="3" name="Content Placeholder 2">
+            <a:extLst>
+              <a:ext uri="{FF2B5EF4-FFF2-40B4-BE49-F238E27FC236}">
+                <a16:creationId xmlns:a16="http://schemas.microsoft.com/office/drawing/2014/main" id="{C5DECBE0-25BE-271C-8B8C-6207F029100C}"/>
+              </a:ext>
+            </a:extLst>
+          </p:cNvPr>
+          <p:cNvSpPr>
+            <a:spLocks noGrp="1"/>
+          </p:cNvSpPr>
+          <p:nvPr>
+            <p:ph idx="1"/>
+          </p:nvPr>
+        </p:nvSpPr>
+        <p:spPr/>
+        <p:txBody>
+          <a:bodyPr/>
+          <a:lstStyle/>
+          <a:p>
+            <a:endParaRPr lang="en-GB"/>
+          </a:p>
+        </p:txBody>
+      </p:sp>
+    </p:spTree>
+    <p:extLst>
+      <p:ext uri="{BB962C8B-B14F-4D97-AF65-F5344CB8AC3E}">
+        <p14:creationId xmlns:p14="http://schemas.microsoft.com/office/powerpoint/2010/main" val="1910927806"/>
+      </p:ext>
+    </p:extLst>
+  </p:cSld>
+  <p:clrMapOvr>
+    <a:masterClrMapping/>
+  </p:clrMapOvr>
+</p:sld>
+</file>
+
+<file path=ppt/slides/slide12.xml><?xml version="1.0" encoding="utf-8"?>
+<p:sld xmlns:a="http://schemas.openxmlformats.org/drawingml/2006/main" xmlns:r="http://schemas.openxmlformats.org/officeDocument/2006/relationships" xmlns:p="http://schemas.openxmlformats.org/presentationml/2006/main">
+  <p:cSld>
+    <p:spTree>
+      <p:nvGrpSpPr>
+        <p:cNvPr id="1" name=""/>
+        <p:cNvGrpSpPr/>
+        <p:nvPr/>
+      </p:nvGrpSpPr>
+      <p:grpSpPr>
+        <a:xfrm>
+          <a:off x="0" y="0"/>
+          <a:ext cx="0" cy="0"/>
+          <a:chOff x="0" y="0"/>
+          <a:chExt cx="0" cy="0"/>
+        </a:xfrm>
+      </p:grpSpPr>
+      <p:sp>
+        <p:nvSpPr>
+          <p:cNvPr id="2" name="Title 1">
+            <a:extLst>
+              <a:ext uri="{FF2B5EF4-FFF2-40B4-BE49-F238E27FC236}">
+                <a16:creationId xmlns:a16="http://schemas.microsoft.com/office/drawing/2014/main" id="{2A59A153-E922-1B54-8C09-224A5783DD0D}"/>
+              </a:ext>
+            </a:extLst>
+          </p:cNvPr>
+          <p:cNvSpPr>
+            <a:spLocks noGrp="1"/>
+          </p:cNvSpPr>
+          <p:nvPr>
+            <p:ph type="title"/>
+          </p:nvPr>
+        </p:nvSpPr>
+        <p:spPr/>
+        <p:txBody>
+          <a:bodyPr/>
+          <a:lstStyle/>
+          <a:p>
+            <a:r>
+              <a:rPr lang="en-GB" dirty="0"/>
+              <a:t>Text </a:t>
+            </a:r>
+            <a:r>
+              <a:rPr lang="en-GB" dirty="0" err="1"/>
+              <a:t>Preprocessing</a:t>
+            </a:r>
+            <a:endParaRPr lang="en-GB" dirty="0"/>
+          </a:p>
+        </p:txBody>
+      </p:sp>
+      <p:sp>
+        <p:nvSpPr>
+          <p:cNvPr id="3" name="Content Placeholder 2">
+            <a:extLst>
+              <a:ext uri="{FF2B5EF4-FFF2-40B4-BE49-F238E27FC236}">
+                <a16:creationId xmlns:a16="http://schemas.microsoft.com/office/drawing/2014/main" id="{DAF040E7-03FB-E3A1-C92F-6A2740EA4B7F}"/>
+              </a:ext>
+            </a:extLst>
+          </p:cNvPr>
+          <p:cNvSpPr>
+            <a:spLocks noGrp="1"/>
+          </p:cNvSpPr>
+          <p:nvPr>
+            <p:ph idx="1"/>
+          </p:nvPr>
+        </p:nvSpPr>
+        <p:spPr/>
+        <p:txBody>
+          <a:bodyPr/>
+          <a:lstStyle/>
+          <a:p>
+            <a:endParaRPr lang="en-GB"/>
+          </a:p>
+        </p:txBody>
+      </p:sp>
+    </p:spTree>
+    <p:extLst>
+      <p:ext uri="{BB962C8B-B14F-4D97-AF65-F5344CB8AC3E}">
+        <p14:creationId xmlns:p14="http://schemas.microsoft.com/office/powerpoint/2010/main" val="1232899613"/>
+      </p:ext>
+    </p:extLst>
+  </p:cSld>
+  <p:clrMapOvr>
+    <a:masterClrMapping/>
+  </p:clrMapOvr>
+</p:sld>
+</file>
+
+<file path=ppt/slides/slide13.xml><?xml version="1.0" encoding="utf-8"?>
+<p:sld xmlns:a="http://schemas.openxmlformats.org/drawingml/2006/main" xmlns:r="http://schemas.openxmlformats.org/officeDocument/2006/relationships" xmlns:p="http://schemas.openxmlformats.org/presentationml/2006/main">
+  <p:cSld>
+    <p:spTree>
+      <p:nvGrpSpPr>
+        <p:cNvPr id="1" name=""/>
+        <p:cNvGrpSpPr/>
+        <p:nvPr/>
+      </p:nvGrpSpPr>
+      <p:grpSpPr>
+        <a:xfrm>
+          <a:off x="0" y="0"/>
+          <a:ext cx="0" cy="0"/>
+          <a:chOff x="0" y="0"/>
+          <a:chExt cx="0" cy="0"/>
+        </a:xfrm>
+      </p:grpSpPr>
+      <p:sp>
+        <p:nvSpPr>
+          <p:cNvPr id="2" name="Title 1">
+            <a:extLst>
+              <a:ext uri="{FF2B5EF4-FFF2-40B4-BE49-F238E27FC236}">
+                <a16:creationId xmlns:a16="http://schemas.microsoft.com/office/drawing/2014/main" id="{27F147C8-960E-8804-1A24-5F887BAFAF5D}"/>
+              </a:ext>
+            </a:extLst>
+          </p:cNvPr>
+          <p:cNvSpPr>
+            <a:spLocks noGrp="1"/>
+          </p:cNvSpPr>
+          <p:nvPr>
+            <p:ph type="title"/>
+          </p:nvPr>
+        </p:nvSpPr>
+        <p:spPr/>
+        <p:txBody>
+          <a:bodyPr/>
+          <a:lstStyle/>
+          <a:p>
+            <a:r>
+              <a:rPr lang="en-GB" dirty="0"/>
+              <a:t>Configurations</a:t>
+            </a:r>
+          </a:p>
+        </p:txBody>
+      </p:sp>
+      <p:sp>
+        <p:nvSpPr>
+          <p:cNvPr id="3" name="Content Placeholder 2">
+            <a:extLst>
+              <a:ext uri="{FF2B5EF4-FFF2-40B4-BE49-F238E27FC236}">
+                <a16:creationId xmlns:a16="http://schemas.microsoft.com/office/drawing/2014/main" id="{25A429D6-1773-847B-924F-6E4C74B8E5A2}"/>
+              </a:ext>
+            </a:extLst>
+          </p:cNvPr>
+          <p:cNvSpPr>
+            <a:spLocks noGrp="1"/>
+          </p:cNvSpPr>
+          <p:nvPr>
+            <p:ph idx="1"/>
+          </p:nvPr>
+        </p:nvSpPr>
+        <p:spPr/>
+        <p:txBody>
+          <a:bodyPr/>
+          <a:lstStyle/>
+          <a:p>
+            <a:endParaRPr lang="en-GB" dirty="0"/>
+          </a:p>
+        </p:txBody>
+      </p:sp>
+    </p:spTree>
+    <p:extLst>
+      <p:ext uri="{BB962C8B-B14F-4D97-AF65-F5344CB8AC3E}">
+        <p14:creationId xmlns:p14="http://schemas.microsoft.com/office/powerpoint/2010/main" val="3585554156"/>
+      </p:ext>
+    </p:extLst>
+  </p:cSld>
+  <p:clrMapOvr>
+    <a:masterClrMapping/>
+  </p:clrMapOvr>
+</p:sld>
+</file>
+
+<file path=ppt/slides/slide14.xml><?xml version="1.0" encoding="utf-8"?>
+<p:sld xmlns:a="http://schemas.openxmlformats.org/drawingml/2006/main" xmlns:r="http://schemas.openxmlformats.org/officeDocument/2006/relationships" xmlns:p="http://schemas.openxmlformats.org/presentationml/2006/main">
+  <p:cSld>
+    <p:spTree>
+      <p:nvGrpSpPr>
+        <p:cNvPr id="1" name=""/>
+        <p:cNvGrpSpPr/>
+        <p:nvPr/>
+      </p:nvGrpSpPr>
+      <p:grpSpPr>
+        <a:xfrm>
+          <a:off x="0" y="0"/>
+          <a:ext cx="0" cy="0"/>
+          <a:chOff x="0" y="0"/>
+          <a:chExt cx="0" cy="0"/>
+        </a:xfrm>
+      </p:grpSpPr>
+      <p:sp>
+        <p:nvSpPr>
+          <p:cNvPr id="2" name="Title 1">
+            <a:extLst>
+              <a:ext uri="{FF2B5EF4-FFF2-40B4-BE49-F238E27FC236}">
+                <a16:creationId xmlns:a16="http://schemas.microsoft.com/office/drawing/2014/main" id="{BBFE182C-5A43-534A-D351-888FC564413A}"/>
+              </a:ext>
+            </a:extLst>
+          </p:cNvPr>
+          <p:cNvSpPr>
+            <a:spLocks noGrp="1"/>
+          </p:cNvSpPr>
+          <p:nvPr>
+            <p:ph type="title"/>
+          </p:nvPr>
+        </p:nvSpPr>
+        <p:spPr/>
+        <p:txBody>
+          <a:bodyPr/>
+          <a:lstStyle/>
+          <a:p>
+            <a:r>
+              <a:rPr lang="en-GB" dirty="0"/>
+              <a:t>Hate Network Algorithm</a:t>
+            </a:r>
+          </a:p>
+        </p:txBody>
+      </p:sp>
+      <p:sp>
+        <p:nvSpPr>
+          <p:cNvPr id="3" name="Content Placeholder 2">
+            <a:extLst>
+              <a:ext uri="{FF2B5EF4-FFF2-40B4-BE49-F238E27FC236}">
+                <a16:creationId xmlns:a16="http://schemas.microsoft.com/office/drawing/2014/main" id="{80076869-AA9A-6B28-EF4D-223ADF0DDFB1}"/>
+              </a:ext>
+            </a:extLst>
+          </p:cNvPr>
+          <p:cNvSpPr>
+            <a:spLocks noGrp="1"/>
+          </p:cNvSpPr>
+          <p:nvPr>
+            <p:ph idx="1"/>
+          </p:nvPr>
+        </p:nvSpPr>
+        <p:spPr/>
+        <p:txBody>
+          <a:bodyPr/>
+          <a:lstStyle/>
+          <a:p>
+            <a:endParaRPr lang="en-GB"/>
+          </a:p>
+        </p:txBody>
+      </p:sp>
+    </p:spTree>
+    <p:extLst>
+      <p:ext uri="{BB962C8B-B14F-4D97-AF65-F5344CB8AC3E}">
+        <p14:creationId xmlns:p14="http://schemas.microsoft.com/office/powerpoint/2010/main" val="2709816030"/>
+      </p:ext>
+    </p:extLst>
+  </p:cSld>
+  <p:clrMapOvr>
+    <a:masterClrMapping/>
+  </p:clrMapOvr>
+</p:sld>
+</file>
+
+<file path=ppt/slides/slide15.xml><?xml version="1.0" encoding="utf-8"?>
+<p:sld xmlns:a="http://schemas.openxmlformats.org/drawingml/2006/main" xmlns:r="http://schemas.openxmlformats.org/officeDocument/2006/relationships" xmlns:p="http://schemas.openxmlformats.org/presentationml/2006/main">
+  <p:cSld>
+    <p:spTree>
+      <p:nvGrpSpPr>
+        <p:cNvPr id="1" name=""/>
+        <p:cNvGrpSpPr/>
+        <p:nvPr/>
+      </p:nvGrpSpPr>
+      <p:grpSpPr>
+        <a:xfrm>
+          <a:off x="0" y="0"/>
+          <a:ext cx="0" cy="0"/>
+          <a:chOff x="0" y="0"/>
+          <a:chExt cx="0" cy="0"/>
+        </a:xfrm>
+      </p:grpSpPr>
+      <p:sp>
+        <p:nvSpPr>
+          <p:cNvPr id="2" name="Title 1">
+            <a:extLst>
+              <a:ext uri="{FF2B5EF4-FFF2-40B4-BE49-F238E27FC236}">
+                <a16:creationId xmlns:a16="http://schemas.microsoft.com/office/drawing/2014/main" id="{6BBF8C34-C7AD-57C5-19FF-10BC79920466}"/>
+              </a:ext>
+            </a:extLst>
+          </p:cNvPr>
+          <p:cNvSpPr>
+            <a:spLocks noGrp="1"/>
+          </p:cNvSpPr>
+          <p:nvPr>
+            <p:ph type="title"/>
+          </p:nvPr>
+        </p:nvSpPr>
+        <p:spPr/>
+        <p:txBody>
+          <a:bodyPr/>
+          <a:lstStyle/>
+          <a:p>
+            <a:r>
+              <a:rPr lang="en-GB" dirty="0"/>
+              <a:t>Threshold Determination</a:t>
+            </a:r>
+          </a:p>
+        </p:txBody>
+      </p:sp>
+      <p:sp>
+        <p:nvSpPr>
+          <p:cNvPr id="3" name="Content Placeholder 2">
+            <a:extLst>
+              <a:ext uri="{FF2B5EF4-FFF2-40B4-BE49-F238E27FC236}">
+                <a16:creationId xmlns:a16="http://schemas.microsoft.com/office/drawing/2014/main" id="{797D2CA5-2FA0-4AA1-0AAD-40F1B262FF1D}"/>
+              </a:ext>
+            </a:extLst>
+          </p:cNvPr>
+          <p:cNvSpPr>
+            <a:spLocks noGrp="1"/>
+          </p:cNvSpPr>
+          <p:nvPr>
+            <p:ph idx="1"/>
+          </p:nvPr>
+        </p:nvSpPr>
+        <p:spPr/>
+        <p:txBody>
+          <a:bodyPr/>
+          <a:lstStyle/>
+          <a:p>
+            <a:endParaRPr lang="en-GB"/>
+          </a:p>
+        </p:txBody>
+      </p:sp>
+    </p:spTree>
+    <p:extLst>
+      <p:ext uri="{BB962C8B-B14F-4D97-AF65-F5344CB8AC3E}">
+        <p14:creationId xmlns:p14="http://schemas.microsoft.com/office/powerpoint/2010/main" val="4129018246"/>
+      </p:ext>
+    </p:extLst>
+  </p:cSld>
+  <p:clrMapOvr>
+    <a:masterClrMapping/>
+  </p:clrMapOvr>
+</p:sld>
+</file>
+
+<file path=ppt/slides/slide16.xml><?xml version="1.0" encoding="utf-8"?>
+<p:sld xmlns:a="http://schemas.openxmlformats.org/drawingml/2006/main" xmlns:r="http://schemas.openxmlformats.org/officeDocument/2006/relationships" xmlns:p="http://schemas.openxmlformats.org/presentationml/2006/main">
+  <p:cSld>
+    <p:spTree>
+      <p:nvGrpSpPr>
+        <p:cNvPr id="1" name=""/>
+        <p:cNvGrpSpPr/>
+        <p:nvPr/>
+      </p:nvGrpSpPr>
+      <p:grpSpPr>
+        <a:xfrm>
+          <a:off x="0" y="0"/>
+          <a:ext cx="0" cy="0"/>
+          <a:chOff x="0" y="0"/>
+          <a:chExt cx="0" cy="0"/>
+        </a:xfrm>
+      </p:grpSpPr>
+      <p:sp>
+        <p:nvSpPr>
+          <p:cNvPr id="2" name="Title 1">
+            <a:extLst>
+              <a:ext uri="{FF2B5EF4-FFF2-40B4-BE49-F238E27FC236}">
+                <a16:creationId xmlns:a16="http://schemas.microsoft.com/office/drawing/2014/main" id="{0F1CAE51-91BD-A3C1-4F41-B402B1CEFDE6}"/>
+              </a:ext>
+            </a:extLst>
+          </p:cNvPr>
+          <p:cNvSpPr>
+            <a:spLocks noGrp="1"/>
+          </p:cNvSpPr>
+          <p:nvPr>
+            <p:ph type="title"/>
+          </p:nvPr>
+        </p:nvSpPr>
+        <p:spPr/>
+        <p:txBody>
+          <a:bodyPr/>
+          <a:lstStyle/>
+          <a:p>
+            <a:r>
+              <a:rPr lang="en-GB" dirty="0"/>
+              <a:t>Testing</a:t>
+            </a:r>
+          </a:p>
+        </p:txBody>
+      </p:sp>
+      <p:sp>
+        <p:nvSpPr>
+          <p:cNvPr id="3" name="Content Placeholder 2">
+            <a:extLst>
+              <a:ext uri="{FF2B5EF4-FFF2-40B4-BE49-F238E27FC236}">
+                <a16:creationId xmlns:a16="http://schemas.microsoft.com/office/drawing/2014/main" id="{54DA8F62-A271-BD95-FB02-BD9D23E95E48}"/>
+              </a:ext>
+            </a:extLst>
+          </p:cNvPr>
+          <p:cNvSpPr>
+            <a:spLocks noGrp="1"/>
+          </p:cNvSpPr>
+          <p:nvPr>
+            <p:ph idx="1"/>
+          </p:nvPr>
+        </p:nvSpPr>
+        <p:spPr/>
+        <p:txBody>
+          <a:bodyPr/>
+          <a:lstStyle/>
+          <a:p>
+            <a:endParaRPr lang="en-GB" dirty="0"/>
+          </a:p>
+        </p:txBody>
+      </p:sp>
+    </p:spTree>
+    <p:extLst>
+      <p:ext uri="{BB962C8B-B14F-4D97-AF65-F5344CB8AC3E}">
+        <p14:creationId xmlns:p14="http://schemas.microsoft.com/office/powerpoint/2010/main" val="2429197893"/>
+      </p:ext>
+    </p:extLst>
+  </p:cSld>
+  <p:clrMapOvr>
+    <a:masterClrMapping/>
+  </p:clrMapOvr>
+</p:sld>
+</file>
+
+<file path=ppt/slides/slide17.xml><?xml version="1.0" encoding="utf-8"?>
+<p:sld xmlns:a="http://schemas.openxmlformats.org/drawingml/2006/main" xmlns:r="http://schemas.openxmlformats.org/officeDocument/2006/relationships" xmlns:p="http://schemas.openxmlformats.org/presentationml/2006/main">
+  <p:cSld>
+    <p:spTree>
+      <p:nvGrpSpPr>
+        <p:cNvPr id="1" name=""/>
+        <p:cNvGrpSpPr/>
+        <p:nvPr/>
+      </p:nvGrpSpPr>
+      <p:grpSpPr>
+        <a:xfrm>
+          <a:off x="0" y="0"/>
+          <a:ext cx="0" cy="0"/>
+          <a:chOff x="0" y="0"/>
+          <a:chExt cx="0" cy="0"/>
+        </a:xfrm>
+      </p:grpSpPr>
+      <p:sp>
+        <p:nvSpPr>
+          <p:cNvPr id="2" name="Title 1">
+            <a:extLst>
+              <a:ext uri="{FF2B5EF4-FFF2-40B4-BE49-F238E27FC236}">
+                <a16:creationId xmlns:a16="http://schemas.microsoft.com/office/drawing/2014/main" id="{DD2A4DF7-D254-ECEB-52C9-F7CDB6A0D037}"/>
+              </a:ext>
+            </a:extLst>
+          </p:cNvPr>
+          <p:cNvSpPr>
+            <a:spLocks noGrp="1"/>
+          </p:cNvSpPr>
+          <p:nvPr>
+            <p:ph type="title"/>
+          </p:nvPr>
+        </p:nvSpPr>
+        <p:spPr/>
+        <p:txBody>
+          <a:bodyPr/>
+          <a:lstStyle/>
+          <a:p>
+            <a:r>
+              <a:rPr lang="en-GB" dirty="0"/>
+              <a:t>Failed Attempts</a:t>
+            </a:r>
+          </a:p>
+        </p:txBody>
+      </p:sp>
+      <p:sp>
+        <p:nvSpPr>
+          <p:cNvPr id="3" name="Content Placeholder 2">
+            <a:extLst>
+              <a:ext uri="{FF2B5EF4-FFF2-40B4-BE49-F238E27FC236}">
+                <a16:creationId xmlns:a16="http://schemas.microsoft.com/office/drawing/2014/main" id="{B20BC383-DD2A-5527-CA62-E5F8BD822D68}"/>
+              </a:ext>
+            </a:extLst>
+          </p:cNvPr>
+          <p:cNvSpPr>
+            <a:spLocks noGrp="1"/>
+          </p:cNvSpPr>
+          <p:nvPr>
+            <p:ph idx="1"/>
+          </p:nvPr>
+        </p:nvSpPr>
+        <p:spPr/>
+        <p:txBody>
+          <a:bodyPr/>
+          <a:lstStyle/>
+          <a:p>
+            <a:endParaRPr lang="en-GB"/>
+          </a:p>
+        </p:txBody>
+      </p:sp>
+    </p:spTree>
+    <p:extLst>
+      <p:ext uri="{BB962C8B-B14F-4D97-AF65-F5344CB8AC3E}">
+        <p14:creationId xmlns:p14="http://schemas.microsoft.com/office/powerpoint/2010/main" val="4082636849"/>
+      </p:ext>
+    </p:extLst>
+  </p:cSld>
+  <p:clrMapOvr>
+    <a:masterClrMapping/>
+  </p:clrMapOvr>
+</p:sld>
+</file>
+
+<file path=ppt/slides/slide18.xml><?xml version="1.0" encoding="utf-8"?>
+<p:sld xmlns:a="http://schemas.openxmlformats.org/drawingml/2006/main" xmlns:r="http://schemas.openxmlformats.org/officeDocument/2006/relationships" xmlns:p="http://schemas.openxmlformats.org/presentationml/2006/main">
+  <p:cSld>
+    <p:spTree>
+      <p:nvGrpSpPr>
+        <p:cNvPr id="1" name=""/>
+        <p:cNvGrpSpPr/>
+        <p:nvPr/>
+      </p:nvGrpSpPr>
+      <p:grpSpPr>
+        <a:xfrm>
+          <a:off x="0" y="0"/>
+          <a:ext cx="0" cy="0"/>
+          <a:chOff x="0" y="0"/>
+          <a:chExt cx="0" cy="0"/>
+        </a:xfrm>
+      </p:grpSpPr>
+      <p:sp>
+        <p:nvSpPr>
+          <p:cNvPr id="2" name="Title 1">
+            <a:extLst>
+              <a:ext uri="{FF2B5EF4-FFF2-40B4-BE49-F238E27FC236}">
+                <a16:creationId xmlns:a16="http://schemas.microsoft.com/office/drawing/2014/main" id="{E6433C2C-41C4-3AE0-B5D1-26329C79A860}"/>
+              </a:ext>
+            </a:extLst>
+          </p:cNvPr>
+          <p:cNvSpPr>
+            <a:spLocks noGrp="1"/>
+          </p:cNvSpPr>
+          <p:nvPr>
+            <p:ph type="title"/>
+          </p:nvPr>
+        </p:nvSpPr>
+        <p:spPr/>
+        <p:txBody>
+          <a:bodyPr/>
+          <a:lstStyle/>
+          <a:p>
+            <a:r>
+              <a:rPr lang="en-GB" dirty="0"/>
+              <a:t>Conclusion and Future Works</a:t>
+            </a:r>
+          </a:p>
+        </p:txBody>
+      </p:sp>
+      <p:sp>
+        <p:nvSpPr>
+          <p:cNvPr id="3" name="Content Placeholder 2">
+            <a:extLst>
+              <a:ext uri="{FF2B5EF4-FFF2-40B4-BE49-F238E27FC236}">
+                <a16:creationId xmlns:a16="http://schemas.microsoft.com/office/drawing/2014/main" id="{78316FD2-39DD-987E-4AB6-D52A700185E3}"/>
+              </a:ext>
+            </a:extLst>
+          </p:cNvPr>
+          <p:cNvSpPr>
+            <a:spLocks noGrp="1"/>
+          </p:cNvSpPr>
+          <p:nvPr>
+            <p:ph idx="1"/>
+          </p:nvPr>
+        </p:nvSpPr>
+        <p:spPr/>
+        <p:txBody>
+          <a:bodyPr/>
+          <a:lstStyle/>
+          <a:p>
+            <a:endParaRPr lang="en-GB"/>
+          </a:p>
+        </p:txBody>
+      </p:sp>
+    </p:spTree>
+    <p:extLst>
+      <p:ext uri="{BB962C8B-B14F-4D97-AF65-F5344CB8AC3E}">
+        <p14:creationId xmlns:p14="http://schemas.microsoft.com/office/powerpoint/2010/main" val="3983017103"/>
+      </p:ext>
+    </p:extLst>
+  </p:cSld>
+  <p:clrMapOvr>
+    <a:masterClrMapping/>
+  </p:clrMapOvr>
+</p:sld>
+</file>
+
+<file path=ppt/slides/slide19.xml><?xml version="1.0" encoding="utf-8"?>
+<p:sld xmlns:a="http://schemas.openxmlformats.org/drawingml/2006/main" xmlns:r="http://schemas.openxmlformats.org/officeDocument/2006/relationships" xmlns:p="http://schemas.openxmlformats.org/presentationml/2006/main">
+  <p:cSld>
+    <p:spTree>
+      <p:nvGrpSpPr>
+        <p:cNvPr id="1" name=""/>
+        <p:cNvGrpSpPr/>
+        <p:nvPr/>
+      </p:nvGrpSpPr>
+      <p:grpSpPr>
+        <a:xfrm>
+          <a:off x="0" y="0"/>
+          <a:ext cx="0" cy="0"/>
+          <a:chOff x="0" y="0"/>
+          <a:chExt cx="0" cy="0"/>
+        </a:xfrm>
+      </p:grpSpPr>
+      <p:sp>
+        <p:nvSpPr>
+          <p:cNvPr id="2" name="Title 1">
+            <a:extLst>
+              <a:ext uri="{FF2B5EF4-FFF2-40B4-BE49-F238E27FC236}">
+                <a16:creationId xmlns:a16="http://schemas.microsoft.com/office/drawing/2014/main" id="{BAE03B4A-A1EC-1A79-F407-D14DA261B93E}"/>
+              </a:ext>
+            </a:extLst>
+          </p:cNvPr>
+          <p:cNvSpPr>
+            <a:spLocks noGrp="1"/>
+          </p:cNvSpPr>
+          <p:nvPr>
+            <p:ph type="title"/>
+          </p:nvPr>
+        </p:nvSpPr>
+        <p:spPr/>
+        <p:txBody>
+          <a:bodyPr/>
+          <a:lstStyle/>
+          <a:p>
+            <a:r>
+              <a:rPr lang="en-GB" dirty="0"/>
+              <a:t>Hate Network Detection</a:t>
+            </a:r>
+          </a:p>
+        </p:txBody>
+      </p:sp>
+      <p:sp>
+        <p:nvSpPr>
+          <p:cNvPr id="3" name="Content Placeholder 2">
+            <a:extLst>
+              <a:ext uri="{FF2B5EF4-FFF2-40B4-BE49-F238E27FC236}">
+                <a16:creationId xmlns:a16="http://schemas.microsoft.com/office/drawing/2014/main" id="{C7E23685-11C1-0899-F2D6-F7B3864E918E}"/>
+              </a:ext>
+            </a:extLst>
+          </p:cNvPr>
+          <p:cNvSpPr>
+            <a:spLocks noGrp="1"/>
+          </p:cNvSpPr>
+          <p:nvPr>
+            <p:ph idx="1"/>
+          </p:nvPr>
+        </p:nvSpPr>
+        <p:spPr/>
+        <p:txBody>
+          <a:bodyPr/>
+          <a:lstStyle/>
+          <a:p>
+            <a:endParaRPr lang="en-GB" dirty="0"/>
+          </a:p>
+        </p:txBody>
+      </p:sp>
+    </p:spTree>
+    <p:extLst>
+      <p:ext uri="{BB962C8B-B14F-4D97-AF65-F5344CB8AC3E}">
+        <p14:creationId xmlns:p14="http://schemas.microsoft.com/office/powerpoint/2010/main" val="3454766599"/>
       </p:ext>
     </p:extLst>
   </p:cSld>
@@ -5705,6 +6470,89 @@
     <p:extLst>
       <p:ext uri="{BB962C8B-B14F-4D97-AF65-F5344CB8AC3E}">
         <p14:creationId xmlns:p14="http://schemas.microsoft.com/office/powerpoint/2010/main" val="1234070076"/>
+      </p:ext>
+    </p:extLst>
+  </p:cSld>
+  <p:clrMapOvr>
+    <a:masterClrMapping/>
+  </p:clrMapOvr>
+</p:sld>
+</file>
+
+<file path=ppt/slides/slide20.xml><?xml version="1.0" encoding="utf-8"?>
+<p:sld xmlns:a="http://schemas.openxmlformats.org/drawingml/2006/main" xmlns:r="http://schemas.openxmlformats.org/officeDocument/2006/relationships" xmlns:p="http://schemas.openxmlformats.org/presentationml/2006/main">
+  <p:cSld>
+    <p:spTree>
+      <p:nvGrpSpPr>
+        <p:cNvPr id="1" name=""/>
+        <p:cNvGrpSpPr/>
+        <p:nvPr/>
+      </p:nvGrpSpPr>
+      <p:grpSpPr>
+        <a:xfrm>
+          <a:off x="0" y="0"/>
+          <a:ext cx="0" cy="0"/>
+          <a:chOff x="0" y="0"/>
+          <a:chExt cx="0" cy="0"/>
+        </a:xfrm>
+      </p:grpSpPr>
+      <p:sp>
+        <p:nvSpPr>
+          <p:cNvPr id="2" name="Title 1">
+            <a:extLst>
+              <a:ext uri="{FF2B5EF4-FFF2-40B4-BE49-F238E27FC236}">
+                <a16:creationId xmlns:a16="http://schemas.microsoft.com/office/drawing/2014/main" id="{B59DF5AC-A914-9BC6-B2DB-E233A0863519}"/>
+              </a:ext>
+            </a:extLst>
+          </p:cNvPr>
+          <p:cNvSpPr>
+            <a:spLocks noGrp="1"/>
+          </p:cNvSpPr>
+          <p:nvPr>
+            <p:ph type="title"/>
+          </p:nvPr>
+        </p:nvSpPr>
+        <p:spPr/>
+        <p:txBody>
+          <a:bodyPr/>
+          <a:lstStyle/>
+          <a:p>
+            <a:r>
+              <a:rPr lang="en-GB" dirty="0"/>
+              <a:t>Questions?</a:t>
+            </a:r>
+          </a:p>
+        </p:txBody>
+      </p:sp>
+      <p:sp>
+        <p:nvSpPr>
+          <p:cNvPr id="3" name="Content Placeholder 2">
+            <a:extLst>
+              <a:ext uri="{FF2B5EF4-FFF2-40B4-BE49-F238E27FC236}">
+                <a16:creationId xmlns:a16="http://schemas.microsoft.com/office/drawing/2014/main" id="{75D5C71D-ACE2-EB47-7F61-D3A227178340}"/>
+              </a:ext>
+            </a:extLst>
+          </p:cNvPr>
+          <p:cNvSpPr>
+            <a:spLocks noGrp="1"/>
+          </p:cNvSpPr>
+          <p:nvPr>
+            <p:ph idx="1"/>
+          </p:nvPr>
+        </p:nvSpPr>
+        <p:spPr/>
+        <p:txBody>
+          <a:bodyPr/>
+          <a:lstStyle/>
+          <a:p>
+            <a:endParaRPr lang="en-GB"/>
+          </a:p>
+        </p:txBody>
+      </p:sp>
+    </p:spTree>
+    <p:extLst>
+      <p:ext uri="{BB962C8B-B14F-4D97-AF65-F5344CB8AC3E}">
+        <p14:creationId xmlns:p14="http://schemas.microsoft.com/office/powerpoint/2010/main" val="534439601"/>
       </p:ext>
     </p:extLst>
   </p:cSld>
@@ -5956,6 +6804,27 @@
           <a:bodyPr/>
           <a:lstStyle/>
           <a:p>
+            <a:r>
+              <a:rPr lang="en-GB" dirty="0"/>
+              <a:t>Hate Speech is large and varied</a:t>
+            </a:r>
+          </a:p>
+          <a:p>
+            <a:r>
+              <a:rPr lang="en-GB" dirty="0"/>
+              <a:t>Cannot be done manually – We cannot monitor every social media post + we as humans have bias</a:t>
+            </a:r>
+          </a:p>
+          <a:p>
+            <a:r>
+              <a:rPr lang="en-GB" dirty="0"/>
+              <a:t>Only detects one person at a time</a:t>
+            </a:r>
+          </a:p>
+          <a:p>
+            <a:pPr marL="0" indent="0">
+              <a:buNone/>
+            </a:pPr>
             <a:endParaRPr lang="en-GB" dirty="0"/>
           </a:p>
         </p:txBody>
@@ -6047,13 +6916,13 @@
           <a:p>
             <a:r>
               <a:rPr lang="en-GB" dirty="0"/>
+              <a:t>NBSVMs</a:t>
+            </a:r>
+          </a:p>
+          <a:p>
+            <a:r>
+              <a:rPr lang="en-GB" dirty="0"/>
               <a:t>GRUs</a:t>
-            </a:r>
-          </a:p>
-          <a:p>
-            <a:r>
-              <a:rPr lang="en-GB" dirty="0"/>
-              <a:t>NBSVMs</a:t>
             </a:r>
           </a:p>
           <a:p>
@@ -6099,7 +6968,7 @@
           <p:cNvPr id="2" name="Title 1">
             <a:extLst>
               <a:ext uri="{FF2B5EF4-FFF2-40B4-BE49-F238E27FC236}">
-                <a16:creationId xmlns:a16="http://schemas.microsoft.com/office/drawing/2014/main" id="{BAE03B4A-A1EC-1A79-F407-D14DA261B93E}"/>
+                <a16:creationId xmlns:a16="http://schemas.microsoft.com/office/drawing/2014/main" id="{EDE24B59-46B9-ACEA-0EAF-594B201733DC}"/>
               </a:ext>
             </a:extLst>
           </p:cNvPr>
@@ -6117,7 +6986,7 @@
           <a:p>
             <a:r>
               <a:rPr lang="en-GB" dirty="0"/>
-              <a:t>Hate Network Detection</a:t>
+              <a:t>K-NNs</a:t>
             </a:r>
           </a:p>
         </p:txBody>
@@ -6127,7 +6996,7 @@
           <p:cNvPr id="3" name="Content Placeholder 2">
             <a:extLst>
               <a:ext uri="{FF2B5EF4-FFF2-40B4-BE49-F238E27FC236}">
-                <a16:creationId xmlns:a16="http://schemas.microsoft.com/office/drawing/2014/main" id="{C7E23685-11C1-0899-F2D6-F7B3864E918E}"/>
+                <a16:creationId xmlns:a16="http://schemas.microsoft.com/office/drawing/2014/main" id="{00E59BB4-7B29-4EDB-2651-61A03D22A685}"/>
               </a:ext>
             </a:extLst>
           </p:cNvPr>
@@ -6143,14 +7012,14 @@
           <a:bodyPr/>
           <a:lstStyle/>
           <a:p>
-            <a:endParaRPr lang="en-GB"/>
+            <a:endParaRPr lang="en-GB" dirty="0"/>
           </a:p>
         </p:txBody>
       </p:sp>
     </p:spTree>
     <p:extLst>
       <p:ext uri="{BB962C8B-B14F-4D97-AF65-F5344CB8AC3E}">
-        <p14:creationId xmlns:p14="http://schemas.microsoft.com/office/powerpoint/2010/main" val="3454766599"/>
+        <p14:creationId xmlns:p14="http://schemas.microsoft.com/office/powerpoint/2010/main" val="1770287150"/>
       </p:ext>
     </p:extLst>
   </p:cSld>
@@ -6182,7 +7051,7 @@
           <p:cNvPr id="2" name="Title 1">
             <a:extLst>
               <a:ext uri="{FF2B5EF4-FFF2-40B4-BE49-F238E27FC236}">
-                <a16:creationId xmlns:a16="http://schemas.microsoft.com/office/drawing/2014/main" id="{B59DF5AC-A914-9BC6-B2DB-E233A0863519}"/>
+                <a16:creationId xmlns:a16="http://schemas.microsoft.com/office/drawing/2014/main" id="{9175B518-FAE9-0A40-A91A-3E5BFF0FA8F9}"/>
               </a:ext>
             </a:extLst>
           </p:cNvPr>
@@ -6200,7 +7069,7 @@
           <a:p>
             <a:r>
               <a:rPr lang="en-GB" dirty="0"/>
-              <a:t>Questions?</a:t>
+              <a:t>NBSVMs</a:t>
             </a:r>
           </a:p>
         </p:txBody>
@@ -6210,7 +7079,7 @@
           <p:cNvPr id="3" name="Content Placeholder 2">
             <a:extLst>
               <a:ext uri="{FF2B5EF4-FFF2-40B4-BE49-F238E27FC236}">
-                <a16:creationId xmlns:a16="http://schemas.microsoft.com/office/drawing/2014/main" id="{75D5C71D-ACE2-EB47-7F61-D3A227178340}"/>
+                <a16:creationId xmlns:a16="http://schemas.microsoft.com/office/drawing/2014/main" id="{CB68A4B8-4509-586C-2903-5AFC39567B9C}"/>
               </a:ext>
             </a:extLst>
           </p:cNvPr>
@@ -6233,7 +7102,7 @@
     </p:spTree>
     <p:extLst>
       <p:ext uri="{BB962C8B-B14F-4D97-AF65-F5344CB8AC3E}">
-        <p14:creationId xmlns:p14="http://schemas.microsoft.com/office/powerpoint/2010/main" val="534439601"/>
+        <p14:creationId xmlns:p14="http://schemas.microsoft.com/office/powerpoint/2010/main" val="3404685674"/>
       </p:ext>
     </p:extLst>
   </p:cSld>
@@ -6265,7 +7134,7 @@
           <p:cNvPr id="2" name="Title 1">
             <a:extLst>
               <a:ext uri="{FF2B5EF4-FFF2-40B4-BE49-F238E27FC236}">
-                <a16:creationId xmlns:a16="http://schemas.microsoft.com/office/drawing/2014/main" id="{8E3AFA9C-069F-28EF-AD4D-91F347FF33BF}"/>
+                <a16:creationId xmlns:a16="http://schemas.microsoft.com/office/drawing/2014/main" id="{EC24548F-1329-8849-338A-74AF83668B30}"/>
               </a:ext>
             </a:extLst>
           </p:cNvPr>
@@ -6281,7 +7150,10 @@
           <a:bodyPr/>
           <a:lstStyle/>
           <a:p>
-            <a:endParaRPr lang="en-GB"/>
+            <a:r>
+              <a:rPr lang="en-GB" dirty="0"/>
+              <a:t>GRUs</a:t>
+            </a:r>
           </a:p>
         </p:txBody>
       </p:sp>
@@ -6290,7 +7162,7 @@
           <p:cNvPr id="3" name="Content Placeholder 2">
             <a:extLst>
               <a:ext uri="{FF2B5EF4-FFF2-40B4-BE49-F238E27FC236}">
-                <a16:creationId xmlns:a16="http://schemas.microsoft.com/office/drawing/2014/main" id="{FE447CA2-A726-9377-AF4B-BB8D8CB87505}"/>
+                <a16:creationId xmlns:a16="http://schemas.microsoft.com/office/drawing/2014/main" id="{C6B676E7-0FB0-7088-CEA7-08DD7CDB9179}"/>
               </a:ext>
             </a:extLst>
           </p:cNvPr>
@@ -6313,7 +7185,7 @@
     </p:spTree>
     <p:extLst>
       <p:ext uri="{BB962C8B-B14F-4D97-AF65-F5344CB8AC3E}">
-        <p14:creationId xmlns:p14="http://schemas.microsoft.com/office/powerpoint/2010/main" val="1342558219"/>
+        <p14:creationId xmlns:p14="http://schemas.microsoft.com/office/powerpoint/2010/main" val="3471316294"/>
       </p:ext>
     </p:extLst>
   </p:cSld>
@@ -6345,7 +7217,7 @@
           <p:cNvPr id="2" name="Title 1">
             <a:extLst>
               <a:ext uri="{FF2B5EF4-FFF2-40B4-BE49-F238E27FC236}">
-                <a16:creationId xmlns:a16="http://schemas.microsoft.com/office/drawing/2014/main" id="{2C48047D-A525-9A2F-F642-161280D2620E}"/>
+                <a16:creationId xmlns:a16="http://schemas.microsoft.com/office/drawing/2014/main" id="{55808FFF-8FAF-4E95-5897-43AD9BC82CC6}"/>
               </a:ext>
             </a:extLst>
           </p:cNvPr>
@@ -6361,7 +7233,10 @@
           <a:bodyPr/>
           <a:lstStyle/>
           <a:p>
-            <a:endParaRPr lang="en-GB"/>
+            <a:r>
+              <a:rPr lang="en-GB" dirty="0"/>
+              <a:t>Transformers</a:t>
+            </a:r>
           </a:p>
         </p:txBody>
       </p:sp>
@@ -6370,7 +7245,7 @@
           <p:cNvPr id="3" name="Content Placeholder 2">
             <a:extLst>
               <a:ext uri="{FF2B5EF4-FFF2-40B4-BE49-F238E27FC236}">
-                <a16:creationId xmlns:a16="http://schemas.microsoft.com/office/drawing/2014/main" id="{7CEFCEEF-97C6-134B-724D-1CFFB8038532}"/>
+                <a16:creationId xmlns:a16="http://schemas.microsoft.com/office/drawing/2014/main" id="{B31D80C5-BD68-D0F7-4653-FA42FB31E914}"/>
               </a:ext>
             </a:extLst>
           </p:cNvPr>
@@ -6393,7 +7268,7 @@
     </p:spTree>
     <p:extLst>
       <p:ext uri="{BB962C8B-B14F-4D97-AF65-F5344CB8AC3E}">
-        <p14:creationId xmlns:p14="http://schemas.microsoft.com/office/powerpoint/2010/main" val="3883635782"/>
+        <p14:creationId xmlns:p14="http://schemas.microsoft.com/office/powerpoint/2010/main" val="2389514541"/>
       </p:ext>
     </p:extLst>
   </p:cSld>

--- a/FYP Presentation.pptx
+++ b/FYP Presentation.pptx
@@ -216,7 +216,7 @@
           <a:p>
             <a:fld id="{3E8EE9C8-0F55-4C1F-A577-BB7912626A21}" type="datetimeFigureOut">
               <a:rPr lang="en-GB" smtClean="0"/>
-              <a:t>21/06/2022</a:t>
+              <a:t>22/06/2022</a:t>
             </a:fld>
             <a:endParaRPr lang="en-GB"/>
           </a:p>
@@ -740,7 +740,7 @@
           <a:p>
             <a:fld id="{A7E93B79-5F87-463F-BE54-B700F7D9A626}" type="datetimeFigureOut">
               <a:rPr lang="en-GB" smtClean="0"/>
-              <a:t>21/06/2022</a:t>
+              <a:t>22/06/2022</a:t>
             </a:fld>
             <a:endParaRPr lang="en-GB"/>
           </a:p>
@@ -940,7 +940,7 @@
           <a:p>
             <a:fld id="{A7E93B79-5F87-463F-BE54-B700F7D9A626}" type="datetimeFigureOut">
               <a:rPr lang="en-GB" smtClean="0"/>
-              <a:t>21/06/2022</a:t>
+              <a:t>22/06/2022</a:t>
             </a:fld>
             <a:endParaRPr lang="en-GB"/>
           </a:p>
@@ -1150,7 +1150,7 @@
           <a:p>
             <a:fld id="{A7E93B79-5F87-463F-BE54-B700F7D9A626}" type="datetimeFigureOut">
               <a:rPr lang="en-GB" smtClean="0"/>
-              <a:t>21/06/2022</a:t>
+              <a:t>22/06/2022</a:t>
             </a:fld>
             <a:endParaRPr lang="en-GB"/>
           </a:p>
@@ -1350,7 +1350,7 @@
           <a:p>
             <a:fld id="{A7E93B79-5F87-463F-BE54-B700F7D9A626}" type="datetimeFigureOut">
               <a:rPr lang="en-GB" smtClean="0"/>
-              <a:t>21/06/2022</a:t>
+              <a:t>22/06/2022</a:t>
             </a:fld>
             <a:endParaRPr lang="en-GB"/>
           </a:p>
@@ -1626,7 +1626,7 @@
           <a:p>
             <a:fld id="{A7E93B79-5F87-463F-BE54-B700F7D9A626}" type="datetimeFigureOut">
               <a:rPr lang="en-GB" smtClean="0"/>
-              <a:t>21/06/2022</a:t>
+              <a:t>22/06/2022</a:t>
             </a:fld>
             <a:endParaRPr lang="en-GB"/>
           </a:p>
@@ -1894,7 +1894,7 @@
           <a:p>
             <a:fld id="{A7E93B79-5F87-463F-BE54-B700F7D9A626}" type="datetimeFigureOut">
               <a:rPr lang="en-GB" smtClean="0"/>
-              <a:t>21/06/2022</a:t>
+              <a:t>22/06/2022</a:t>
             </a:fld>
             <a:endParaRPr lang="en-GB"/>
           </a:p>
@@ -2309,7 +2309,7 @@
           <a:p>
             <a:fld id="{A7E93B79-5F87-463F-BE54-B700F7D9A626}" type="datetimeFigureOut">
               <a:rPr lang="en-GB" smtClean="0"/>
-              <a:t>21/06/2022</a:t>
+              <a:t>22/06/2022</a:t>
             </a:fld>
             <a:endParaRPr lang="en-GB"/>
           </a:p>
@@ -2451,7 +2451,7 @@
           <a:p>
             <a:fld id="{A7E93B79-5F87-463F-BE54-B700F7D9A626}" type="datetimeFigureOut">
               <a:rPr lang="en-GB" smtClean="0"/>
-              <a:t>21/06/2022</a:t>
+              <a:t>22/06/2022</a:t>
             </a:fld>
             <a:endParaRPr lang="en-GB"/>
           </a:p>
@@ -2564,7 +2564,7 @@
           <a:p>
             <a:fld id="{A7E93B79-5F87-463F-BE54-B700F7D9A626}" type="datetimeFigureOut">
               <a:rPr lang="en-GB" smtClean="0"/>
-              <a:t>21/06/2022</a:t>
+              <a:t>22/06/2022</a:t>
             </a:fld>
             <a:endParaRPr lang="en-GB"/>
           </a:p>
@@ -2877,7 +2877,7 @@
           <a:p>
             <a:fld id="{A7E93B79-5F87-463F-BE54-B700F7D9A626}" type="datetimeFigureOut">
               <a:rPr lang="en-GB" smtClean="0"/>
-              <a:t>21/06/2022</a:t>
+              <a:t>22/06/2022</a:t>
             </a:fld>
             <a:endParaRPr lang="en-GB"/>
           </a:p>
@@ -3166,7 +3166,7 @@
           <a:p>
             <a:fld id="{A7E93B79-5F87-463F-BE54-B700F7D9A626}" type="datetimeFigureOut">
               <a:rPr lang="en-GB" smtClean="0"/>
-              <a:t>21/06/2022</a:t>
+              <a:t>22/06/2022</a:t>
             </a:fld>
             <a:endParaRPr lang="en-GB"/>
           </a:p>
@@ -3409,7 +3409,7 @@
           <a:p>
             <a:fld id="{A7E93B79-5F87-463F-BE54-B700F7D9A626}" type="datetimeFigureOut">
               <a:rPr lang="en-GB" smtClean="0"/>
-              <a:t>21/06/2022</a:t>
+              <a:t>22/06/2022</a:t>
             </a:fld>
             <a:endParaRPr lang="en-GB"/>
           </a:p>
@@ -5619,15 +5619,68 @@
             <p:ph idx="1"/>
           </p:nvPr>
         </p:nvSpPr>
-        <p:spPr/>
-        <p:txBody>
-          <a:bodyPr/>
-          <a:lstStyle/>
-          <a:p>
-            <a:endParaRPr lang="en-GB"/>
-          </a:p>
-        </p:txBody>
-      </p:sp>
+        <p:spPr>
+          <a:xfrm>
+            <a:off x="838200" y="1825625"/>
+            <a:ext cx="5257800" cy="4351338"/>
+          </a:xfrm>
+        </p:spPr>
+        <p:txBody>
+          <a:bodyPr/>
+          <a:lstStyle/>
+          <a:p>
+            <a:r>
+              <a:rPr lang="en-GB" dirty="0"/>
+              <a:t>Looked at various publicly available datasets, mainly reading various papers and looking at sites such as hatespeechdata.com</a:t>
+            </a:r>
+          </a:p>
+          <a:p>
+            <a:r>
+              <a:rPr lang="en-GB" dirty="0"/>
+              <a:t>Concluded on two datasets, Thomas Davidson dataset and Sharma Roshan Dataset </a:t>
+            </a:r>
+          </a:p>
+          <a:p>
+            <a:endParaRPr lang="en-GB" dirty="0"/>
+          </a:p>
+          <a:p>
+            <a:pPr marL="0" indent="0">
+              <a:buNone/>
+            </a:pPr>
+            <a:endParaRPr lang="en-GB" dirty="0"/>
+          </a:p>
+        </p:txBody>
+      </p:sp>
+      <p:pic>
+        <p:nvPicPr>
+          <p:cNvPr id="5" name="Picture 4">
+            <a:extLst>
+              <a:ext uri="{FF2B5EF4-FFF2-40B4-BE49-F238E27FC236}">
+                <a16:creationId xmlns:a16="http://schemas.microsoft.com/office/drawing/2014/main" id="{6897B8C2-4478-D62D-6F27-8A65F2C7D718}"/>
+              </a:ext>
+            </a:extLst>
+          </p:cNvPr>
+          <p:cNvPicPr>
+            <a:picLocks noChangeAspect="1"/>
+          </p:cNvPicPr>
+          <p:nvPr/>
+        </p:nvPicPr>
+        <p:blipFill>
+          <a:blip r:embed="rId2"/>
+          <a:stretch>
+            <a:fillRect/>
+          </a:stretch>
+        </p:blipFill>
+        <p:spPr>
+          <a:xfrm>
+            <a:off x="7047400" y="140854"/>
+            <a:ext cx="4525888" cy="6576291"/>
+          </a:xfrm>
+          <a:prstGeom prst="rect">
+            <a:avLst/>
+          </a:prstGeom>
+        </p:spPr>
+      </p:pic>
     </p:spTree>
     <p:extLst>
       <p:ext uri="{BB962C8B-B14F-4D97-AF65-F5344CB8AC3E}">
@@ -5702,15 +5755,107 @@
             <p:ph idx="1"/>
           </p:nvPr>
         </p:nvSpPr>
-        <p:spPr/>
-        <p:txBody>
-          <a:bodyPr/>
-          <a:lstStyle/>
-          <a:p>
-            <a:endParaRPr lang="en-GB"/>
-          </a:p>
-        </p:txBody>
-      </p:sp>
+        <p:spPr>
+          <a:xfrm>
+            <a:off x="838200" y="1825625"/>
+            <a:ext cx="5257800" cy="4351338"/>
+          </a:xfrm>
+        </p:spPr>
+        <p:txBody>
+          <a:bodyPr/>
+          <a:lstStyle/>
+          <a:p>
+            <a:r>
+              <a:rPr lang="en-GB" dirty="0"/>
+              <a:t>Observed patterns in the data, more specifically each class</a:t>
+            </a:r>
+          </a:p>
+          <a:p>
+            <a:r>
+              <a:rPr lang="en-GB" dirty="0"/>
+              <a:t>Found that certain terms were common in hate speech such as “@USER” tags and URLs. </a:t>
+            </a:r>
+          </a:p>
+          <a:p>
+            <a:r>
+              <a:rPr lang="en-GB" dirty="0"/>
+              <a:t>Also, lots of profanity was found in hate speech terms (as expected)</a:t>
+            </a:r>
+          </a:p>
+        </p:txBody>
+      </p:sp>
+      <p:pic>
+        <p:nvPicPr>
+          <p:cNvPr id="5" name="Picture 4" descr="A picture containing bird, aquatic bird&#10;&#10;Description automatically generated">
+            <a:extLst>
+              <a:ext uri="{FF2B5EF4-FFF2-40B4-BE49-F238E27FC236}">
+                <a16:creationId xmlns:a16="http://schemas.microsoft.com/office/drawing/2014/main" id="{315E6D81-C4E9-BF70-A99E-2A18F5F23993}"/>
+              </a:ext>
+            </a:extLst>
+          </p:cNvPr>
+          <p:cNvPicPr>
+            <a:picLocks noChangeAspect="1"/>
+          </p:cNvPicPr>
+          <p:nvPr/>
+        </p:nvPicPr>
+        <p:blipFill>
+          <a:blip r:embed="rId2">
+            <a:extLst>
+              <a:ext uri="{28A0092B-C50C-407E-A947-70E740481C1C}">
+                <a14:useLocalDpi xmlns:a14="http://schemas.microsoft.com/office/drawing/2010/main" val="0"/>
+              </a:ext>
+            </a:extLst>
+          </a:blip>
+          <a:stretch>
+            <a:fillRect/>
+          </a:stretch>
+        </p:blipFill>
+        <p:spPr>
+          <a:xfrm>
+            <a:off x="7774806" y="157247"/>
+            <a:ext cx="3207230" cy="3066881"/>
+          </a:xfrm>
+          <a:prstGeom prst="rect">
+            <a:avLst/>
+          </a:prstGeom>
+        </p:spPr>
+      </p:pic>
+      <p:pic>
+        <p:nvPicPr>
+          <p:cNvPr id="7" name="Picture 6" descr="Shape, square&#10;&#10;Description automatically generated">
+            <a:extLst>
+              <a:ext uri="{FF2B5EF4-FFF2-40B4-BE49-F238E27FC236}">
+                <a16:creationId xmlns:a16="http://schemas.microsoft.com/office/drawing/2014/main" id="{FE793163-0383-6DF6-115C-EE24CC4215E6}"/>
+              </a:ext>
+            </a:extLst>
+          </p:cNvPr>
+          <p:cNvPicPr>
+            <a:picLocks noChangeAspect="1"/>
+          </p:cNvPicPr>
+          <p:nvPr/>
+        </p:nvPicPr>
+        <p:blipFill>
+          <a:blip r:embed="rId3">
+            <a:extLst>
+              <a:ext uri="{28A0092B-C50C-407E-A947-70E740481C1C}">
+                <a14:useLocalDpi xmlns:a14="http://schemas.microsoft.com/office/drawing/2010/main" val="0"/>
+              </a:ext>
+            </a:extLst>
+          </a:blip>
+          <a:stretch>
+            <a:fillRect/>
+          </a:stretch>
+        </p:blipFill>
+        <p:spPr>
+          <a:xfrm>
+            <a:off x="7681141" y="3421064"/>
+            <a:ext cx="3300895" cy="3071811"/>
+          </a:xfrm>
+          <a:prstGeom prst="rect">
+            <a:avLst/>
+          </a:prstGeom>
+        </p:spPr>
+      </p:pic>
     </p:spTree>
     <p:extLst>
       <p:ext uri="{BB962C8B-B14F-4D97-AF65-F5344CB8AC3E}">
@@ -5790,12 +5935,34 @@
             <p:ph idx="1"/>
           </p:nvPr>
         </p:nvSpPr>
-        <p:spPr/>
-        <p:txBody>
-          <a:bodyPr/>
-          <a:lstStyle/>
-          <a:p>
-            <a:endParaRPr lang="en-GB"/>
+        <p:spPr>
+          <a:xfrm>
+            <a:off x="838200" y="1825625"/>
+            <a:ext cx="5257800" cy="4351338"/>
+          </a:xfrm>
+        </p:spPr>
+        <p:txBody>
+          <a:bodyPr/>
+          <a:lstStyle/>
+          <a:p>
+            <a:r>
+              <a:rPr lang="en-GB" dirty="0"/>
+              <a:t>Before model development, the text was </a:t>
+            </a:r>
+            <a:r>
+              <a:rPr lang="en-GB" dirty="0" err="1"/>
+              <a:t>preprocessed</a:t>
+            </a:r>
+            <a:r>
+              <a:rPr lang="en-GB" dirty="0"/>
+              <a:t> to ensure that only useful data was input to the models.</a:t>
+            </a:r>
+          </a:p>
+          <a:p>
+            <a:r>
+              <a:rPr lang="en-GB" dirty="0"/>
+              <a:t>This meant that </a:t>
+            </a:r>
           </a:p>
         </p:txBody>
       </p:sp>
@@ -6921,9 +7088,10 @@
           </a:p>
           <a:p>
             <a:r>
-              <a:rPr lang="en-GB" dirty="0"/>
-              <a:t>GRUs</a:t>
-            </a:r>
+              <a:rPr lang="en-GB" dirty="0" err="1"/>
+              <a:t>BiGRUs</a:t>
+            </a:r>
+            <a:endParaRPr lang="en-GB" dirty="0"/>
           </a:p>
           <a:p>
             <a:r>
@@ -7007,15 +7175,78 @@
             <p:ph idx="1"/>
           </p:nvPr>
         </p:nvSpPr>
-        <p:spPr/>
-        <p:txBody>
-          <a:bodyPr/>
-          <a:lstStyle/>
-          <a:p>
-            <a:endParaRPr lang="en-GB" dirty="0"/>
-          </a:p>
-        </p:txBody>
-      </p:sp>
+        <p:spPr>
+          <a:xfrm>
+            <a:off x="313099" y="1690688"/>
+            <a:ext cx="5515636" cy="4929800"/>
+          </a:xfrm>
+        </p:spPr>
+        <p:txBody>
+          <a:bodyPr>
+            <a:normAutofit/>
+          </a:bodyPr>
+          <a:lstStyle/>
+          <a:p>
+            <a:r>
+              <a:rPr lang="en-GB" sz="2400" dirty="0"/>
+              <a:t>Supervised Learning Algorithm – Data is prelabelled</a:t>
+            </a:r>
+          </a:p>
+          <a:p>
+            <a:r>
+              <a:rPr lang="en-GB" sz="2400" dirty="0"/>
+              <a:t>Each sample looks at its K closest neighbours and its class is determined by the majority class of its K neighbours</a:t>
+            </a:r>
+          </a:p>
+        </p:txBody>
+      </p:sp>
+      <p:pic>
+        <p:nvPicPr>
+          <p:cNvPr id="1026" name="Picture 2" descr="KNN ALGORITHM AND IMPLEMENTATION FROM SCRATCH | by Vineet Maheshwari |  DataDrivenInvestor">
+            <a:extLst>
+              <a:ext uri="{FF2B5EF4-FFF2-40B4-BE49-F238E27FC236}">
+                <a16:creationId xmlns:a16="http://schemas.microsoft.com/office/drawing/2014/main" id="{E88F5036-5EB8-D368-BB0C-3F4C65D0B2D0}"/>
+              </a:ext>
+            </a:extLst>
+          </p:cNvPr>
+          <p:cNvPicPr>
+            <a:picLocks noChangeAspect="1" noChangeArrowheads="1"/>
+          </p:cNvPicPr>
+          <p:nvPr/>
+        </p:nvPicPr>
+        <p:blipFill>
+          <a:blip r:embed="rId2">
+            <a:extLst>
+              <a:ext uri="{28A0092B-C50C-407E-A947-70E740481C1C}">
+                <a14:useLocalDpi xmlns:a14="http://schemas.microsoft.com/office/drawing/2010/main" val="0"/>
+              </a:ext>
+            </a:extLst>
+          </a:blip>
+          <a:srcRect/>
+          <a:stretch>
+            <a:fillRect/>
+          </a:stretch>
+        </p:blipFill>
+        <p:spPr bwMode="auto">
+          <a:xfrm>
+            <a:off x="5901163" y="1880811"/>
+            <a:ext cx="6191250" cy="3600450"/>
+          </a:xfrm>
+          <a:prstGeom prst="rect">
+            <a:avLst/>
+          </a:prstGeom>
+          <a:noFill/>
+          <a:extLst>
+            <a:ext uri="{909E8E84-426E-40DD-AFC4-6F175D3DCCD1}">
+              <a14:hiddenFill xmlns:a14="http://schemas.microsoft.com/office/drawing/2010/main">
+                <a:solidFill>
+                  <a:srgbClr val="FFFFFF"/>
+                </a:solidFill>
+              </a14:hiddenFill>
+            </a:ext>
+          </a:extLst>
+        </p:spPr>
+      </p:pic>
     </p:spTree>
     <p:extLst>
       <p:ext uri="{BB962C8B-B14F-4D97-AF65-F5344CB8AC3E}">
@@ -7068,7 +7299,11 @@
           <a:lstStyle/>
           <a:p>
             <a:r>
-              <a:rPr lang="en-GB" dirty="0"/>
+              <a:rPr lang="en-GB" dirty="0">
+                <a:solidFill>
+                  <a:srgbClr val="FF0000"/>
+                </a:solidFill>
+              </a:rPr>
               <a:t>NBSVMs</a:t>
             </a:r>
           </a:p>
@@ -7090,12 +7325,34 @@
             <p:ph idx="1"/>
           </p:nvPr>
         </p:nvSpPr>
-        <p:spPr/>
-        <p:txBody>
-          <a:bodyPr/>
-          <a:lstStyle/>
-          <a:p>
-            <a:endParaRPr lang="en-GB"/>
+        <p:spPr>
+          <a:xfrm>
+            <a:off x="838200" y="1825625"/>
+            <a:ext cx="5517333" cy="4351338"/>
+          </a:xfrm>
+        </p:spPr>
+        <p:txBody>
+          <a:bodyPr>
+            <a:normAutofit/>
+          </a:bodyPr>
+          <a:lstStyle/>
+          <a:p>
+            <a:r>
+              <a:rPr lang="en-GB" sz="2400" dirty="0"/>
+              <a:t>Combines a support vector machine with naïve bayes log-count ratios.</a:t>
+            </a:r>
+          </a:p>
+          <a:p>
+            <a:r>
+              <a:rPr lang="en-GB" sz="2400" dirty="0"/>
+              <a:t>Naïve Bayes log-count ratios – probability a word appears in positive class versus negative class</a:t>
+            </a:r>
+          </a:p>
+          <a:p>
+            <a:endParaRPr lang="en-GB" sz="2400" dirty="0"/>
+          </a:p>
+          <a:p>
+            <a:endParaRPr lang="en-GB" sz="2400" dirty="0"/>
           </a:p>
         </p:txBody>
       </p:sp>
@@ -7151,9 +7408,10 @@
           <a:lstStyle/>
           <a:p>
             <a:r>
-              <a:rPr lang="en-GB" dirty="0"/>
-              <a:t>GRUs</a:t>
-            </a:r>
+              <a:rPr lang="en-GB" dirty="0" err="1"/>
+              <a:t>BiGRUs</a:t>
+            </a:r>
+            <a:endParaRPr lang="en-GB" dirty="0"/>
           </a:p>
         </p:txBody>
       </p:sp>
@@ -7173,12 +7431,43 @@
             <p:ph idx="1"/>
           </p:nvPr>
         </p:nvSpPr>
-        <p:spPr/>
-        <p:txBody>
-          <a:bodyPr/>
-          <a:lstStyle/>
-          <a:p>
-            <a:endParaRPr lang="en-GB"/>
+        <p:spPr>
+          <a:xfrm>
+            <a:off x="838200" y="1825625"/>
+            <a:ext cx="5257800" cy="4351338"/>
+          </a:xfrm>
+        </p:spPr>
+        <p:txBody>
+          <a:bodyPr>
+            <a:normAutofit/>
+          </a:bodyPr>
+          <a:lstStyle/>
+          <a:p>
+            <a:r>
+              <a:rPr lang="en-GB" sz="2400" dirty="0"/>
+              <a:t>Model that consists of two GRUs, one taking input in forward direction and other in a backwards direction</a:t>
+            </a:r>
+          </a:p>
+          <a:p>
+            <a:r>
+              <a:rPr lang="en-GB" sz="2400" dirty="0"/>
+              <a:t>A GRU is similar to an RNN, but also contains an update and reset gate which determine the information passed to the output.</a:t>
+            </a:r>
+          </a:p>
+          <a:p>
+            <a:r>
+              <a:rPr lang="en-GB" sz="2400" dirty="0"/>
+              <a:t>It looks at multiple input words to determine the output of the network.</a:t>
+            </a:r>
+          </a:p>
+          <a:p>
+            <a:endParaRPr lang="en-GB" sz="2400" dirty="0"/>
+          </a:p>
+          <a:p>
+            <a:endParaRPr lang="en-GB" sz="2400" dirty="0"/>
+          </a:p>
+          <a:p>
+            <a:endParaRPr lang="en-GB" sz="2400" dirty="0"/>
           </a:p>
         </p:txBody>
       </p:sp>
@@ -7234,7 +7523,11 @@
           <a:lstStyle/>
           <a:p>
             <a:r>
-              <a:rPr lang="en-GB" dirty="0"/>
+              <a:rPr lang="en-GB" dirty="0">
+                <a:solidFill>
+                  <a:srgbClr val="FF0000"/>
+                </a:solidFill>
+              </a:rPr>
               <a:t>Transformers</a:t>
             </a:r>
           </a:p>
@@ -7256,12 +7549,22 @@
             <p:ph idx="1"/>
           </p:nvPr>
         </p:nvSpPr>
-        <p:spPr/>
-        <p:txBody>
-          <a:bodyPr/>
-          <a:lstStyle/>
-          <a:p>
-            <a:endParaRPr lang="en-GB"/>
+        <p:spPr>
+          <a:xfrm>
+            <a:off x="838200" y="1825625"/>
+            <a:ext cx="5257800" cy="4351338"/>
+          </a:xfrm>
+        </p:spPr>
+        <p:txBody>
+          <a:bodyPr>
+            <a:normAutofit/>
+          </a:bodyPr>
+          <a:lstStyle/>
+          <a:p>
+            <a:r>
+              <a:rPr lang="en-GB" sz="2400" dirty="0"/>
+              <a:t>Encoder- Decoder Architecture</a:t>
+            </a:r>
           </a:p>
         </p:txBody>
       </p:sp>
